--- a/PPT/Presentation_Election_2020(rev01032020).pptx
+++ b/PPT/Presentation_Election_2020(rev01032020).pptx
@@ -6,10 +6,10 @@
     <p:sldMasterId id="2147483661" r:id="rId2"/>
   </p:sldMasterIdLst>
   <p:notesMasterIdLst>
-    <p:notesMasterId r:id="rId36"/>
+    <p:notesMasterId r:id="rId37"/>
   </p:notesMasterIdLst>
   <p:handoutMasterIdLst>
-    <p:handoutMasterId r:id="rId37"/>
+    <p:handoutMasterId r:id="rId38"/>
   </p:handoutMasterIdLst>
   <p:sldIdLst>
     <p:sldId id="286" r:id="rId3"/>
@@ -17,34 +17,35 @@
     <p:sldId id="283" r:id="rId5"/>
     <p:sldId id="285" r:id="rId6"/>
     <p:sldId id="287" r:id="rId7"/>
-    <p:sldId id="282" r:id="rId8"/>
-    <p:sldId id="293" r:id="rId9"/>
-    <p:sldId id="297" r:id="rId10"/>
-    <p:sldId id="284" r:id="rId11"/>
-    <p:sldId id="299" r:id="rId12"/>
-    <p:sldId id="300" r:id="rId13"/>
-    <p:sldId id="257" r:id="rId14"/>
-    <p:sldId id="268" r:id="rId15"/>
-    <p:sldId id="269" r:id="rId16"/>
-    <p:sldId id="270" r:id="rId17"/>
-    <p:sldId id="296" r:id="rId18"/>
-    <p:sldId id="258" r:id="rId19"/>
-    <p:sldId id="260" r:id="rId20"/>
-    <p:sldId id="288" r:id="rId21"/>
-    <p:sldId id="259" r:id="rId22"/>
-    <p:sldId id="273" r:id="rId23"/>
-    <p:sldId id="274" r:id="rId24"/>
-    <p:sldId id="275" r:id="rId25"/>
-    <p:sldId id="290" r:id="rId26"/>
-    <p:sldId id="295" r:id="rId27"/>
-    <p:sldId id="276" r:id="rId28"/>
-    <p:sldId id="277" r:id="rId29"/>
-    <p:sldId id="280" r:id="rId30"/>
-    <p:sldId id="289" r:id="rId31"/>
-    <p:sldId id="294" r:id="rId32"/>
-    <p:sldId id="298" r:id="rId33"/>
-    <p:sldId id="271" r:id="rId34"/>
-    <p:sldId id="292" r:id="rId35"/>
+    <p:sldId id="301" r:id="rId8"/>
+    <p:sldId id="282" r:id="rId9"/>
+    <p:sldId id="293" r:id="rId10"/>
+    <p:sldId id="297" r:id="rId11"/>
+    <p:sldId id="284" r:id="rId12"/>
+    <p:sldId id="299" r:id="rId13"/>
+    <p:sldId id="300" r:id="rId14"/>
+    <p:sldId id="257" r:id="rId15"/>
+    <p:sldId id="268" r:id="rId16"/>
+    <p:sldId id="269" r:id="rId17"/>
+    <p:sldId id="270" r:id="rId18"/>
+    <p:sldId id="296" r:id="rId19"/>
+    <p:sldId id="258" r:id="rId20"/>
+    <p:sldId id="260" r:id="rId21"/>
+    <p:sldId id="288" r:id="rId22"/>
+    <p:sldId id="259" r:id="rId23"/>
+    <p:sldId id="273" r:id="rId24"/>
+    <p:sldId id="274" r:id="rId25"/>
+    <p:sldId id="275" r:id="rId26"/>
+    <p:sldId id="290" r:id="rId27"/>
+    <p:sldId id="295" r:id="rId28"/>
+    <p:sldId id="276" r:id="rId29"/>
+    <p:sldId id="277" r:id="rId30"/>
+    <p:sldId id="280" r:id="rId31"/>
+    <p:sldId id="289" r:id="rId32"/>
+    <p:sldId id="294" r:id="rId33"/>
+    <p:sldId id="298" r:id="rId34"/>
+    <p:sldId id="271" r:id="rId35"/>
+    <p:sldId id="292" r:id="rId36"/>
   </p:sldIdLst>
   <p:sldSz cx="9144000" cy="6858000" type="screen4x3"/>
   <p:notesSz cx="6858000" cy="9144000"/>
@@ -145,7 +146,7 @@
   </p:defaultTextStyle>
   <p:extLst>
     <p:ext uri="{EFAFB233-063F-42B5-8137-9DF3F51BA10A}">
-      <p15:sldGuideLst xmlns:p15="http://schemas.microsoft.com/office/powerpoint/2012/main" xmlns="">
+      <p15:sldGuideLst xmlns="" xmlns:p15="http://schemas.microsoft.com/office/powerpoint/2012/main">
         <p15:guide id="1" orient="horz" pos="2160">
           <p15:clr>
             <a:srgbClr val="A4A3A4"/>
@@ -251,9 +252,9 @@
           </c:marker>
           <c:cat>
             <c:strRef>
-              <c:f>工作表1!$B$1:$G$1</c:f>
+              <c:f>工作表1!$B$1:$H$1</c:f>
               <c:strCache>
-                <c:ptCount val="6"/>
+                <c:ptCount val="7"/>
                 <c:pt idx="0">
                   <c:v>1996</c:v>
                 </c:pt>
@@ -271,16 +272,19 @@
                 </c:pt>
                 <c:pt idx="5">
                   <c:v>2016</c:v>
+                </c:pt>
+                <c:pt idx="6">
+                  <c:v>2020</c:v>
                 </c:pt>
               </c:strCache>
             </c:strRef>
           </c:cat>
           <c:val>
             <c:numRef>
-              <c:f>工作表1!$B$2:$G$2</c:f>
+              <c:f>工作表1!$B$2:$H$2</c:f>
               <c:numCache>
                 <c:formatCode>General</c:formatCode>
-                <c:ptCount val="6"/>
+                <c:ptCount val="7"/>
                 <c:pt idx="0">
                   <c:v>54.0</c:v>
                 </c:pt>
@@ -298,6 +302,9 @@
                 </c:pt>
                 <c:pt idx="5">
                   <c:v>31.0</c:v>
+                </c:pt>
+                <c:pt idx="6">
+                  <c:v>39.0</c:v>
                 </c:pt>
               </c:numCache>
             </c:numRef>
@@ -339,9 +346,9 @@
           </c:marker>
           <c:cat>
             <c:strRef>
-              <c:f>工作表1!$B$1:$G$1</c:f>
+              <c:f>工作表1!$B$1:$H$1</c:f>
               <c:strCache>
-                <c:ptCount val="6"/>
+                <c:ptCount val="7"/>
                 <c:pt idx="0">
                   <c:v>1996</c:v>
                 </c:pt>
@@ -359,16 +366,19 @@
                 </c:pt>
                 <c:pt idx="5">
                   <c:v>2016</c:v>
+                </c:pt>
+                <c:pt idx="6">
+                  <c:v>2020</c:v>
                 </c:pt>
               </c:strCache>
             </c:strRef>
           </c:cat>
           <c:val>
             <c:numRef>
-              <c:f>工作表1!$B$3:$G$3</c:f>
+              <c:f>工作表1!$B$3:$H$3</c:f>
               <c:numCache>
                 <c:formatCode>General</c:formatCode>
-                <c:ptCount val="6"/>
+                <c:ptCount val="7"/>
                 <c:pt idx="0">
                   <c:v>21.0</c:v>
                 </c:pt>
@@ -386,6 +396,9 @@
                 </c:pt>
                 <c:pt idx="5">
                   <c:v>56.0</c:v>
+                </c:pt>
+                <c:pt idx="6">
+                  <c:v>57.0</c:v>
                 </c:pt>
               </c:numCache>
             </c:numRef>
@@ -427,9 +440,9 @@
           </c:marker>
           <c:cat>
             <c:strRef>
-              <c:f>工作表1!$B$1:$G$1</c:f>
+              <c:f>工作表1!$B$1:$H$1</c:f>
               <c:strCache>
-                <c:ptCount val="6"/>
+                <c:ptCount val="7"/>
                 <c:pt idx="0">
                   <c:v>1996</c:v>
                 </c:pt>
@@ -447,16 +460,19 @@
                 </c:pt>
                 <c:pt idx="5">
                   <c:v>2016</c:v>
+                </c:pt>
+                <c:pt idx="6">
+                  <c:v>2020</c:v>
                 </c:pt>
               </c:strCache>
             </c:strRef>
           </c:cat>
           <c:val>
             <c:numRef>
-              <c:f>工作表1!$B$4:$G$4</c:f>
+              <c:f>工作表1!$B$4:$H$4</c:f>
               <c:numCache>
                 <c:formatCode>General</c:formatCode>
-                <c:ptCount val="6"/>
+                <c:ptCount val="7"/>
                 <c:pt idx="0">
                   <c:v>23.0</c:v>
                 </c:pt>
@@ -474,6 +490,9 @@
                 </c:pt>
                 <c:pt idx="5">
                   <c:v>16.2</c:v>
+                </c:pt>
+                <c:pt idx="6">
+                  <c:v>4.0</c:v>
                 </c:pt>
               </c:numCache>
             </c:numRef>
@@ -513,9 +532,9 @@
           </c:marker>
           <c:cat>
             <c:strRef>
-              <c:f>工作表1!$B$1:$G$1</c:f>
+              <c:f>工作表1!$B$1:$H$1</c:f>
               <c:strCache>
-                <c:ptCount val="6"/>
+                <c:ptCount val="7"/>
                 <c:pt idx="0">
                   <c:v>1996</c:v>
                 </c:pt>
@@ -533,16 +552,19 @@
                 </c:pt>
                 <c:pt idx="5">
                   <c:v>2016</c:v>
+                </c:pt>
+                <c:pt idx="6">
+                  <c:v>2020</c:v>
                 </c:pt>
               </c:strCache>
             </c:strRef>
           </c:cat>
           <c:val>
             <c:numRef>
-              <c:f>工作表1!$B$5:$G$5</c:f>
+              <c:f>工作表1!$B$5:$H$5</c:f>
               <c:numCache>
                 <c:formatCode>General</c:formatCode>
-                <c:ptCount val="6"/>
+                <c:ptCount val="7"/>
                 <c:pt idx="0">
                   <c:v>76.0</c:v>
                 </c:pt>
@@ -560,6 +582,9 @@
                 </c:pt>
                 <c:pt idx="5">
                   <c:v>66.0</c:v>
+                </c:pt>
+                <c:pt idx="6">
+                  <c:v>75.0</c:v>
                 </c:pt>
               </c:numCache>
             </c:numRef>
@@ -581,11 +606,11 @@
         </c:dLbls>
         <c:marker val="1"/>
         <c:smooth val="0"/>
-        <c:axId val="2130549592"/>
-        <c:axId val="2130553304"/>
+        <c:axId val="2135906680"/>
+        <c:axId val="2135881496"/>
       </c:lineChart>
       <c:catAx>
-        <c:axId val="2130549592"/>
+        <c:axId val="2135906680"/>
         <c:scaling>
           <c:orientation val="minMax"/>
         </c:scaling>
@@ -628,7 +653,7 @@
             <a:endParaRPr lang="en-US"/>
           </a:p>
         </c:txPr>
-        <c:crossAx val="2130553304"/>
+        <c:crossAx val="2135881496"/>
         <c:crosses val="autoZero"/>
         <c:auto val="1"/>
         <c:lblAlgn val="ctr"/>
@@ -636,7 +661,7 @@
         <c:noMultiLvlLbl val="0"/>
       </c:catAx>
       <c:valAx>
-        <c:axId val="2130553304"/>
+        <c:axId val="2135881496"/>
         <c:scaling>
           <c:orientation val="minMax"/>
         </c:scaling>
@@ -687,7 +712,7 @@
             <a:endParaRPr lang="en-US"/>
           </a:p>
         </c:txPr>
-        <c:crossAx val="2130549592"/>
+        <c:crossAx val="2135906680"/>
         <c:crosses val="autoZero"/>
         <c:crossBetween val="between"/>
       </c:valAx>
@@ -772,6 +797,335 @@
   <c:roundedCorners val="0"/>
   <mc:AlternateContent xmlns:mc="http://schemas.openxmlformats.org/markup-compatibility/2006">
     <mc:Choice xmlns:c14="http://schemas.microsoft.com/office/drawing/2007/8/2/chart" Requires="c14">
+      <c14:style val="107"/>
+    </mc:Choice>
+    <mc:Fallback>
+      <c:style val="7"/>
+    </mc:Fallback>
+  </mc:AlternateContent>
+  <c:chart>
+    <c:autoTitleDeleted val="1"/>
+    <c:plotArea>
+      <c:layout/>
+      <c:barChart>
+        <c:barDir val="col"/>
+        <c:grouping val="clustered"/>
+        <c:varyColors val="0"/>
+        <c:ser>
+          <c:idx val="0"/>
+          <c:order val="0"/>
+          <c:tx>
+            <c:strRef>
+              <c:f>工作表1!$B$1</c:f>
+              <c:strCache>
+                <c:ptCount val="1"/>
+                <c:pt idx="0">
+                  <c:v>數列 1</c:v>
+                </c:pt>
+              </c:strCache>
+            </c:strRef>
+          </c:tx>
+          <c:spPr>
+            <a:solidFill>
+              <a:schemeClr val="accent5"/>
+            </a:solidFill>
+            <a:ln>
+              <a:noFill/>
+            </a:ln>
+            <a:effectLst/>
+          </c:spPr>
+          <c:invertIfNegative val="0"/>
+          <c:dLbls>
+            <c:spPr>
+              <a:noFill/>
+              <a:ln>
+                <a:noFill/>
+              </a:ln>
+              <a:effectLst/>
+            </c:spPr>
+            <c:txPr>
+              <a:bodyPr rot="0" spcFirstLastPara="1" vertOverflow="ellipsis" vert="horz" wrap="square" lIns="38100" tIns="19050" rIns="38100" bIns="19050" anchor="ctr" anchorCtr="1">
+                <a:spAutoFit/>
+              </a:bodyPr>
+              <a:lstStyle/>
+              <a:p>
+                <a:pPr>
+                  <a:defRPr sz="1400" b="0" i="0" u="none" strike="noStrike" kern="1200" baseline="0">
+                    <a:ln>
+                      <a:noFill/>
+                    </a:ln>
+                    <a:solidFill>
+                      <a:schemeClr val="tx1">
+                        <a:lumMod val="50000"/>
+                        <a:lumOff val="50000"/>
+                      </a:schemeClr>
+                    </a:solidFill>
+                    <a:latin typeface="+mn-lt"/>
+                    <a:ea typeface="+mn-ea"/>
+                    <a:cs typeface="+mn-cs"/>
+                  </a:defRPr>
+                </a:pPr>
+                <a:endParaRPr lang="en-US"/>
+              </a:p>
+            </c:txPr>
+            <c:dLblPos val="outEnd"/>
+            <c:showLegendKey val="0"/>
+            <c:showVal val="1"/>
+            <c:showCatName val="0"/>
+            <c:showSerName val="0"/>
+            <c:showPercent val="0"/>
+            <c:showBubbleSize val="0"/>
+            <c:showLeaderLines val="0"/>
+            <c:extLst xmlns:c16r2="http://schemas.microsoft.com/office/drawing/2015/06/chart">
+              <c:ext xmlns:c15="http://schemas.microsoft.com/office/drawing/2012/chart" uri="{CE6537A1-D6FC-4f65-9D91-7224C49458BB}">
+                <c15:showLeaderLines val="1"/>
+                <c15:leaderLines>
+                  <c:spPr>
+                    <a:ln w="9525" cap="flat" cmpd="sng" algn="ctr">
+                      <a:solidFill>
+                        <a:schemeClr val="tx1">
+                          <a:lumMod val="35000"/>
+                          <a:lumOff val="65000"/>
+                        </a:schemeClr>
+                      </a:solidFill>
+                      <a:prstDash val="solid"/>
+                      <a:round/>
+                    </a:ln>
+                    <a:effectLst/>
+                  </c:spPr>
+                </c15:leaderLines>
+              </c:ext>
+            </c:extLst>
+          </c:dLbls>
+          <c:cat>
+            <c:strRef>
+              <c:f>工作表1!$A$2:$A$7</c:f>
+              <c:strCache>
+                <c:ptCount val="6"/>
+                <c:pt idx="0">
+                  <c:v>20-29</c:v>
+                </c:pt>
+                <c:pt idx="1">
+                  <c:v>30-39</c:v>
+                </c:pt>
+                <c:pt idx="2">
+                  <c:v>40-49</c:v>
+                </c:pt>
+                <c:pt idx="3">
+                  <c:v>50-59</c:v>
+                </c:pt>
+                <c:pt idx="4">
+                  <c:v>60+</c:v>
+                </c:pt>
+                <c:pt idx="5">
+                  <c:v>Non Response</c:v>
+                </c:pt>
+              </c:strCache>
+            </c:strRef>
+          </c:cat>
+          <c:val>
+            <c:numRef>
+              <c:f>工作表1!$B$2:$B$7</c:f>
+              <c:numCache>
+                <c:formatCode>General</c:formatCode>
+                <c:ptCount val="6"/>
+                <c:pt idx="0">
+                  <c:v>16.0</c:v>
+                </c:pt>
+                <c:pt idx="1">
+                  <c:v>18.7</c:v>
+                </c:pt>
+                <c:pt idx="2">
+                  <c:v>18.9</c:v>
+                </c:pt>
+                <c:pt idx="3">
+                  <c:v>18.6</c:v>
+                </c:pt>
+                <c:pt idx="4">
+                  <c:v>25.9</c:v>
+                </c:pt>
+                <c:pt idx="5">
+                  <c:v>1.9</c:v>
+                </c:pt>
+              </c:numCache>
+            </c:numRef>
+          </c:val>
+          <c:extLst xmlns:c16r2="http://schemas.microsoft.com/office/drawing/2015/06/chart">
+            <c:ext xmlns:c16="http://schemas.microsoft.com/office/drawing/2014/chart" uri="{C3380CC4-5D6E-409C-BE32-E72D297353CC}">
+              <c16:uniqueId val="{00000000-C8C8-B14B-87C8-DF6AD25B7637}"/>
+            </c:ext>
+          </c:extLst>
+        </c:ser>
+        <c:dLbls>
+          <c:dLblPos val="inEnd"/>
+          <c:showLegendKey val="0"/>
+          <c:showVal val="1"/>
+          <c:showCatName val="0"/>
+          <c:showSerName val="0"/>
+          <c:showPercent val="0"/>
+          <c:showBubbleSize val="0"/>
+        </c:dLbls>
+        <c:gapWidth val="100"/>
+        <c:overlap val="-24"/>
+        <c:axId val="2135093144"/>
+        <c:axId val="2134928248"/>
+      </c:barChart>
+      <c:catAx>
+        <c:axId val="2135093144"/>
+        <c:scaling>
+          <c:orientation val="minMax"/>
+        </c:scaling>
+        <c:delete val="0"/>
+        <c:axPos val="b"/>
+        <c:numFmt formatCode="General" sourceLinked="1"/>
+        <c:majorTickMark val="none"/>
+        <c:minorTickMark val="none"/>
+        <c:tickLblPos val="nextTo"/>
+        <c:spPr>
+          <a:noFill/>
+          <a:ln w="9525" cap="flat" cmpd="sng" algn="ctr">
+            <a:solidFill>
+              <a:schemeClr val="tx1">
+                <a:lumMod val="15000"/>
+                <a:lumOff val="85000"/>
+              </a:schemeClr>
+            </a:solidFill>
+            <a:prstDash val="solid"/>
+            <a:round/>
+          </a:ln>
+          <a:effectLst/>
+        </c:spPr>
+        <c:txPr>
+          <a:bodyPr rot="-60000000" spcFirstLastPara="1" vertOverflow="ellipsis" vert="horz" wrap="square" anchor="ctr" anchorCtr="1"/>
+          <a:lstStyle/>
+          <a:p>
+            <a:pPr>
+              <a:defRPr sz="1400" b="0" i="0" u="none" strike="noStrike" kern="1200" baseline="0">
+                <a:solidFill>
+                  <a:schemeClr val="tx1">
+                    <a:lumMod val="50000"/>
+                    <a:lumOff val="50000"/>
+                  </a:schemeClr>
+                </a:solidFill>
+                <a:latin typeface="+mn-lt"/>
+                <a:ea typeface="+mn-ea"/>
+                <a:cs typeface="+mn-cs"/>
+              </a:defRPr>
+            </a:pPr>
+            <a:endParaRPr lang="en-US"/>
+          </a:p>
+        </c:txPr>
+        <c:crossAx val="2134928248"/>
+        <c:crosses val="autoZero"/>
+        <c:auto val="1"/>
+        <c:lblAlgn val="ctr"/>
+        <c:lblOffset val="100"/>
+        <c:noMultiLvlLbl val="0"/>
+      </c:catAx>
+      <c:valAx>
+        <c:axId val="2134928248"/>
+        <c:scaling>
+          <c:orientation val="minMax"/>
+        </c:scaling>
+        <c:delete val="0"/>
+        <c:axPos val="l"/>
+        <c:majorGridlines>
+          <c:spPr>
+            <a:ln w="9525" cap="flat" cmpd="sng" algn="ctr">
+              <a:noFill/>
+              <a:prstDash val="solid"/>
+              <a:round/>
+            </a:ln>
+            <a:effectLst/>
+          </c:spPr>
+        </c:majorGridlines>
+        <c:numFmt formatCode="General" sourceLinked="1"/>
+        <c:majorTickMark val="none"/>
+        <c:minorTickMark val="none"/>
+        <c:tickLblPos val="nextTo"/>
+        <c:spPr>
+          <a:noFill/>
+          <a:ln w="9525" cap="flat" cmpd="sng" algn="ctr">
+            <a:noFill/>
+            <a:prstDash val="solid"/>
+            <a:round/>
+          </a:ln>
+          <a:effectLst/>
+        </c:spPr>
+        <c:txPr>
+          <a:bodyPr rot="-60000000" spcFirstLastPara="1" vertOverflow="ellipsis" vert="horz" wrap="square" anchor="ctr" anchorCtr="1"/>
+          <a:lstStyle/>
+          <a:p>
+            <a:pPr>
+              <a:defRPr sz="1197" b="0" i="0" u="none" strike="noStrike" kern="1200" baseline="0">
+                <a:solidFill>
+                  <a:schemeClr val="tx1">
+                    <a:lumMod val="50000"/>
+                    <a:lumOff val="50000"/>
+                  </a:schemeClr>
+                </a:solidFill>
+                <a:latin typeface="+mn-lt"/>
+                <a:ea typeface="+mn-ea"/>
+                <a:cs typeface="+mn-cs"/>
+              </a:defRPr>
+            </a:pPr>
+            <a:endParaRPr lang="en-US"/>
+          </a:p>
+        </c:txPr>
+        <c:crossAx val="2135093144"/>
+        <c:crosses val="autoZero"/>
+        <c:crossBetween val="between"/>
+      </c:valAx>
+      <c:spPr>
+        <a:noFill/>
+        <a:ln>
+          <a:noFill/>
+        </a:ln>
+        <a:effectLst/>
+      </c:spPr>
+    </c:plotArea>
+    <c:plotVisOnly val="1"/>
+    <c:dispBlanksAs val="gap"/>
+    <c:showDLblsOverMax val="0"/>
+    <c:extLst xmlns:c16r2="http://schemas.microsoft.com/office/drawing/2015/06/chart">
+      <c:ext xmlns:c16r3="http://schemas.microsoft.com/office/drawing/2017/03/chart" uri="{56B9EC1D-385E-4148-901F-78D8002777C0}">
+        <c16r3:dataDisplayOptions16>
+          <c16r3:dispNaAsBlank val="1"/>
+        </c16r3:dataDisplayOptions16>
+      </c:ext>
+    </c:extLst>
+  </c:chart>
+  <c:spPr>
+    <a:noFill/>
+    <a:ln w="9525" cap="flat" cmpd="sng" algn="ctr">
+      <a:noFill/>
+      <a:prstDash val="solid"/>
+    </a:ln>
+    <a:effectLst/>
+  </c:spPr>
+  <c:txPr>
+    <a:bodyPr/>
+    <a:lstStyle/>
+    <a:p>
+      <a:pPr>
+        <a:defRPr/>
+      </a:pPr>
+      <a:endParaRPr lang="en-US"/>
+    </a:p>
+  </c:txPr>
+  <c:externalData r:id="rId1">
+    <c:autoUpdate val="0"/>
+  </c:externalData>
+</c:chartSpace>
+</file>
+
+<file path=ppt/charts/chart11.xml><?xml version="1.0" encoding="utf-8"?>
+<c:chartSpace xmlns:c="http://schemas.openxmlformats.org/drawingml/2006/chart" xmlns:a="http://schemas.openxmlformats.org/drawingml/2006/main" xmlns:r="http://schemas.openxmlformats.org/officeDocument/2006/relationships">
+  <c:date1904 val="0"/>
+  <c:lang val="en-US"/>
+  <c:roundedCorners val="0"/>
+  <mc:AlternateContent xmlns:mc="http://schemas.openxmlformats.org/markup-compatibility/2006">
+    <mc:Choice xmlns:c14="http://schemas.microsoft.com/office/drawing/2007/8/2/chart" Requires="c14">
       <c14:style val="102"/>
     </mc:Choice>
     <mc:Fallback>
@@ -1048,7 +1402,7 @@
                   <c:v>29.1</c:v>
                 </c:pt>
                 <c:pt idx="1">
-                  <c:v>34.30000000000001</c:v>
+                  <c:v>34.3</c:v>
                 </c:pt>
                 <c:pt idx="2">
                   <c:v>30.5</c:v>
@@ -1455,11 +1809,11 @@
         </c:dLbls>
         <c:gapWidth val="100"/>
         <c:overlap val="-24"/>
-        <c:axId val="-2138411400"/>
-        <c:axId val="-2138407576"/>
+        <c:axId val="2065509256"/>
+        <c:axId val="2065513032"/>
       </c:barChart>
       <c:catAx>
-        <c:axId val="-2138411400"/>
+        <c:axId val="2065509256"/>
         <c:scaling>
           <c:orientation val="minMax"/>
         </c:scaling>
@@ -1503,7 +1857,7 @@
             <a:endParaRPr lang="en-US"/>
           </a:p>
         </c:txPr>
-        <c:crossAx val="-2138407576"/>
+        <c:crossAx val="2065513032"/>
         <c:crosses val="autoZero"/>
         <c:auto val="1"/>
         <c:lblAlgn val="ctr"/>
@@ -1511,7 +1865,7 @@
         <c:noMultiLvlLbl val="0"/>
       </c:catAx>
       <c:valAx>
-        <c:axId val="-2138407576"/>
+        <c:axId val="2065513032"/>
         <c:scaling>
           <c:orientation val="minMax"/>
         </c:scaling>
@@ -1560,7 +1914,7 @@
             <a:endParaRPr lang="en-US"/>
           </a:p>
         </c:txPr>
-        <c:crossAx val="-2138411400"/>
+        <c:crossAx val="2065509256"/>
         <c:crosses val="autoZero"/>
         <c:crossBetween val="between"/>
       </c:valAx>
@@ -1639,7 +1993,7 @@
 </c:chartSpace>
 </file>
 
-<file path=ppt/charts/chart11.xml><?xml version="1.0" encoding="utf-8"?>
+<file path=ppt/charts/chart12.xml><?xml version="1.0" encoding="utf-8"?>
 <c:chartSpace xmlns:c="http://schemas.openxmlformats.org/drawingml/2006/chart" xmlns:a="http://schemas.openxmlformats.org/drawingml/2006/main" xmlns:r="http://schemas.openxmlformats.org/officeDocument/2006/relationships">
   <c:date1904 val="0"/>
   <c:lang val="en-US"/>
@@ -1912,7 +2266,7 @@
                 <c:formatCode>General</c:formatCode>
                 <c:ptCount val="5"/>
                 <c:pt idx="0">
-                  <c:v>37.80000000000001</c:v>
+                  <c:v>37.8</c:v>
                 </c:pt>
                 <c:pt idx="1">
                   <c:v>32.9</c:v>
@@ -1944,11 +2298,11 @@
           <c:showBubbleSize val="0"/>
         </c:dLbls>
         <c:gapWidth val="150"/>
-        <c:axId val="-2143429416"/>
-        <c:axId val="-2143409864"/>
+        <c:axId val="2133110808"/>
+        <c:axId val="2135035048"/>
       </c:barChart>
       <c:catAx>
-        <c:axId val="-2143429416"/>
+        <c:axId val="2133110808"/>
         <c:scaling>
           <c:orientation val="minMax"/>
         </c:scaling>
@@ -1958,7 +2312,7 @@
         <c:majorTickMark val="out"/>
         <c:minorTickMark val="none"/>
         <c:tickLblPos val="nextTo"/>
-        <c:crossAx val="-2143409864"/>
+        <c:crossAx val="2135035048"/>
         <c:crosses val="autoZero"/>
         <c:auto val="1"/>
         <c:lblAlgn val="ctr"/>
@@ -1966,7 +2320,7 @@
         <c:noMultiLvlLbl val="0"/>
       </c:catAx>
       <c:valAx>
-        <c:axId val="-2143409864"/>
+        <c:axId val="2135035048"/>
         <c:scaling>
           <c:orientation val="minMax"/>
         </c:scaling>
@@ -1983,7 +2337,7 @@
         <c:majorTickMark val="out"/>
         <c:minorTickMark val="none"/>
         <c:tickLblPos val="nextTo"/>
-        <c:crossAx val="-2143429416"/>
+        <c:crossAx val="2133110808"/>
         <c:crosses val="autoZero"/>
         <c:crossBetween val="between"/>
       </c:valAx>
@@ -2013,7 +2367,7 @@
 </c:chartSpace>
 </file>
 
-<file path=ppt/charts/chart12.xml><?xml version="1.0" encoding="utf-8"?>
+<file path=ppt/charts/chart13.xml><?xml version="1.0" encoding="utf-8"?>
 <c:chartSpace xmlns:c="http://schemas.openxmlformats.org/drawingml/2006/chart" xmlns:a="http://schemas.openxmlformats.org/drawingml/2006/main" xmlns:r="http://schemas.openxmlformats.org/officeDocument/2006/relationships">
   <c:date1904 val="0"/>
   <c:lang val="en-US"/>
@@ -2314,11 +2668,11 @@
           <c:showBubbleSize val="0"/>
         </c:dLbls>
         <c:gapWidth val="150"/>
-        <c:axId val="2080775048"/>
-        <c:axId val="2080752568"/>
+        <c:axId val="2135388184"/>
+        <c:axId val="2139612280"/>
       </c:barChart>
       <c:catAx>
-        <c:axId val="2080775048"/>
+        <c:axId val="2135388184"/>
         <c:scaling>
           <c:orientation val="minMax"/>
         </c:scaling>
@@ -2360,7 +2714,7 @@
             <a:endParaRPr lang="en-US"/>
           </a:p>
         </c:txPr>
-        <c:crossAx val="2080752568"/>
+        <c:crossAx val="2139612280"/>
         <c:crosses val="autoZero"/>
         <c:auto val="1"/>
         <c:lblAlgn val="ctr"/>
@@ -2368,7 +2722,7 @@
         <c:noMultiLvlLbl val="0"/>
       </c:catAx>
       <c:valAx>
-        <c:axId val="2080752568"/>
+        <c:axId val="2139612280"/>
         <c:scaling>
           <c:orientation val="minMax"/>
         </c:scaling>
@@ -2420,7 +2774,7 @@
             <a:endParaRPr lang="en-US"/>
           </a:p>
         </c:txPr>
-        <c:crossAx val="2080775048"/>
+        <c:crossAx val="2135388184"/>
         <c:crosses val="autoZero"/>
         <c:crossBetween val="between"/>
       </c:valAx>
@@ -2489,7 +2843,7 @@
 </c:chartSpace>
 </file>
 
-<file path=ppt/charts/chart13.xml><?xml version="1.0" encoding="utf-8"?>
+<file path=ppt/charts/chart14.xml><?xml version="1.0" encoding="utf-8"?>
 <c:chartSpace xmlns:c="http://schemas.openxmlformats.org/drawingml/2006/chart" xmlns:a="http://schemas.openxmlformats.org/drawingml/2006/main" xmlns:r="http://schemas.openxmlformats.org/officeDocument/2006/relationships">
   <c:date1904 val="0"/>
   <c:lang val="en-US"/>
@@ -2764,11 +3118,11 @@
           <c:showBubbleSize val="0"/>
         </c:dLbls>
         <c:gapWidth val="150"/>
-        <c:axId val="-2138976200"/>
-        <c:axId val="-2138979336"/>
+        <c:axId val="2138868312"/>
+        <c:axId val="2138871432"/>
       </c:barChart>
       <c:catAx>
-        <c:axId val="-2138976200"/>
+        <c:axId val="2138868312"/>
         <c:scaling>
           <c:orientation val="minMax"/>
         </c:scaling>
@@ -2788,7 +3142,7 @@
             <a:endParaRPr lang="en-US"/>
           </a:p>
         </c:txPr>
-        <c:crossAx val="-2138979336"/>
+        <c:crossAx val="2138871432"/>
         <c:crosses val="autoZero"/>
         <c:auto val="1"/>
         <c:lblAlgn val="ctr"/>
@@ -2796,7 +3150,7 @@
         <c:noMultiLvlLbl val="0"/>
       </c:catAx>
       <c:valAx>
-        <c:axId val="-2138979336"/>
+        <c:axId val="2138871432"/>
         <c:scaling>
           <c:orientation val="minMax"/>
         </c:scaling>
@@ -2817,7 +3171,7 @@
             <a:endParaRPr lang="en-US"/>
           </a:p>
         </c:txPr>
-        <c:crossAx val="-2138976200"/>
+        <c:crossAx val="2138868312"/>
         <c:crosses val="autoZero"/>
         <c:crossBetween val="between"/>
       </c:valAx>
@@ -2891,8 +3245,12 @@
               </a:defRPr>
             </a:pPr>
             <a:r>
+              <a:rPr lang="en-US" altLang="zh-TW" dirty="0" smtClean="0"/>
+              <a:t>District-level Legislative </a:t>
+            </a:r>
+            <a:r>
               <a:rPr lang="en-US" altLang="zh-TW" dirty="0"/>
-              <a:t>Legislative Elections</a:t>
+              <a:t>Elections</a:t>
             </a:r>
             <a:endParaRPr lang="zh-TW" altLang="en-US" dirty="0"/>
           </a:p>
@@ -2942,9 +3300,9 @@
           </c:marker>
           <c:cat>
             <c:strRef>
-              <c:f>工作表1!$B$1:$G$1</c:f>
+              <c:f>工作表1!$B$1:$H$1</c:f>
               <c:strCache>
-                <c:ptCount val="6"/>
+                <c:ptCount val="7"/>
                 <c:pt idx="0">
                   <c:v>1998</c:v>
                 </c:pt>
@@ -2962,16 +3320,19 @@
                 </c:pt>
                 <c:pt idx="5">
                   <c:v>2016</c:v>
+                </c:pt>
+                <c:pt idx="6">
+                  <c:v>2020</c:v>
                 </c:pt>
               </c:strCache>
             </c:strRef>
           </c:cat>
           <c:val>
             <c:numRef>
-              <c:f>工作表1!$B$2:$G$2</c:f>
+              <c:f>工作表1!$B$2:$H$2</c:f>
               <c:numCache>
                 <c:formatCode>General</c:formatCode>
-                <c:ptCount val="6"/>
+                <c:ptCount val="7"/>
                 <c:pt idx="0">
                   <c:v>46.0</c:v>
                 </c:pt>
@@ -2989,6 +3350,9 @@
                 </c:pt>
                 <c:pt idx="5">
                   <c:v>38.0</c:v>
+                </c:pt>
+                <c:pt idx="6">
+                  <c:v>40.0</c:v>
                 </c:pt>
               </c:numCache>
             </c:numRef>
@@ -3030,9 +3394,9 @@
           </c:marker>
           <c:cat>
             <c:strRef>
-              <c:f>工作表1!$B$1:$G$1</c:f>
+              <c:f>工作表1!$B$1:$H$1</c:f>
               <c:strCache>
-                <c:ptCount val="6"/>
+                <c:ptCount val="7"/>
                 <c:pt idx="0">
                   <c:v>1998</c:v>
                 </c:pt>
@@ -3050,16 +3414,19 @@
                 </c:pt>
                 <c:pt idx="5">
                   <c:v>2016</c:v>
+                </c:pt>
+                <c:pt idx="6">
+                  <c:v>2020</c:v>
                 </c:pt>
               </c:strCache>
             </c:strRef>
           </c:cat>
           <c:val>
             <c:numRef>
-              <c:f>工作表1!$B$3:$G$3</c:f>
+              <c:f>工作表1!$B$3:$H$3</c:f>
               <c:numCache>
                 <c:formatCode>General</c:formatCode>
-                <c:ptCount val="6"/>
+                <c:ptCount val="7"/>
                 <c:pt idx="0">
                   <c:v>29.0</c:v>
                 </c:pt>
@@ -3076,6 +3443,9 @@
                   <c:v>44.0</c:v>
                 </c:pt>
                 <c:pt idx="5">
+                  <c:v>45.0</c:v>
+                </c:pt>
+                <c:pt idx="6">
                   <c:v>45.0</c:v>
                 </c:pt>
               </c:numCache>
@@ -3118,9 +3488,9 @@
           </c:marker>
           <c:cat>
             <c:strRef>
-              <c:f>工作表1!$B$1:$G$1</c:f>
+              <c:f>工作表1!$B$1:$H$1</c:f>
               <c:strCache>
-                <c:ptCount val="6"/>
+                <c:ptCount val="7"/>
                 <c:pt idx="0">
                   <c:v>1998</c:v>
                 </c:pt>
@@ -3138,16 +3508,19 @@
                 </c:pt>
                 <c:pt idx="5">
                   <c:v>2016</c:v>
+                </c:pt>
+                <c:pt idx="6">
+                  <c:v>2020</c:v>
                 </c:pt>
               </c:strCache>
             </c:strRef>
           </c:cat>
           <c:val>
             <c:numRef>
-              <c:f>工作表1!$B$4:$G$4</c:f>
+              <c:f>工作表1!$B$4:$H$4</c:f>
               <c:numCache>
                 <c:formatCode>General</c:formatCode>
-                <c:ptCount val="6"/>
+                <c:ptCount val="7"/>
                 <c:pt idx="0">
                   <c:v>21.0</c:v>
                 </c:pt>
@@ -3165,6 +3538,9 @@
                 </c:pt>
                 <c:pt idx="5">
                   <c:v>3.0</c:v>
+                </c:pt>
+                <c:pt idx="6">
+                  <c:v>15.0</c:v>
                 </c:pt>
               </c:numCache>
             </c:numRef>
@@ -3204,9 +3580,9 @@
           </c:marker>
           <c:cat>
             <c:strRef>
-              <c:f>工作表1!$B$1:$G$1</c:f>
+              <c:f>工作表1!$B$1:$H$1</c:f>
               <c:strCache>
-                <c:ptCount val="6"/>
+                <c:ptCount val="7"/>
                 <c:pt idx="0">
                   <c:v>1998</c:v>
                 </c:pt>
@@ -3224,16 +3600,19 @@
                 </c:pt>
                 <c:pt idx="5">
                   <c:v>2016</c:v>
+                </c:pt>
+                <c:pt idx="6">
+                  <c:v>2020</c:v>
                 </c:pt>
               </c:strCache>
             </c:strRef>
           </c:cat>
           <c:val>
             <c:numRef>
-              <c:f>工作表1!$B$5:$G$5</c:f>
+              <c:f>工作表1!$B$5:$H$5</c:f>
               <c:numCache>
                 <c:formatCode>General</c:formatCode>
-                <c:ptCount val="6"/>
+                <c:ptCount val="7"/>
                 <c:pt idx="0">
                   <c:v>68.0</c:v>
                 </c:pt>
@@ -3251,6 +3630,9 @@
                 </c:pt>
                 <c:pt idx="5">
                   <c:v>66.0</c:v>
+                </c:pt>
+                <c:pt idx="6">
+                  <c:v>75.0</c:v>
                 </c:pt>
               </c:numCache>
             </c:numRef>
@@ -3272,11 +3654,11 @@
         </c:dLbls>
         <c:marker val="1"/>
         <c:smooth val="0"/>
-        <c:axId val="-2144119304"/>
-        <c:axId val="-2144123096"/>
+        <c:axId val="2139926216"/>
+        <c:axId val="2133293816"/>
       </c:lineChart>
       <c:catAx>
-        <c:axId val="-2144119304"/>
+        <c:axId val="2139926216"/>
         <c:scaling>
           <c:orientation val="minMax"/>
         </c:scaling>
@@ -3319,7 +3701,7 @@
             <a:endParaRPr lang="en-US"/>
           </a:p>
         </c:txPr>
-        <c:crossAx val="-2144123096"/>
+        <c:crossAx val="2133293816"/>
         <c:crosses val="autoZero"/>
         <c:auto val="1"/>
         <c:lblAlgn val="ctr"/>
@@ -3327,7 +3709,7 @@
         <c:noMultiLvlLbl val="0"/>
       </c:catAx>
       <c:valAx>
-        <c:axId val="-2144123096"/>
+        <c:axId val="2133293816"/>
         <c:scaling>
           <c:orientation val="minMax"/>
           <c:max val="90.0"/>
@@ -3381,7 +3763,7 @@
             <a:endParaRPr lang="en-US"/>
           </a:p>
         </c:txPr>
-        <c:crossAx val="-2144119304"/>
+        <c:crossAx val="2139926216"/>
         <c:crosses val="autoZero"/>
         <c:crossBetween val="between"/>
       </c:valAx>
@@ -3895,11 +4277,11 @@
         </c:dLbls>
         <c:gapWidth val="182"/>
         <c:overlap val="100"/>
-        <c:axId val="2130665608"/>
-        <c:axId val="2130668696"/>
+        <c:axId val="2112069784"/>
+        <c:axId val="2137254904"/>
       </c:barChart>
       <c:catAx>
-        <c:axId val="2130665608"/>
+        <c:axId val="2112069784"/>
         <c:scaling>
           <c:orientation val="minMax"/>
         </c:scaling>
@@ -3919,7 +4301,7 @@
             <a:endParaRPr lang="en-US"/>
           </a:p>
         </c:txPr>
-        <c:crossAx val="2130668696"/>
+        <c:crossAx val="2137254904"/>
         <c:crosses val="autoZero"/>
         <c:auto val="1"/>
         <c:lblAlgn val="ctr"/>
@@ -3927,7 +4309,7 @@
         <c:noMultiLvlLbl val="0"/>
       </c:catAx>
       <c:valAx>
-        <c:axId val="2130668696"/>
+        <c:axId val="2137254904"/>
         <c:scaling>
           <c:orientation val="minMax"/>
         </c:scaling>
@@ -3948,7 +4330,7 @@
             <a:endParaRPr lang="en-US"/>
           </a:p>
         </c:txPr>
-        <c:crossAx val="2130665608"/>
+        <c:crossAx val="2112069784"/>
         <c:crosses val="autoZero"/>
         <c:crossBetween val="between"/>
       </c:valAx>
@@ -3996,6 +4378,555 @@
 </file>
 
 <file path=ppt/charts/chart4.xml><?xml version="1.0" encoding="utf-8"?>
+<c:chartSpace xmlns:c="http://schemas.openxmlformats.org/drawingml/2006/chart" xmlns:a="http://schemas.openxmlformats.org/drawingml/2006/main" xmlns:r="http://schemas.openxmlformats.org/officeDocument/2006/relationships">
+  <c:date1904 val="0"/>
+  <c:lang val="en-US"/>
+  <c:roundedCorners val="0"/>
+  <mc:AlternateContent xmlns:mc="http://schemas.openxmlformats.org/markup-compatibility/2006">
+    <mc:Choice xmlns:c14="http://schemas.microsoft.com/office/drawing/2007/8/2/chart" Requires="c14">
+      <c14:style val="102"/>
+    </mc:Choice>
+    <mc:Fallback>
+      <c:style val="2"/>
+    </mc:Fallback>
+  </mc:AlternateContent>
+  <c:clrMapOvr bg1="lt1" tx1="dk1" bg2="lt2" tx2="dk2" accent1="accent1" accent2="accent2" accent3="accent3" accent4="accent4" accent5="accent5" accent6="accent6" hlink="hlink" folHlink="folHlink"/>
+  <c:chart>
+    <c:autoTitleDeleted val="0"/>
+    <c:plotArea>
+      <c:layout/>
+      <c:barChart>
+        <c:barDir val="bar"/>
+        <c:grouping val="stacked"/>
+        <c:varyColors val="0"/>
+        <c:ser>
+          <c:idx val="0"/>
+          <c:order val="0"/>
+          <c:tx>
+            <c:strRef>
+              <c:f>工作表1!$B$1</c:f>
+              <c:strCache>
+                <c:ptCount val="1"/>
+                <c:pt idx="0">
+                  <c:v>Districts</c:v>
+                </c:pt>
+              </c:strCache>
+            </c:strRef>
+          </c:tx>
+          <c:invertIfNegative val="0"/>
+          <c:dLbls>
+            <c:dLbl>
+              <c:idx val="3"/>
+              <c:delete val="1"/>
+              <c:extLst xmlns:c16r2="http://schemas.microsoft.com/office/drawing/2015/06/chart">
+                <c:ext xmlns:c15="http://schemas.microsoft.com/office/drawing/2012/chart" uri="{CE6537A1-D6FC-4f65-9D91-7224C49458BB}"/>
+                <c:ext xmlns:c16="http://schemas.microsoft.com/office/drawing/2014/chart" uri="{C3380CC4-5D6E-409C-BE32-E72D297353CC}">
+                  <c16:uniqueId val="{00000000-80E1-DB48-BF6D-315DC3799CA6}"/>
+                </c:ext>
+              </c:extLst>
+            </c:dLbl>
+            <c:spPr>
+              <a:noFill/>
+              <a:ln>
+                <a:noFill/>
+              </a:ln>
+              <a:effectLst/>
+            </c:spPr>
+            <c:txPr>
+              <a:bodyPr rot="0" vert="horz"/>
+              <a:lstStyle/>
+              <a:p>
+                <a:pPr>
+                  <a:defRPr/>
+                </a:pPr>
+                <a:endParaRPr lang="en-US"/>
+              </a:p>
+            </c:txPr>
+            <c:showLegendKey val="0"/>
+            <c:showVal val="1"/>
+            <c:showCatName val="0"/>
+            <c:showSerName val="0"/>
+            <c:showPercent val="0"/>
+            <c:showBubbleSize val="0"/>
+            <c:showLeaderLines val="0"/>
+            <c:extLst xmlns:c16r2="http://schemas.microsoft.com/office/drawing/2015/06/chart">
+              <c:ext xmlns:c15="http://schemas.microsoft.com/office/drawing/2012/chart" uri="{CE6537A1-D6FC-4f65-9D91-7224C49458BB}">
+                <c15:layout/>
+                <c15:showLeaderLines val="1"/>
+                <c15:leaderLines>
+                  <c:spPr>
+                    <a:ln w="9525" cap="flat" cmpd="sng" algn="ctr">
+                      <a:solidFill>
+                        <a:schemeClr val="tx1">
+                          <a:lumMod val="35000"/>
+                          <a:lumOff val="65000"/>
+                        </a:schemeClr>
+                      </a:solidFill>
+                      <a:round/>
+                    </a:ln>
+                    <a:effectLst/>
+                  </c:spPr>
+                </c15:leaderLines>
+              </c:ext>
+            </c:extLst>
+          </c:dLbls>
+          <c:cat>
+            <c:strRef>
+              <c:f>工作表1!$A$2:$A$7</c:f>
+              <c:strCache>
+                <c:ptCount val="6"/>
+                <c:pt idx="0">
+                  <c:v>DPP</c:v>
+                </c:pt>
+                <c:pt idx="1">
+                  <c:v>KMT</c:v>
+                </c:pt>
+                <c:pt idx="2">
+                  <c:v>NPP</c:v>
+                </c:pt>
+                <c:pt idx="3">
+                  <c:v>TPP</c:v>
+                </c:pt>
+                <c:pt idx="4">
+                  <c:v>TSP</c:v>
+                </c:pt>
+                <c:pt idx="5">
+                  <c:v>Independent</c:v>
+                </c:pt>
+              </c:strCache>
+            </c:strRef>
+          </c:cat>
+          <c:val>
+            <c:numRef>
+              <c:f>工作表1!$B$2:$B$7</c:f>
+              <c:numCache>
+                <c:formatCode>General</c:formatCode>
+                <c:ptCount val="6"/>
+                <c:pt idx="0">
+                  <c:v>46.0</c:v>
+                </c:pt>
+                <c:pt idx="1">
+                  <c:v>22.0</c:v>
+                </c:pt>
+                <c:pt idx="2">
+                  <c:v>0.0</c:v>
+                </c:pt>
+                <c:pt idx="3">
+                  <c:v>0.0</c:v>
+                </c:pt>
+                <c:pt idx="4">
+                  <c:v>1.0</c:v>
+                </c:pt>
+                <c:pt idx="5">
+                  <c:v>4.0</c:v>
+                </c:pt>
+              </c:numCache>
+            </c:numRef>
+          </c:val>
+          <c:extLst xmlns:c16r2="http://schemas.microsoft.com/office/drawing/2015/06/chart">
+            <c:ext xmlns:c16="http://schemas.microsoft.com/office/drawing/2014/chart" uri="{C3380CC4-5D6E-409C-BE32-E72D297353CC}">
+              <c16:uniqueId val="{00000000-D522-0A4E-905B-3C47E47318E5}"/>
+            </c:ext>
+          </c:extLst>
+        </c:ser>
+        <c:ser>
+          <c:idx val="1"/>
+          <c:order val="1"/>
+          <c:tx>
+            <c:strRef>
+              <c:f>工作表1!$C$1</c:f>
+              <c:strCache>
+                <c:ptCount val="1"/>
+                <c:pt idx="0">
+                  <c:v>List</c:v>
+                </c:pt>
+              </c:strCache>
+            </c:strRef>
+          </c:tx>
+          <c:invertIfNegative val="0"/>
+          <c:dLbls>
+            <c:dLbl>
+              <c:idx val="4"/>
+              <c:delete val="1"/>
+              <c:extLst xmlns:c16r2="http://schemas.microsoft.com/office/drawing/2015/06/chart">
+                <c:ext xmlns:c15="http://schemas.microsoft.com/office/drawing/2012/chart" uri="{CE6537A1-D6FC-4f65-9D91-7224C49458BB}"/>
+                <c:ext xmlns:c16="http://schemas.microsoft.com/office/drawing/2014/chart" uri="{C3380CC4-5D6E-409C-BE32-E72D297353CC}">
+                  <c16:uniqueId val="{00000000-055E-4196-B6B3-CF66358E4E64}"/>
+                </c:ext>
+              </c:extLst>
+            </c:dLbl>
+            <c:spPr>
+              <a:noFill/>
+              <a:ln>
+                <a:noFill/>
+              </a:ln>
+              <a:effectLst/>
+            </c:spPr>
+            <c:txPr>
+              <a:bodyPr rot="0" vert="horz"/>
+              <a:lstStyle/>
+              <a:p>
+                <a:pPr>
+                  <a:defRPr/>
+                </a:pPr>
+                <a:endParaRPr lang="en-US"/>
+              </a:p>
+            </c:txPr>
+            <c:showLegendKey val="0"/>
+            <c:showVal val="1"/>
+            <c:showCatName val="0"/>
+            <c:showSerName val="0"/>
+            <c:showPercent val="0"/>
+            <c:showBubbleSize val="0"/>
+            <c:showLeaderLines val="0"/>
+            <c:extLst xmlns:c16r2="http://schemas.microsoft.com/office/drawing/2015/06/chart">
+              <c:ext xmlns:c15="http://schemas.microsoft.com/office/drawing/2012/chart" uri="{CE6537A1-D6FC-4f65-9D91-7224C49458BB}">
+                <c15:layout/>
+                <c15:showLeaderLines val="1"/>
+                <c15:leaderLines>
+                  <c:spPr>
+                    <a:ln w="9525" cap="flat" cmpd="sng" algn="ctr">
+                      <a:solidFill>
+                        <a:schemeClr val="tx1">
+                          <a:lumMod val="35000"/>
+                          <a:lumOff val="65000"/>
+                        </a:schemeClr>
+                      </a:solidFill>
+                      <a:round/>
+                    </a:ln>
+                    <a:effectLst/>
+                  </c:spPr>
+                </c15:leaderLines>
+              </c:ext>
+            </c:extLst>
+          </c:dLbls>
+          <c:cat>
+            <c:strRef>
+              <c:f>工作表1!$A$2:$A$7</c:f>
+              <c:strCache>
+                <c:ptCount val="6"/>
+                <c:pt idx="0">
+                  <c:v>DPP</c:v>
+                </c:pt>
+                <c:pt idx="1">
+                  <c:v>KMT</c:v>
+                </c:pt>
+                <c:pt idx="2">
+                  <c:v>NPP</c:v>
+                </c:pt>
+                <c:pt idx="3">
+                  <c:v>TPP</c:v>
+                </c:pt>
+                <c:pt idx="4">
+                  <c:v>TSP</c:v>
+                </c:pt>
+                <c:pt idx="5">
+                  <c:v>Independent</c:v>
+                </c:pt>
+              </c:strCache>
+            </c:strRef>
+          </c:cat>
+          <c:val>
+            <c:numRef>
+              <c:f>工作表1!$C$2:$C$7</c:f>
+              <c:numCache>
+                <c:formatCode>General</c:formatCode>
+                <c:ptCount val="6"/>
+                <c:pt idx="0">
+                  <c:v>13.0</c:v>
+                </c:pt>
+                <c:pt idx="1">
+                  <c:v>13.0</c:v>
+                </c:pt>
+                <c:pt idx="2">
+                  <c:v>3.0</c:v>
+                </c:pt>
+                <c:pt idx="3">
+                  <c:v>5.0</c:v>
+                </c:pt>
+                <c:pt idx="5">
+                  <c:v>0.0</c:v>
+                </c:pt>
+              </c:numCache>
+            </c:numRef>
+          </c:val>
+          <c:extLst xmlns:c16r2="http://schemas.microsoft.com/office/drawing/2015/06/chart">
+            <c:ext xmlns:c16="http://schemas.microsoft.com/office/drawing/2014/chart" uri="{C3380CC4-5D6E-409C-BE32-E72D297353CC}">
+              <c16:uniqueId val="{00000003-D522-0A4E-905B-3C47E47318E5}"/>
+            </c:ext>
+          </c:extLst>
+        </c:ser>
+        <c:ser>
+          <c:idx val="2"/>
+          <c:order val="2"/>
+          <c:tx>
+            <c:strRef>
+              <c:f>工作表1!$D$1</c:f>
+              <c:strCache>
+                <c:ptCount val="1"/>
+                <c:pt idx="0">
+                  <c:v>Indigenous</c:v>
+                </c:pt>
+              </c:strCache>
+            </c:strRef>
+          </c:tx>
+          <c:invertIfNegative val="0"/>
+          <c:dLbls>
+            <c:dLbl>
+              <c:idx val="2"/>
+              <c:delete val="1"/>
+              <c:extLst xmlns:c16r2="http://schemas.microsoft.com/office/drawing/2015/06/chart">
+                <c:ext xmlns:c15="http://schemas.microsoft.com/office/drawing/2012/chart" uri="{CE6537A1-D6FC-4f65-9D91-7224C49458BB}"/>
+                <c:ext xmlns:c16="http://schemas.microsoft.com/office/drawing/2014/chart" uri="{C3380CC4-5D6E-409C-BE32-E72D297353CC}">
+                  <c16:uniqueId val="{00000001-80E1-DB48-BF6D-315DC3799CA6}"/>
+                </c:ext>
+              </c:extLst>
+            </c:dLbl>
+            <c:dLbl>
+              <c:idx val="3"/>
+              <c:delete val="1"/>
+              <c:extLst xmlns:c16r2="http://schemas.microsoft.com/office/drawing/2015/06/chart">
+                <c:ext xmlns:c15="http://schemas.microsoft.com/office/drawing/2012/chart" uri="{CE6537A1-D6FC-4f65-9D91-7224C49458BB}"/>
+                <c:ext xmlns:c16="http://schemas.microsoft.com/office/drawing/2014/chart" uri="{C3380CC4-5D6E-409C-BE32-E72D297353CC}">
+                  <c16:uniqueId val="{00000002-80E1-DB48-BF6D-315DC3799CA6}"/>
+                </c:ext>
+              </c:extLst>
+            </c:dLbl>
+            <c:dLbl>
+              <c:idx val="4"/>
+              <c:layout>
+                <c:manualLayout>
+                  <c:x val="0.0154320987654321"/>
+                  <c:y val="0.0"/>
+                </c:manualLayout>
+              </c:layout>
+              <c:showLegendKey val="0"/>
+              <c:showVal val="1"/>
+              <c:showCatName val="0"/>
+              <c:showSerName val="0"/>
+              <c:showPercent val="0"/>
+              <c:showBubbleSize val="0"/>
+              <c:extLst xmlns:c16r2="http://schemas.microsoft.com/office/drawing/2015/06/chart">
+                <c:ext xmlns:c15="http://schemas.microsoft.com/office/drawing/2012/chart" uri="{CE6537A1-D6FC-4f65-9D91-7224C49458BB}">
+                  <c15:layout/>
+                </c:ext>
+                <c:ext xmlns:c16="http://schemas.microsoft.com/office/drawing/2014/chart" uri="{C3380CC4-5D6E-409C-BE32-E72D297353CC}">
+                  <c16:uniqueId val="{00000001-055E-4196-B6B3-CF66358E4E64}"/>
+                </c:ext>
+              </c:extLst>
+            </c:dLbl>
+            <c:spPr>
+              <a:noFill/>
+              <a:ln>
+                <a:noFill/>
+              </a:ln>
+              <a:effectLst/>
+            </c:spPr>
+            <c:txPr>
+              <a:bodyPr rot="0" vert="horz"/>
+              <a:lstStyle/>
+              <a:p>
+                <a:pPr>
+                  <a:defRPr/>
+                </a:pPr>
+                <a:endParaRPr lang="en-US"/>
+              </a:p>
+            </c:txPr>
+            <c:showLegendKey val="0"/>
+            <c:showVal val="1"/>
+            <c:showCatName val="0"/>
+            <c:showSerName val="0"/>
+            <c:showPercent val="0"/>
+            <c:showBubbleSize val="0"/>
+            <c:showLeaderLines val="0"/>
+            <c:extLst xmlns:c16r2="http://schemas.microsoft.com/office/drawing/2015/06/chart">
+              <c:ext xmlns:c15="http://schemas.microsoft.com/office/drawing/2012/chart" uri="{CE6537A1-D6FC-4f65-9D91-7224C49458BB}">
+                <c15:layout/>
+                <c15:showLeaderLines val="1"/>
+                <c15:leaderLines>
+                  <c:spPr>
+                    <a:ln w="9525" cap="flat" cmpd="sng" algn="ctr">
+                      <a:solidFill>
+                        <a:schemeClr val="tx1">
+                          <a:lumMod val="35000"/>
+                          <a:lumOff val="65000"/>
+                        </a:schemeClr>
+                      </a:solidFill>
+                      <a:round/>
+                    </a:ln>
+                    <a:effectLst/>
+                  </c:spPr>
+                </c15:leaderLines>
+              </c:ext>
+            </c:extLst>
+          </c:dLbls>
+          <c:cat>
+            <c:strRef>
+              <c:f>工作表1!$A$2:$A$7</c:f>
+              <c:strCache>
+                <c:ptCount val="6"/>
+                <c:pt idx="0">
+                  <c:v>DPP</c:v>
+                </c:pt>
+                <c:pt idx="1">
+                  <c:v>KMT</c:v>
+                </c:pt>
+                <c:pt idx="2">
+                  <c:v>NPP</c:v>
+                </c:pt>
+                <c:pt idx="3">
+                  <c:v>TPP</c:v>
+                </c:pt>
+                <c:pt idx="4">
+                  <c:v>TSP</c:v>
+                </c:pt>
+                <c:pt idx="5">
+                  <c:v>Independent</c:v>
+                </c:pt>
+              </c:strCache>
+            </c:strRef>
+          </c:cat>
+          <c:val>
+            <c:numRef>
+              <c:f>工作表1!$D$2:$D$7</c:f>
+              <c:numCache>
+                <c:formatCode>General</c:formatCode>
+                <c:ptCount val="6"/>
+                <c:pt idx="0">
+                  <c:v>2.0</c:v>
+                </c:pt>
+                <c:pt idx="1">
+                  <c:v>3.0</c:v>
+                </c:pt>
+                <c:pt idx="2">
+                  <c:v>0.0</c:v>
+                </c:pt>
+                <c:pt idx="3">
+                  <c:v>0.0</c:v>
+                </c:pt>
+                <c:pt idx="5">
+                  <c:v>1.0</c:v>
+                </c:pt>
+              </c:numCache>
+            </c:numRef>
+          </c:val>
+          <c:extLst xmlns:c16r2="http://schemas.microsoft.com/office/drawing/2015/06/chart">
+            <c:ext xmlns:c16="http://schemas.microsoft.com/office/drawing/2014/chart" uri="{C3380CC4-5D6E-409C-BE32-E72D297353CC}">
+              <c16:uniqueId val="{00000004-D522-0A4E-905B-3C47E47318E5}"/>
+            </c:ext>
+          </c:extLst>
+        </c:ser>
+        <c:dLbls>
+          <c:showLegendKey val="0"/>
+          <c:showVal val="0"/>
+          <c:showCatName val="0"/>
+          <c:showSerName val="0"/>
+          <c:showPercent val="0"/>
+          <c:showBubbleSize val="0"/>
+        </c:dLbls>
+        <c:gapWidth val="182"/>
+        <c:overlap val="100"/>
+        <c:axId val="2142170712"/>
+        <c:axId val="2142173800"/>
+      </c:barChart>
+      <c:catAx>
+        <c:axId val="2142170712"/>
+        <c:scaling>
+          <c:orientation val="minMax"/>
+        </c:scaling>
+        <c:delete val="0"/>
+        <c:axPos val="l"/>
+        <c:numFmt formatCode="General" sourceLinked="1"/>
+        <c:majorTickMark val="none"/>
+        <c:minorTickMark val="none"/>
+        <c:tickLblPos val="nextTo"/>
+        <c:txPr>
+          <a:bodyPr rot="-60000000" vert="horz"/>
+          <a:lstStyle/>
+          <a:p>
+            <a:pPr>
+              <a:defRPr/>
+            </a:pPr>
+            <a:endParaRPr lang="en-US"/>
+          </a:p>
+        </c:txPr>
+        <c:crossAx val="2142173800"/>
+        <c:crosses val="autoZero"/>
+        <c:auto val="1"/>
+        <c:lblAlgn val="ctr"/>
+        <c:lblOffset val="100"/>
+        <c:noMultiLvlLbl val="0"/>
+      </c:catAx>
+      <c:valAx>
+        <c:axId val="2142173800"/>
+        <c:scaling>
+          <c:orientation val="minMax"/>
+        </c:scaling>
+        <c:delete val="0"/>
+        <c:axPos val="b"/>
+        <c:majorGridlines/>
+        <c:numFmt formatCode="General" sourceLinked="1"/>
+        <c:majorTickMark val="none"/>
+        <c:minorTickMark val="none"/>
+        <c:tickLblPos val="nextTo"/>
+        <c:txPr>
+          <a:bodyPr rot="-60000000" vert="horz"/>
+          <a:lstStyle/>
+          <a:p>
+            <a:pPr>
+              <a:defRPr/>
+            </a:pPr>
+            <a:endParaRPr lang="en-US"/>
+          </a:p>
+        </c:txPr>
+        <c:crossAx val="2142170712"/>
+        <c:crosses val="autoZero"/>
+        <c:crossBetween val="between"/>
+      </c:valAx>
+    </c:plotArea>
+    <c:legend>
+      <c:legendPos val="b"/>
+      <c:layout/>
+      <c:overlay val="0"/>
+      <c:txPr>
+        <a:bodyPr rot="0" vert="horz"/>
+        <a:lstStyle/>
+        <a:p>
+          <a:pPr>
+            <a:defRPr/>
+          </a:pPr>
+          <a:endParaRPr lang="en-US"/>
+        </a:p>
+      </c:txPr>
+    </c:legend>
+    <c:plotVisOnly val="1"/>
+    <c:dispBlanksAs val="gap"/>
+    <c:showDLblsOverMax val="0"/>
+    <c:extLst xmlns:c16r2="http://schemas.microsoft.com/office/drawing/2015/06/chart">
+      <c:ext xmlns:c16r3="http://schemas.microsoft.com/office/drawing/2017/03/chart" uri="{56B9EC1D-385E-4148-901F-78D8002777C0}">
+        <c16r3:dataDisplayOptions16>
+          <c16r3:dispNaAsBlank val="1"/>
+        </c16r3:dataDisplayOptions16>
+      </c:ext>
+    </c:extLst>
+  </c:chart>
+  <c:txPr>
+    <a:bodyPr/>
+    <a:lstStyle/>
+    <a:p>
+      <a:pPr>
+        <a:defRPr sz="1800"/>
+      </a:pPr>
+      <a:endParaRPr lang="en-US"/>
+    </a:p>
+  </c:txPr>
+  <c:externalData r:id="rId2">
+    <c:autoUpdate val="0"/>
+  </c:externalData>
+</c:chartSpace>
+</file>
+
+<file path=ppt/charts/chart5.xml><?xml version="1.0" encoding="utf-8"?>
 <c:chartSpace xmlns:c="http://schemas.openxmlformats.org/drawingml/2006/chart" xmlns:a="http://schemas.openxmlformats.org/drawingml/2006/main" xmlns:r="http://schemas.openxmlformats.org/officeDocument/2006/relationships">
   <c:date1904 val="0"/>
   <c:lang val="en-US"/>
@@ -4174,11 +5105,11 @@
         </c:dLbls>
         <c:gapWidth val="219"/>
         <c:overlap val="-27"/>
-        <c:axId val="-2143456552"/>
-        <c:axId val="-2142276648"/>
+        <c:axId val="2138788696"/>
+        <c:axId val="2135329976"/>
       </c:barChart>
       <c:catAx>
-        <c:axId val="-2143456552"/>
+        <c:axId val="2138788696"/>
         <c:scaling>
           <c:orientation val="minMax"/>
         </c:scaling>
@@ -4221,7 +5152,7 @@
             <a:endParaRPr lang="en-US"/>
           </a:p>
         </c:txPr>
-        <c:crossAx val="-2142276648"/>
+        <c:crossAx val="2135329976"/>
         <c:crosses val="autoZero"/>
         <c:auto val="1"/>
         <c:lblAlgn val="ctr"/>
@@ -4229,7 +5160,7 @@
         <c:noMultiLvlLbl val="0"/>
       </c:catAx>
       <c:valAx>
-        <c:axId val="-2142276648"/>
+        <c:axId val="2135329976"/>
         <c:scaling>
           <c:orientation val="minMax"/>
         </c:scaling>
@@ -4280,7 +5211,7 @@
             <a:endParaRPr lang="en-US"/>
           </a:p>
         </c:txPr>
-        <c:crossAx val="-2143456552"/>
+        <c:crossAx val="2138788696"/>
         <c:crosses val="autoZero"/>
         <c:crossBetween val="between"/>
       </c:valAx>
@@ -4319,7 +5250,7 @@
 </c:chartSpace>
 </file>
 
-<file path=ppt/charts/chart5.xml><?xml version="1.0" encoding="utf-8"?>
+<file path=ppt/charts/chart6.xml><?xml version="1.0" encoding="utf-8"?>
 <c:chartSpace xmlns:c="http://schemas.openxmlformats.org/drawingml/2006/chart" xmlns:a="http://schemas.openxmlformats.org/drawingml/2006/main" xmlns:r="http://schemas.openxmlformats.org/officeDocument/2006/relationships">
   <c:date1904 val="0"/>
   <c:lang val="en-US"/>
@@ -4576,11 +5507,11 @@
         </c:dLbls>
         <c:gapWidth val="100"/>
         <c:overlap val="-24"/>
-        <c:axId val="-2140472232"/>
-        <c:axId val="-2140458280"/>
+        <c:axId val="2136459320"/>
+        <c:axId val="2136503448"/>
       </c:barChart>
       <c:catAx>
-        <c:axId val="-2140472232"/>
+        <c:axId val="2136459320"/>
         <c:scaling>
           <c:orientation val="minMax"/>
         </c:scaling>
@@ -4623,7 +5554,7 @@
             <a:endParaRPr lang="en-US"/>
           </a:p>
         </c:txPr>
-        <c:crossAx val="-2140458280"/>
+        <c:crossAx val="2136503448"/>
         <c:crosses val="autoZero"/>
         <c:auto val="1"/>
         <c:lblAlgn val="ctr"/>
@@ -4631,7 +5562,7 @@
         <c:noMultiLvlLbl val="0"/>
       </c:catAx>
       <c:valAx>
-        <c:axId val="-2140458280"/>
+        <c:axId val="2136503448"/>
         <c:scaling>
           <c:orientation val="minMax"/>
         </c:scaling>
@@ -4682,7 +5613,7 @@
             <a:endParaRPr lang="en-US"/>
           </a:p>
         </c:txPr>
-        <c:crossAx val="-2140472232"/>
+        <c:crossAx val="2136459320"/>
         <c:crosses val="autoZero"/>
         <c:crossBetween val="between"/>
       </c:valAx>
@@ -4728,7 +5659,7 @@
 </c:chartSpace>
 </file>
 
-<file path=ppt/charts/chart6.xml><?xml version="1.0" encoding="utf-8"?>
+<file path=ppt/charts/chart7.xml><?xml version="1.0" encoding="utf-8"?>
 <c:chartSpace xmlns:c="http://schemas.openxmlformats.org/drawingml/2006/chart" xmlns:a="http://schemas.openxmlformats.org/drawingml/2006/main" xmlns:r="http://schemas.openxmlformats.org/officeDocument/2006/relationships">
   <c:date1904 val="0"/>
   <c:lang val="en-US"/>
@@ -4973,11 +5904,11 @@
         </c:dLbls>
         <c:gapWidth val="99"/>
         <c:overlap val="-24"/>
-        <c:axId val="-2140920504"/>
-        <c:axId val="-2140932216"/>
+        <c:axId val="2136450568"/>
+        <c:axId val="2139520744"/>
       </c:barChart>
       <c:catAx>
-        <c:axId val="-2140920504"/>
+        <c:axId val="2136450568"/>
         <c:scaling>
           <c:orientation val="minMax"/>
         </c:scaling>
@@ -5020,7 +5951,7 @@
             <a:endParaRPr lang="en-US"/>
           </a:p>
         </c:txPr>
-        <c:crossAx val="-2140932216"/>
+        <c:crossAx val="2139520744"/>
         <c:crosses val="autoZero"/>
         <c:auto val="1"/>
         <c:lblAlgn val="ctr"/>
@@ -5028,7 +5959,7 @@
         <c:noMultiLvlLbl val="0"/>
       </c:catAx>
       <c:valAx>
-        <c:axId val="-2140932216"/>
+        <c:axId val="2139520744"/>
         <c:scaling>
           <c:orientation val="minMax"/>
         </c:scaling>
@@ -5079,7 +6010,7 @@
             <a:endParaRPr lang="en-US"/>
           </a:p>
         </c:txPr>
-        <c:crossAx val="-2140920504"/>
+        <c:crossAx val="2136450568"/>
         <c:crosses val="autoZero"/>
         <c:crossBetween val="between"/>
       </c:valAx>
@@ -5125,7 +6056,7 @@
 </c:chartSpace>
 </file>
 
-<file path=ppt/charts/chart7.xml><?xml version="1.0" encoding="utf-8"?>
+<file path=ppt/charts/chart8.xml><?xml version="1.0" encoding="utf-8"?>
 <c:chartSpace xmlns:c="http://schemas.openxmlformats.org/drawingml/2006/chart" xmlns:a="http://schemas.openxmlformats.org/drawingml/2006/main" xmlns:r="http://schemas.openxmlformats.org/officeDocument/2006/relationships">
   <c:date1904 val="0"/>
   <c:lang val="en-US"/>
@@ -5500,11 +6431,11 @@
         </c:dLbls>
         <c:marker val="1"/>
         <c:smooth val="0"/>
-        <c:axId val="-2141000616"/>
-        <c:axId val="-2141007512"/>
+        <c:axId val="2142049960"/>
+        <c:axId val="2142052968"/>
       </c:lineChart>
       <c:catAx>
-        <c:axId val="-2141000616"/>
+        <c:axId val="2142049960"/>
         <c:scaling>
           <c:orientation val="minMax"/>
         </c:scaling>
@@ -5524,7 +6455,7 @@
             <a:endParaRPr lang="en-US"/>
           </a:p>
         </c:txPr>
-        <c:crossAx val="-2141007512"/>
+        <c:crossAx val="2142052968"/>
         <c:crosses val="autoZero"/>
         <c:auto val="1"/>
         <c:lblAlgn val="ctr"/>
@@ -5532,7 +6463,7 @@
         <c:noMultiLvlLbl val="0"/>
       </c:catAx>
       <c:valAx>
-        <c:axId val="-2141007512"/>
+        <c:axId val="2142052968"/>
         <c:scaling>
           <c:orientation val="minMax"/>
         </c:scaling>
@@ -5553,7 +6484,7 @@
             <a:endParaRPr lang="en-US"/>
           </a:p>
         </c:txPr>
-        <c:crossAx val="-2141000616"/>
+        <c:crossAx val="2142049960"/>
         <c:crosses val="autoZero"/>
         <c:crossBetween val="between"/>
       </c:valAx>
@@ -5600,7 +6531,7 @@
 </c:chartSpace>
 </file>
 
-<file path=ppt/charts/chart8.xml><?xml version="1.0" encoding="utf-8"?>
+<file path=ppt/charts/chart9.xml><?xml version="1.0" encoding="utf-8"?>
 <c:chartSpace xmlns:c="http://schemas.openxmlformats.org/drawingml/2006/chart" xmlns:a="http://schemas.openxmlformats.org/drawingml/2006/main" xmlns:r="http://schemas.openxmlformats.org/officeDocument/2006/relationships">
   <c:date1904 val="0"/>
   <c:lang val="en-US"/>
@@ -5728,7 +6659,7 @@
                   <c:v>52.7</c:v>
                 </c:pt>
                 <c:pt idx="1">
-                  <c:v>38.80000000000001</c:v>
+                  <c:v>38.8</c:v>
                 </c:pt>
                 <c:pt idx="2">
                   <c:v>35.1</c:v>
@@ -5920,11 +6851,11 @@
         </c:dLbls>
         <c:marker val="1"/>
         <c:smooth val="0"/>
-        <c:axId val="-2141045320"/>
-        <c:axId val="-2141060344"/>
+        <c:axId val="2065524344"/>
+        <c:axId val="2065527352"/>
       </c:lineChart>
       <c:catAx>
-        <c:axId val="-2141045320"/>
+        <c:axId val="2065524344"/>
         <c:scaling>
           <c:orientation val="minMax"/>
         </c:scaling>
@@ -5944,7 +6875,7 @@
             <a:endParaRPr lang="en-US"/>
           </a:p>
         </c:txPr>
-        <c:crossAx val="-2141060344"/>
+        <c:crossAx val="2065527352"/>
         <c:crosses val="autoZero"/>
         <c:auto val="1"/>
         <c:lblAlgn val="ctr"/>
@@ -5952,7 +6883,7 @@
         <c:noMultiLvlLbl val="0"/>
       </c:catAx>
       <c:valAx>
-        <c:axId val="-2141060344"/>
+        <c:axId val="2065527352"/>
         <c:scaling>
           <c:orientation val="minMax"/>
         </c:scaling>
@@ -5973,7 +6904,7 @@
             <a:endParaRPr lang="en-US"/>
           </a:p>
         </c:txPr>
-        <c:crossAx val="-2141045320"/>
+        <c:crossAx val="2065524344"/>
         <c:crosses val="autoZero"/>
         <c:crossBetween val="between"/>
       </c:valAx>
@@ -6015,335 +6946,6 @@
     </a:p>
   </c:txPr>
   <c:externalData r:id="rId2">
-    <c:autoUpdate val="0"/>
-  </c:externalData>
-</c:chartSpace>
-</file>
-
-<file path=ppt/charts/chart9.xml><?xml version="1.0" encoding="utf-8"?>
-<c:chartSpace xmlns:c="http://schemas.openxmlformats.org/drawingml/2006/chart" xmlns:a="http://schemas.openxmlformats.org/drawingml/2006/main" xmlns:r="http://schemas.openxmlformats.org/officeDocument/2006/relationships">
-  <c:date1904 val="0"/>
-  <c:lang val="en-US"/>
-  <c:roundedCorners val="0"/>
-  <mc:AlternateContent xmlns:mc="http://schemas.openxmlformats.org/markup-compatibility/2006">
-    <mc:Choice xmlns:c14="http://schemas.microsoft.com/office/drawing/2007/8/2/chart" Requires="c14">
-      <c14:style val="107"/>
-    </mc:Choice>
-    <mc:Fallback>
-      <c:style val="7"/>
-    </mc:Fallback>
-  </mc:AlternateContent>
-  <c:chart>
-    <c:autoTitleDeleted val="1"/>
-    <c:plotArea>
-      <c:layout/>
-      <c:barChart>
-        <c:barDir val="col"/>
-        <c:grouping val="clustered"/>
-        <c:varyColors val="0"/>
-        <c:ser>
-          <c:idx val="0"/>
-          <c:order val="0"/>
-          <c:tx>
-            <c:strRef>
-              <c:f>工作表1!$B$1</c:f>
-              <c:strCache>
-                <c:ptCount val="1"/>
-                <c:pt idx="0">
-                  <c:v>數列 1</c:v>
-                </c:pt>
-              </c:strCache>
-            </c:strRef>
-          </c:tx>
-          <c:spPr>
-            <a:solidFill>
-              <a:schemeClr val="accent5"/>
-            </a:solidFill>
-            <a:ln>
-              <a:noFill/>
-            </a:ln>
-            <a:effectLst/>
-          </c:spPr>
-          <c:invertIfNegative val="0"/>
-          <c:dLbls>
-            <c:spPr>
-              <a:noFill/>
-              <a:ln>
-                <a:noFill/>
-              </a:ln>
-              <a:effectLst/>
-            </c:spPr>
-            <c:txPr>
-              <a:bodyPr rot="0" spcFirstLastPara="1" vertOverflow="ellipsis" vert="horz" wrap="square" lIns="38100" tIns="19050" rIns="38100" bIns="19050" anchor="ctr" anchorCtr="1">
-                <a:spAutoFit/>
-              </a:bodyPr>
-              <a:lstStyle/>
-              <a:p>
-                <a:pPr>
-                  <a:defRPr sz="1400" b="0" i="0" u="none" strike="noStrike" kern="1200" baseline="0">
-                    <a:ln>
-                      <a:noFill/>
-                    </a:ln>
-                    <a:solidFill>
-                      <a:schemeClr val="tx1">
-                        <a:lumMod val="50000"/>
-                        <a:lumOff val="50000"/>
-                      </a:schemeClr>
-                    </a:solidFill>
-                    <a:latin typeface="+mn-lt"/>
-                    <a:ea typeface="+mn-ea"/>
-                    <a:cs typeface="+mn-cs"/>
-                  </a:defRPr>
-                </a:pPr>
-                <a:endParaRPr lang="en-US"/>
-              </a:p>
-            </c:txPr>
-            <c:dLblPos val="outEnd"/>
-            <c:showLegendKey val="0"/>
-            <c:showVal val="1"/>
-            <c:showCatName val="0"/>
-            <c:showSerName val="0"/>
-            <c:showPercent val="0"/>
-            <c:showBubbleSize val="0"/>
-            <c:showLeaderLines val="0"/>
-            <c:extLst xmlns:c16r2="http://schemas.microsoft.com/office/drawing/2015/06/chart">
-              <c:ext xmlns:c15="http://schemas.microsoft.com/office/drawing/2012/chart" uri="{CE6537A1-D6FC-4f65-9D91-7224C49458BB}">
-                <c15:showLeaderLines val="1"/>
-                <c15:leaderLines>
-                  <c:spPr>
-                    <a:ln w="9525" cap="flat" cmpd="sng" algn="ctr">
-                      <a:solidFill>
-                        <a:schemeClr val="tx1">
-                          <a:lumMod val="35000"/>
-                          <a:lumOff val="65000"/>
-                        </a:schemeClr>
-                      </a:solidFill>
-                      <a:prstDash val="solid"/>
-                      <a:round/>
-                    </a:ln>
-                    <a:effectLst/>
-                  </c:spPr>
-                </c15:leaderLines>
-              </c:ext>
-            </c:extLst>
-          </c:dLbls>
-          <c:cat>
-            <c:strRef>
-              <c:f>工作表1!$A$2:$A$7</c:f>
-              <c:strCache>
-                <c:ptCount val="6"/>
-                <c:pt idx="0">
-                  <c:v>20-29</c:v>
-                </c:pt>
-                <c:pt idx="1">
-                  <c:v>30-39</c:v>
-                </c:pt>
-                <c:pt idx="2">
-                  <c:v>40-49</c:v>
-                </c:pt>
-                <c:pt idx="3">
-                  <c:v>50-59</c:v>
-                </c:pt>
-                <c:pt idx="4">
-                  <c:v>60+</c:v>
-                </c:pt>
-                <c:pt idx="5">
-                  <c:v>Non Response</c:v>
-                </c:pt>
-              </c:strCache>
-            </c:strRef>
-          </c:cat>
-          <c:val>
-            <c:numRef>
-              <c:f>工作表1!$B$2:$B$7</c:f>
-              <c:numCache>
-                <c:formatCode>General</c:formatCode>
-                <c:ptCount val="6"/>
-                <c:pt idx="0">
-                  <c:v>16.0</c:v>
-                </c:pt>
-                <c:pt idx="1">
-                  <c:v>18.7</c:v>
-                </c:pt>
-                <c:pt idx="2">
-                  <c:v>18.9</c:v>
-                </c:pt>
-                <c:pt idx="3">
-                  <c:v>18.6</c:v>
-                </c:pt>
-                <c:pt idx="4">
-                  <c:v>25.9</c:v>
-                </c:pt>
-                <c:pt idx="5">
-                  <c:v>1.9</c:v>
-                </c:pt>
-              </c:numCache>
-            </c:numRef>
-          </c:val>
-          <c:extLst xmlns:c16r2="http://schemas.microsoft.com/office/drawing/2015/06/chart">
-            <c:ext xmlns:c16="http://schemas.microsoft.com/office/drawing/2014/chart" uri="{C3380CC4-5D6E-409C-BE32-E72D297353CC}">
-              <c16:uniqueId val="{00000000-C8C8-B14B-87C8-DF6AD25B7637}"/>
-            </c:ext>
-          </c:extLst>
-        </c:ser>
-        <c:dLbls>
-          <c:dLblPos val="inEnd"/>
-          <c:showLegendKey val="0"/>
-          <c:showVal val="1"/>
-          <c:showCatName val="0"/>
-          <c:showSerName val="0"/>
-          <c:showPercent val="0"/>
-          <c:showBubbleSize val="0"/>
-        </c:dLbls>
-        <c:gapWidth val="100"/>
-        <c:overlap val="-24"/>
-        <c:axId val="-2141150472"/>
-        <c:axId val="-2141141064"/>
-      </c:barChart>
-      <c:catAx>
-        <c:axId val="-2141150472"/>
-        <c:scaling>
-          <c:orientation val="minMax"/>
-        </c:scaling>
-        <c:delete val="0"/>
-        <c:axPos val="b"/>
-        <c:numFmt formatCode="General" sourceLinked="1"/>
-        <c:majorTickMark val="none"/>
-        <c:minorTickMark val="none"/>
-        <c:tickLblPos val="nextTo"/>
-        <c:spPr>
-          <a:noFill/>
-          <a:ln w="9525" cap="flat" cmpd="sng" algn="ctr">
-            <a:solidFill>
-              <a:schemeClr val="tx1">
-                <a:lumMod val="15000"/>
-                <a:lumOff val="85000"/>
-              </a:schemeClr>
-            </a:solidFill>
-            <a:prstDash val="solid"/>
-            <a:round/>
-          </a:ln>
-          <a:effectLst/>
-        </c:spPr>
-        <c:txPr>
-          <a:bodyPr rot="-60000000" spcFirstLastPara="1" vertOverflow="ellipsis" vert="horz" wrap="square" anchor="ctr" anchorCtr="1"/>
-          <a:lstStyle/>
-          <a:p>
-            <a:pPr>
-              <a:defRPr sz="1400" b="0" i="0" u="none" strike="noStrike" kern="1200" baseline="0">
-                <a:solidFill>
-                  <a:schemeClr val="tx1">
-                    <a:lumMod val="50000"/>
-                    <a:lumOff val="50000"/>
-                  </a:schemeClr>
-                </a:solidFill>
-                <a:latin typeface="+mn-lt"/>
-                <a:ea typeface="+mn-ea"/>
-                <a:cs typeface="+mn-cs"/>
-              </a:defRPr>
-            </a:pPr>
-            <a:endParaRPr lang="en-US"/>
-          </a:p>
-        </c:txPr>
-        <c:crossAx val="-2141141064"/>
-        <c:crosses val="autoZero"/>
-        <c:auto val="1"/>
-        <c:lblAlgn val="ctr"/>
-        <c:lblOffset val="100"/>
-        <c:noMultiLvlLbl val="0"/>
-      </c:catAx>
-      <c:valAx>
-        <c:axId val="-2141141064"/>
-        <c:scaling>
-          <c:orientation val="minMax"/>
-        </c:scaling>
-        <c:delete val="0"/>
-        <c:axPos val="l"/>
-        <c:majorGridlines>
-          <c:spPr>
-            <a:ln w="9525" cap="flat" cmpd="sng" algn="ctr">
-              <a:noFill/>
-              <a:prstDash val="solid"/>
-              <a:round/>
-            </a:ln>
-            <a:effectLst/>
-          </c:spPr>
-        </c:majorGridlines>
-        <c:numFmt formatCode="General" sourceLinked="1"/>
-        <c:majorTickMark val="none"/>
-        <c:minorTickMark val="none"/>
-        <c:tickLblPos val="nextTo"/>
-        <c:spPr>
-          <a:noFill/>
-          <a:ln w="9525" cap="flat" cmpd="sng" algn="ctr">
-            <a:noFill/>
-            <a:prstDash val="solid"/>
-            <a:round/>
-          </a:ln>
-          <a:effectLst/>
-        </c:spPr>
-        <c:txPr>
-          <a:bodyPr rot="-60000000" spcFirstLastPara="1" vertOverflow="ellipsis" vert="horz" wrap="square" anchor="ctr" anchorCtr="1"/>
-          <a:lstStyle/>
-          <a:p>
-            <a:pPr>
-              <a:defRPr sz="1197" b="0" i="0" u="none" strike="noStrike" kern="1200" baseline="0">
-                <a:solidFill>
-                  <a:schemeClr val="tx1">
-                    <a:lumMod val="50000"/>
-                    <a:lumOff val="50000"/>
-                  </a:schemeClr>
-                </a:solidFill>
-                <a:latin typeface="+mn-lt"/>
-                <a:ea typeface="+mn-ea"/>
-                <a:cs typeface="+mn-cs"/>
-              </a:defRPr>
-            </a:pPr>
-            <a:endParaRPr lang="en-US"/>
-          </a:p>
-        </c:txPr>
-        <c:crossAx val="-2141150472"/>
-        <c:crosses val="autoZero"/>
-        <c:crossBetween val="between"/>
-      </c:valAx>
-      <c:spPr>
-        <a:noFill/>
-        <a:ln>
-          <a:noFill/>
-        </a:ln>
-        <a:effectLst/>
-      </c:spPr>
-    </c:plotArea>
-    <c:plotVisOnly val="1"/>
-    <c:dispBlanksAs val="gap"/>
-    <c:showDLblsOverMax val="0"/>
-    <c:extLst xmlns:c16r2="http://schemas.microsoft.com/office/drawing/2015/06/chart">
-      <c:ext xmlns:c16r3="http://schemas.microsoft.com/office/drawing/2017/03/chart" uri="{56B9EC1D-385E-4148-901F-78D8002777C0}">
-        <c16r3:dataDisplayOptions16>
-          <c16r3:dispNaAsBlank val="1"/>
-        </c16r3:dataDisplayOptions16>
-      </c:ext>
-    </c:extLst>
-  </c:chart>
-  <c:spPr>
-    <a:noFill/>
-    <a:ln w="9525" cap="flat" cmpd="sng" algn="ctr">
-      <a:noFill/>
-      <a:prstDash val="solid"/>
-    </a:ln>
-    <a:effectLst/>
-  </c:spPr>
-  <c:txPr>
-    <a:bodyPr/>
-    <a:lstStyle/>
-    <a:p>
-      <a:pPr>
-        <a:defRPr/>
-      </a:pPr>
-      <a:endParaRPr lang="en-US"/>
-    </a:p>
-  </c:txPr>
-  <c:externalData r:id="rId1">
     <c:autoUpdate val="0"/>
   </c:externalData>
 </c:chartSpace>
@@ -9482,7 +10084,7 @@
           <a:p>
             <a:fld id="{3B54DB44-758F-134D-B4A7-ABF32A3F556C}" type="datetimeFigureOut">
               <a:rPr lang="en-US" smtClean="0"/>
-              <a:t>20/1/3</a:t>
+              <a:t>20/1/11</a:t>
             </a:fld>
             <a:endParaRPr lang="en-US"/>
           </a:p>
@@ -9648,7 +10250,7 @@
           <a:p>
             <a:fld id="{E637929F-6F18-F14C-B53B-B96CFD812EDE}" type="datetimeFigureOut">
               <a:rPr lang="en-US" smtClean="0"/>
-              <a:t>20/1/3</a:t>
+              <a:t>20/1/11</a:t>
             </a:fld>
             <a:endParaRPr lang="en-US"/>
           </a:p>
@@ -10084,6 +10686,90 @@
 </p:notes>
 </file>
 
+<file path=ppt/notesSlides/notesSlide3.xml><?xml version="1.0" encoding="utf-8"?>
+<p:notes xmlns:a="http://schemas.openxmlformats.org/drawingml/2006/main" xmlns:r="http://schemas.openxmlformats.org/officeDocument/2006/relationships" xmlns:p="http://schemas.openxmlformats.org/presentationml/2006/main">
+  <p:cSld>
+    <p:spTree>
+      <p:nvGrpSpPr>
+        <p:cNvPr id="1" name=""/>
+        <p:cNvGrpSpPr/>
+        <p:nvPr/>
+      </p:nvGrpSpPr>
+      <p:grpSpPr>
+        <a:xfrm>
+          <a:off x="0" y="0"/>
+          <a:ext cx="0" cy="0"/>
+          <a:chOff x="0" y="0"/>
+          <a:chExt cx="0" cy="0"/>
+        </a:xfrm>
+      </p:grpSpPr>
+      <p:sp>
+        <p:nvSpPr>
+          <p:cNvPr id="2" name="Slide Image Placeholder 1"/>
+          <p:cNvSpPr>
+            <a:spLocks noGrp="1" noRot="1" noChangeAspect="1"/>
+          </p:cNvSpPr>
+          <p:nvPr>
+            <p:ph type="sldImg"/>
+          </p:nvPr>
+        </p:nvSpPr>
+        <p:spPr/>
+      </p:sp>
+      <p:sp>
+        <p:nvSpPr>
+          <p:cNvPr id="3" name="Notes Placeholder 2"/>
+          <p:cNvSpPr>
+            <a:spLocks noGrp="1"/>
+          </p:cNvSpPr>
+          <p:nvPr>
+            <p:ph type="body" idx="1"/>
+          </p:nvPr>
+        </p:nvSpPr>
+        <p:spPr/>
+        <p:txBody>
+          <a:bodyPr/>
+          <a:lstStyle/>
+          <a:p>
+            <a:endParaRPr lang="en-US" dirty="0"/>
+          </a:p>
+        </p:txBody>
+      </p:sp>
+      <p:sp>
+        <p:nvSpPr>
+          <p:cNvPr id="4" name="Slide Number Placeholder 3"/>
+          <p:cNvSpPr>
+            <a:spLocks noGrp="1"/>
+          </p:cNvSpPr>
+          <p:nvPr>
+            <p:ph type="sldNum" sz="quarter" idx="10"/>
+          </p:nvPr>
+        </p:nvSpPr>
+        <p:spPr/>
+        <p:txBody>
+          <a:bodyPr/>
+          <a:lstStyle/>
+          <a:p>
+            <a:fld id="{AB4B8F5E-CA73-304A-AE95-F9F064A1C98A}" type="slidenum">
+              <a:rPr lang="en-US" smtClean="0"/>
+              <a:t>5</a:t>
+            </a:fld>
+            <a:endParaRPr lang="en-US"/>
+          </a:p>
+        </p:txBody>
+      </p:sp>
+    </p:spTree>
+    <p:extLst>
+      <p:ext uri="{BB962C8B-B14F-4D97-AF65-F5344CB8AC3E}">
+        <p14:creationId xmlns:p14="http://schemas.microsoft.com/office/powerpoint/2010/main" val="2046653056"/>
+      </p:ext>
+    </p:extLst>
+  </p:cSld>
+  <p:clrMapOvr>
+    <a:masterClrMapping/>
+  </p:clrMapOvr>
+</p:notes>
+</file>
+
 <file path=ppt/slideLayouts/slideLayout1.xml><?xml version="1.0" encoding="utf-8"?>
 <p:sldLayout xmlns:a="http://schemas.openxmlformats.org/drawingml/2006/main" xmlns:r="http://schemas.openxmlformats.org/officeDocument/2006/relationships" xmlns:p="http://schemas.openxmlformats.org/presentationml/2006/main" type="title" preserve="1">
   <p:cSld name="Title Slide">
@@ -10263,7 +10949,7 @@
           <a:p>
             <a:fld id="{FD2305E7-C835-8640-8D64-542556385D55}" type="datetime1">
               <a:rPr lang="en-US" smtClean="0"/>
-              <a:t>20/1/3</a:t>
+              <a:t>20/1/11</a:t>
             </a:fld>
             <a:endParaRPr lang="en-US" dirty="0"/>
           </a:p>
@@ -10431,7 +11117,7 @@
           <a:p>
             <a:fld id="{FD3523BE-627E-DE4B-A248-A8F6C33C9811}" type="datetime1">
               <a:rPr lang="en-US" smtClean="0"/>
-              <a:t>20/1/3</a:t>
+              <a:t>20/1/11</a:t>
             </a:fld>
             <a:endParaRPr lang="en-US"/>
           </a:p>
@@ -10609,7 +11295,7 @@
           <a:p>
             <a:fld id="{9CE06162-78FF-0E42-B6D0-2A5A4A955F31}" type="datetime1">
               <a:rPr lang="en-US" smtClean="0"/>
-              <a:t>20/1/3</a:t>
+              <a:t>20/1/11</a:t>
             </a:fld>
             <a:endParaRPr lang="en-US"/>
           </a:p>
@@ -10726,7 +11412,7 @@
           <a:p>
             <a:fld id="{322D7804-B21C-E540-9661-E4CD3E43D0EB}" type="datetime1">
               <a:rPr lang="en-US" smtClean="0"/>
-              <a:t>20/1/3</a:t>
+              <a:t>20/1/11</a:t>
             </a:fld>
             <a:endParaRPr lang="en-US"/>
           </a:p>
@@ -10966,7 +11652,7 @@
           <a:p>
             <a:fld id="{681639FC-2947-2E4E-8611-A82DF714D277}" type="datetime1">
               <a:rPr lang="en-US" smtClean="0"/>
-              <a:t>20/1/3</a:t>
+              <a:t>20/1/11</a:t>
             </a:fld>
             <a:endParaRPr lang="en-US"/>
           </a:p>
@@ -11134,7 +11820,7 @@
           <a:p>
             <a:fld id="{53095059-3885-5C4F-BE50-81BF3F31CCF2}" type="datetime1">
               <a:rPr lang="en-US" smtClean="0"/>
-              <a:t>20/1/3</a:t>
+              <a:t>20/1/11</a:t>
             </a:fld>
             <a:endParaRPr lang="en-US"/>
           </a:p>
@@ -11379,7 +12065,7 @@
           <a:p>
             <a:fld id="{B937E794-E2DA-B245-A281-77804E80CE81}" type="datetime1">
               <a:rPr lang="en-US" smtClean="0"/>
-              <a:t>20/1/3</a:t>
+              <a:t>20/1/11</a:t>
             </a:fld>
             <a:endParaRPr lang="en-US"/>
           </a:p>
@@ -11664,7 +12350,7 @@
           <a:p>
             <a:fld id="{667809A4-7BC4-154A-8E1A-7E1C6B14027A}" type="datetime1">
               <a:rPr lang="en-US" smtClean="0"/>
-              <a:t>20/1/3</a:t>
+              <a:t>20/1/11</a:t>
             </a:fld>
             <a:endParaRPr lang="en-US"/>
           </a:p>
@@ -12083,7 +12769,7 @@
           <a:p>
             <a:fld id="{4D06905C-E256-6042-A80F-47C6B44E3A9E}" type="datetime1">
               <a:rPr lang="en-US" smtClean="0"/>
-              <a:t>20/1/3</a:t>
+              <a:t>20/1/11</a:t>
             </a:fld>
             <a:endParaRPr lang="en-US"/>
           </a:p>
@@ -12200,7 +12886,7 @@
           <a:p>
             <a:fld id="{F47EAF92-27D5-1F4E-A0CA-B206D1FB3CA2}" type="datetime1">
               <a:rPr lang="en-US" smtClean="0"/>
-              <a:t>20/1/3</a:t>
+              <a:t>20/1/11</a:t>
             </a:fld>
             <a:endParaRPr lang="en-US"/>
           </a:p>
@@ -12295,7 +12981,7 @@
           <a:p>
             <a:fld id="{D591A1A7-C1BF-194A-B26C-453C78E6BFB8}" type="datetime1">
               <a:rPr lang="en-US" smtClean="0"/>
-              <a:t>20/1/3</a:t>
+              <a:t>20/1/11</a:t>
             </a:fld>
             <a:endParaRPr lang="en-US"/>
           </a:p>
@@ -12463,7 +13149,7 @@
           <a:p>
             <a:fld id="{3F53DEDF-FEDC-5E42-90F3-FCA201DE68EC}" type="datetime1">
               <a:rPr lang="en-US" smtClean="0"/>
-              <a:t>20/1/3</a:t>
+              <a:t>20/1/11</a:t>
             </a:fld>
             <a:endParaRPr lang="en-US"/>
           </a:p>
@@ -12738,7 +13424,7 @@
           <a:p>
             <a:fld id="{83A906F1-DB9A-714E-9BF6-2F1C9CD15A49}" type="datetime1">
               <a:rPr lang="en-US" smtClean="0"/>
-              <a:t>20/1/3</a:t>
+              <a:t>20/1/11</a:t>
             </a:fld>
             <a:endParaRPr lang="en-US"/>
           </a:p>
@@ -12990,7 +13676,7 @@
           <a:p>
             <a:fld id="{A8ACA64A-3FB3-3047-AB11-175BCBE650AC}" type="datetime1">
               <a:rPr lang="en-US" smtClean="0"/>
-              <a:t>20/1/3</a:t>
+              <a:t>20/1/11</a:t>
             </a:fld>
             <a:endParaRPr lang="en-US"/>
           </a:p>
@@ -13158,7 +13844,7 @@
           <a:p>
             <a:fld id="{523E69A2-D290-9B46-80E7-750E57A2ADF3}" type="datetime1">
               <a:rPr lang="en-US" smtClean="0"/>
-              <a:t>20/1/3</a:t>
+              <a:t>20/1/11</a:t>
             </a:fld>
             <a:endParaRPr lang="en-US"/>
           </a:p>
@@ -13336,7 +14022,7 @@
           <a:p>
             <a:fld id="{13CFBCB5-2B02-8A49-B4FF-4DBD8D7E5A69}" type="datetime1">
               <a:rPr lang="en-US" smtClean="0"/>
-              <a:t>20/1/3</a:t>
+              <a:t>20/1/11</a:t>
             </a:fld>
             <a:endParaRPr lang="en-US"/>
           </a:p>
@@ -13453,7 +14139,7 @@
           <a:p>
             <a:fld id="{201E0AE7-0D3F-174B-BBAA-A9722098F5E2}" type="datetime1">
               <a:rPr lang="en-US" smtClean="0"/>
-              <a:t>20/1/3</a:t>
+              <a:t>20/1/11</a:t>
             </a:fld>
             <a:endParaRPr lang="en-US"/>
           </a:p>
@@ -13752,7 +14438,7 @@
           <a:p>
             <a:fld id="{D639639B-38A3-BB41-A23A-E6498BAF0BFC}" type="datetime1">
               <a:rPr lang="en-US" smtClean="0"/>
-              <a:t>20/1/3</a:t>
+              <a:t>20/1/11</a:t>
             </a:fld>
             <a:endParaRPr lang="en-US"/>
           </a:p>
@@ -14037,7 +14723,7 @@
           <a:p>
             <a:fld id="{13D17A8F-0D8D-E148-BB2B-52255484FAC7}" type="datetime1">
               <a:rPr lang="en-US" smtClean="0"/>
-              <a:t>20/1/3</a:t>
+              <a:t>20/1/11</a:t>
             </a:fld>
             <a:endParaRPr lang="en-US"/>
           </a:p>
@@ -14456,7 +15142,7 @@
           <a:p>
             <a:fld id="{1B329F6A-DD8B-3C42-9813-11C191AFF677}" type="datetime1">
               <a:rPr lang="en-US" smtClean="0"/>
-              <a:t>20/1/3</a:t>
+              <a:t>20/1/11</a:t>
             </a:fld>
             <a:endParaRPr lang="en-US"/>
           </a:p>
@@ -14573,7 +15259,7 @@
           <a:p>
             <a:fld id="{84A8A1F1-D48A-D040-8A75-8800E9588FE3}" type="datetime1">
               <a:rPr lang="en-US" smtClean="0"/>
-              <a:t>20/1/3</a:t>
+              <a:t>20/1/11</a:t>
             </a:fld>
             <a:endParaRPr lang="en-US"/>
           </a:p>
@@ -14668,7 +15354,7 @@
           <a:p>
             <a:fld id="{F9FA10D4-8AB3-7A44-B737-1D62F5207D6B}" type="datetime1">
               <a:rPr lang="en-US" smtClean="0"/>
-              <a:t>20/1/3</a:t>
+              <a:t>20/1/11</a:t>
             </a:fld>
             <a:endParaRPr lang="en-US"/>
           </a:p>
@@ -14943,7 +15629,7 @@
           <a:p>
             <a:fld id="{3D40CC6F-5DDD-CB45-B0EC-71E3E2DB92CA}" type="datetime1">
               <a:rPr lang="en-US" smtClean="0"/>
-              <a:t>20/1/3</a:t>
+              <a:t>20/1/11</a:t>
             </a:fld>
             <a:endParaRPr lang="en-US"/>
           </a:p>
@@ -15195,7 +15881,7 @@
           <a:p>
             <a:fld id="{0AD3586C-4D42-C544-9F6B-E0E628413F03}" type="datetime1">
               <a:rPr lang="en-US" smtClean="0"/>
-              <a:t>20/1/3</a:t>
+              <a:t>20/1/11</a:t>
             </a:fld>
             <a:endParaRPr lang="en-US"/>
           </a:p>
@@ -15406,7 +16092,7 @@
           <a:p>
             <a:fld id="{AE209A6B-A7DA-C049-8537-0F5CEEECC6CE}" type="datetime1">
               <a:rPr lang="en-US" smtClean="0"/>
-              <a:t>20/1/3</a:t>
+              <a:t>20/1/11</a:t>
             </a:fld>
             <a:endParaRPr lang="en-US"/>
           </a:p>
@@ -15916,7 +16602,7 @@
           <a:p>
             <a:fld id="{21B1BCED-9BA5-8E41-A609-A4C70855A5EE}" type="datetime1">
               <a:rPr lang="en-US" smtClean="0"/>
-              <a:t>20/1/3</a:t>
+              <a:t>20/1/11</a:t>
             </a:fld>
             <a:endParaRPr lang="en-US"/>
           </a:p>
@@ -16300,13 +16986,13 @@
             <a:spLocks noGrp="1"/>
           </p:cNvSpPr>
           <p:nvPr>
-            <p:ph type="title"/>
+            <p:ph type="ctrTitle"/>
           </p:nvPr>
         </p:nvSpPr>
         <p:spPr>
           <a:xfrm>
-            <a:off x="457200" y="1249342"/>
-            <a:ext cx="8229600" cy="1143000"/>
+            <a:off x="685800" y="1395412"/>
+            <a:ext cx="7772400" cy="1470025"/>
           </a:xfrm>
         </p:spPr>
         <p:txBody>
@@ -16340,6 +17026,50 @@
               </a:rPr>
               <a:t>Welcome</a:t>
             </a:r>
+          </a:p>
+        </p:txBody>
+      </p:sp>
+      <p:sp>
+        <p:nvSpPr>
+          <p:cNvPr id="5" name="Subtitle 4"/>
+          <p:cNvSpPr>
+            <a:spLocks noGrp="1"/>
+          </p:cNvSpPr>
+          <p:nvPr>
+            <p:ph type="subTitle" idx="1"/>
+          </p:nvPr>
+        </p:nvSpPr>
+        <p:spPr>
+          <a:xfrm>
+            <a:off x="1371600" y="3126885"/>
+            <a:ext cx="6400800" cy="1752600"/>
+          </a:xfrm>
+        </p:spPr>
+        <p:txBody>
+          <a:bodyPr>
+            <a:normAutofit/>
+          </a:bodyPr>
+          <a:lstStyle/>
+          <a:p>
+            <a:r>
+              <a:rPr lang="zh-TW" altLang="en-US" sz="6000" dirty="0" smtClean="0">
+                <a:solidFill>
+                  <a:srgbClr val="0000FF"/>
+                </a:solidFill>
+                <a:latin typeface="BiauKai"/>
+                <a:ea typeface="BiauKai"/>
+                <a:cs typeface="BiauKai"/>
+              </a:rPr>
+              <a:t>香港中文大學師生</a:t>
+            </a:r>
+            <a:endParaRPr lang="en-US" sz="6000" dirty="0">
+              <a:solidFill>
+                <a:srgbClr val="0000FF"/>
+              </a:solidFill>
+              <a:latin typeface="BiauKai"/>
+              <a:ea typeface="BiauKai"/>
+              <a:cs typeface="BiauKai"/>
+            </a:endParaRPr>
           </a:p>
         </p:txBody>
       </p:sp>
@@ -16398,7 +17128,13 @@
       </p:grpSpPr>
       <p:sp>
         <p:nvSpPr>
-          <p:cNvPr id="2" name="Title 1"/>
+          <p:cNvPr id="2" name="標題 1">
+            <a:extLst>
+              <a:ext uri="{FF2B5EF4-FFF2-40B4-BE49-F238E27FC236}">
+                <a16:creationId xmlns="" xmlns:a16="http://schemas.microsoft.com/office/drawing/2014/main" id="{24CEBE4C-140D-0D4C-9776-D7C355D9D41F}"/>
+              </a:ext>
+            </a:extLst>
+          </p:cNvPr>
           <p:cNvSpPr>
             <a:spLocks noGrp="1"/>
           </p:cNvSpPr>
@@ -16412,75 +17148,22 @@
           <a:lstStyle/>
           <a:p>
             <a:r>
-              <a:rPr lang="en-US" dirty="0" smtClean="0"/>
-              <a:t>Why this Election Matters?</a:t>
-            </a:r>
-            <a:endParaRPr lang="en-US" dirty="0"/>
-          </a:p>
-        </p:txBody>
-      </p:sp>
-      <p:sp>
-        <p:nvSpPr>
-          <p:cNvPr id="3" name="Content Placeholder 2"/>
-          <p:cNvSpPr>
-            <a:spLocks noGrp="1"/>
-          </p:cNvSpPr>
-          <p:nvPr>
-            <p:ph idx="1"/>
-          </p:nvPr>
-        </p:nvSpPr>
-        <p:spPr/>
-        <p:txBody>
-          <a:bodyPr>
-            <a:normAutofit fontScale="92500" lnSpcReduction="20000"/>
-          </a:bodyPr>
-          <a:lstStyle/>
-          <a:p>
-            <a:r>
-              <a:rPr lang="en-US" dirty="0" smtClean="0"/>
-              <a:t>How will Taiwan people respond to China-US trade war and protests against the extradition bill in Hong Kong?</a:t>
-            </a:r>
-          </a:p>
-          <a:p>
-            <a:r>
-              <a:rPr lang="en-US" dirty="0" smtClean="0"/>
-              <a:t>How much do China’s cyber troops and content farms influence Taiwan?</a:t>
-            </a:r>
-          </a:p>
-          <a:p>
-            <a:r>
-              <a:rPr lang="en-US" dirty="0" smtClean="0"/>
-              <a:t>Will the DPP rebound from losing  </a:t>
-            </a:r>
-            <a:r>
-              <a:rPr lang="en-US" dirty="0"/>
-              <a:t>7</a:t>
-            </a:r>
-            <a:r>
-              <a:rPr lang="en-US" dirty="0" smtClean="0"/>
-              <a:t> out of 13 </a:t>
-            </a:r>
-            <a:r>
-              <a:rPr lang="en-US" dirty="0"/>
-              <a:t>county/</a:t>
-            </a:r>
-            <a:r>
-              <a:rPr lang="en-US" dirty="0" smtClean="0"/>
-              <a:t>city that they controlled, including Kaohsiung and Taichung, in the 2018 mayor election?</a:t>
-            </a:r>
-          </a:p>
-          <a:p>
-            <a:r>
-              <a:rPr lang="en-US" dirty="0" smtClean="0"/>
-              <a:t>How many minor parties (TPP, NPP, PFP, Green) will survive in Taiwan?</a:t>
-            </a:r>
-            <a:endParaRPr lang="en-US" dirty="0"/>
-          </a:p>
-        </p:txBody>
-      </p:sp>
-      <p:sp>
-        <p:nvSpPr>
-          <p:cNvPr id="4" name="Slide Number Placeholder 3"/>
+              <a:rPr kumimoji="1" lang="en-US" altLang="zh-TW" dirty="0"/>
+              <a:t>Campaign Activities</a:t>
+            </a:r>
+            <a:endParaRPr kumimoji="1" lang="zh-TW" altLang="en-US" dirty="0"/>
+          </a:p>
+        </p:txBody>
+      </p:sp>
+      <p:sp>
+        <p:nvSpPr>
+          <p:cNvPr id="3" name="投影片編號版面配置區 2">
+            <a:extLst>
+              <a:ext uri="{FF2B5EF4-FFF2-40B4-BE49-F238E27FC236}">
+                <a16:creationId xmlns="" xmlns:a16="http://schemas.microsoft.com/office/drawing/2014/main" id="{18DEFD22-6D93-EF46-AE72-30E7C02BE86E}"/>
+              </a:ext>
+            </a:extLst>
+          </p:cNvPr>
           <p:cNvSpPr>
             <a:spLocks noGrp="1"/>
           </p:cNvSpPr>
@@ -16501,10 +17184,130 @@
           </a:p>
         </p:txBody>
       </p:sp>
+      <p:pic>
+        <p:nvPicPr>
+          <p:cNvPr id="4" name="圖片 3">
+            <a:extLst>
+              <a:ext uri="{FF2B5EF4-FFF2-40B4-BE49-F238E27FC236}">
+                <a16:creationId xmlns="" xmlns:a16="http://schemas.microsoft.com/office/drawing/2014/main" id="{4612A773-CDC0-4F41-824F-E05D8E3B6334}"/>
+              </a:ext>
+            </a:extLst>
+          </p:cNvPr>
+          <p:cNvPicPr>
+            <a:picLocks noChangeAspect="1"/>
+          </p:cNvPicPr>
+          <p:nvPr/>
+        </p:nvPicPr>
+        <p:blipFill>
+          <a:blip r:embed="rId2"/>
+          <a:stretch>
+            <a:fillRect/>
+          </a:stretch>
+        </p:blipFill>
+        <p:spPr>
+          <a:xfrm>
+            <a:off x="1108880" y="1161825"/>
+            <a:ext cx="2731600" cy="2487707"/>
+          </a:xfrm>
+          <a:prstGeom prst="rect">
+            <a:avLst/>
+          </a:prstGeom>
+        </p:spPr>
+      </p:pic>
+      <p:pic>
+        <p:nvPicPr>
+          <p:cNvPr id="5" name="圖片 4">
+            <a:extLst>
+              <a:ext uri="{FF2B5EF4-FFF2-40B4-BE49-F238E27FC236}">
+                <a16:creationId xmlns="" xmlns:a16="http://schemas.microsoft.com/office/drawing/2014/main" id="{89A42DFF-D321-8A46-9DE3-E11CAA0E11C1}"/>
+              </a:ext>
+            </a:extLst>
+          </p:cNvPr>
+          <p:cNvPicPr>
+            <a:picLocks noChangeAspect="1"/>
+          </p:cNvPicPr>
+          <p:nvPr/>
+        </p:nvPicPr>
+        <p:blipFill>
+          <a:blip r:embed="rId3"/>
+          <a:stretch>
+            <a:fillRect/>
+          </a:stretch>
+        </p:blipFill>
+        <p:spPr>
+          <a:xfrm>
+            <a:off x="5269031" y="1172584"/>
+            <a:ext cx="2661596" cy="2436384"/>
+          </a:xfrm>
+          <a:prstGeom prst="rect">
+            <a:avLst/>
+          </a:prstGeom>
+        </p:spPr>
+      </p:pic>
+      <p:pic>
+        <p:nvPicPr>
+          <p:cNvPr id="6" name="圖片 5">
+            <a:extLst>
+              <a:ext uri="{FF2B5EF4-FFF2-40B4-BE49-F238E27FC236}">
+                <a16:creationId xmlns="" xmlns:a16="http://schemas.microsoft.com/office/drawing/2014/main" id="{7A7825C2-B1F2-D34A-B680-9A1740B8DA33}"/>
+              </a:ext>
+            </a:extLst>
+          </p:cNvPr>
+          <p:cNvPicPr>
+            <a:picLocks noChangeAspect="1"/>
+          </p:cNvPicPr>
+          <p:nvPr/>
+        </p:nvPicPr>
+        <p:blipFill>
+          <a:blip r:embed="rId4"/>
+          <a:stretch>
+            <a:fillRect/>
+          </a:stretch>
+        </p:blipFill>
+        <p:spPr>
+          <a:xfrm>
+            <a:off x="1140311" y="3577060"/>
+            <a:ext cx="2807522" cy="2443187"/>
+          </a:xfrm>
+          <a:prstGeom prst="rect">
+            <a:avLst/>
+          </a:prstGeom>
+        </p:spPr>
+      </p:pic>
+      <p:pic>
+        <p:nvPicPr>
+          <p:cNvPr id="7" name="圖片 6">
+            <a:extLst>
+              <a:ext uri="{FF2B5EF4-FFF2-40B4-BE49-F238E27FC236}">
+                <a16:creationId xmlns="" xmlns:a16="http://schemas.microsoft.com/office/drawing/2014/main" id="{429AB3BD-2BB5-E94C-9BDE-C23946D267ED}"/>
+              </a:ext>
+            </a:extLst>
+          </p:cNvPr>
+          <p:cNvPicPr>
+            <a:picLocks noChangeAspect="1"/>
+          </p:cNvPicPr>
+          <p:nvPr/>
+        </p:nvPicPr>
+        <p:blipFill>
+          <a:blip r:embed="rId5"/>
+          <a:stretch>
+            <a:fillRect/>
+          </a:stretch>
+        </p:blipFill>
+        <p:spPr>
+          <a:xfrm>
+            <a:off x="5282004" y="3694148"/>
+            <a:ext cx="2646382" cy="2335450"/>
+          </a:xfrm>
+          <a:prstGeom prst="rect">
+            <a:avLst/>
+          </a:prstGeom>
+        </p:spPr>
+      </p:pic>
     </p:spTree>
     <p:extLst>
       <p:ext uri="{BB962C8B-B14F-4D97-AF65-F5344CB8AC3E}">
-        <p14:creationId xmlns:p14="http://schemas.microsoft.com/office/powerpoint/2010/main" val="2780801000"/>
+        <p14:creationId xmlns:p14="http://schemas.microsoft.com/office/powerpoint/2010/main" val="1323291548"/>
       </p:ext>
     </p:extLst>
   </p:cSld>
@@ -16548,6 +17351,141 @@
           <a:p>
             <a:r>
               <a:rPr lang="en-US" dirty="0" smtClean="0"/>
+              <a:t>Why this Election Matters?</a:t>
+            </a:r>
+            <a:endParaRPr lang="en-US" dirty="0"/>
+          </a:p>
+        </p:txBody>
+      </p:sp>
+      <p:sp>
+        <p:nvSpPr>
+          <p:cNvPr id="3" name="Content Placeholder 2"/>
+          <p:cNvSpPr>
+            <a:spLocks noGrp="1"/>
+          </p:cNvSpPr>
+          <p:nvPr>
+            <p:ph idx="1"/>
+          </p:nvPr>
+        </p:nvSpPr>
+        <p:spPr/>
+        <p:txBody>
+          <a:bodyPr>
+            <a:normAutofit fontScale="92500" lnSpcReduction="20000"/>
+          </a:bodyPr>
+          <a:lstStyle/>
+          <a:p>
+            <a:r>
+              <a:rPr lang="en-US" dirty="0" smtClean="0"/>
+              <a:t>How will Taiwan people respond to China-US trade war and protests against the extradition bill in Hong Kong?</a:t>
+            </a:r>
+          </a:p>
+          <a:p>
+            <a:r>
+              <a:rPr lang="en-US" dirty="0" smtClean="0"/>
+              <a:t>How much do China’s cyber troops and content farms influence Taiwan?</a:t>
+            </a:r>
+          </a:p>
+          <a:p>
+            <a:r>
+              <a:rPr lang="en-US" dirty="0" smtClean="0"/>
+              <a:t>Will the DPP rebound from losing  </a:t>
+            </a:r>
+            <a:r>
+              <a:rPr lang="en-US" dirty="0"/>
+              <a:t>7</a:t>
+            </a:r>
+            <a:r>
+              <a:rPr lang="en-US" dirty="0" smtClean="0"/>
+              <a:t> out of 13 </a:t>
+            </a:r>
+            <a:r>
+              <a:rPr lang="en-US" dirty="0"/>
+              <a:t>county/</a:t>
+            </a:r>
+            <a:r>
+              <a:rPr lang="en-US" dirty="0" smtClean="0"/>
+              <a:t>city that they controlled, including Kaohsiung and Taichung, in the 2018 mayor election?</a:t>
+            </a:r>
+          </a:p>
+          <a:p>
+            <a:r>
+              <a:rPr lang="en-US" dirty="0" smtClean="0"/>
+              <a:t>How many minor parties (TPP, NPP, PFP, Green) will survive in Taiwan?</a:t>
+            </a:r>
+            <a:endParaRPr lang="en-US" dirty="0"/>
+          </a:p>
+        </p:txBody>
+      </p:sp>
+      <p:sp>
+        <p:nvSpPr>
+          <p:cNvPr id="4" name="Slide Number Placeholder 3"/>
+          <p:cNvSpPr>
+            <a:spLocks noGrp="1"/>
+          </p:cNvSpPr>
+          <p:nvPr>
+            <p:ph type="sldNum" sz="quarter" idx="12"/>
+          </p:nvPr>
+        </p:nvSpPr>
+        <p:spPr/>
+        <p:txBody>
+          <a:bodyPr/>
+          <a:lstStyle/>
+          <a:p>
+            <a:fld id="{CD9A5680-6096-C64A-AF8E-ED46E1855E22}" type="slidenum">
+              <a:rPr lang="en-US" smtClean="0"/>
+              <a:t>10</a:t>
+            </a:fld>
+            <a:endParaRPr lang="en-US"/>
+          </a:p>
+        </p:txBody>
+      </p:sp>
+    </p:spTree>
+    <p:extLst>
+      <p:ext uri="{BB962C8B-B14F-4D97-AF65-F5344CB8AC3E}">
+        <p14:creationId xmlns:p14="http://schemas.microsoft.com/office/powerpoint/2010/main" val="2780801000"/>
+      </p:ext>
+    </p:extLst>
+  </p:cSld>
+  <p:clrMapOvr>
+    <a:masterClrMapping/>
+  </p:clrMapOvr>
+</p:sld>
+</file>
+
+<file path=ppt/slides/slide12.xml><?xml version="1.0" encoding="utf-8"?>
+<p:sld xmlns:a="http://schemas.openxmlformats.org/drawingml/2006/main" xmlns:r="http://schemas.openxmlformats.org/officeDocument/2006/relationships" xmlns:p="http://schemas.openxmlformats.org/presentationml/2006/main">
+  <p:cSld>
+    <p:spTree>
+      <p:nvGrpSpPr>
+        <p:cNvPr id="1" name=""/>
+        <p:cNvGrpSpPr/>
+        <p:nvPr/>
+      </p:nvGrpSpPr>
+      <p:grpSpPr>
+        <a:xfrm>
+          <a:off x="0" y="0"/>
+          <a:ext cx="0" cy="0"/>
+          <a:chOff x="0" y="0"/>
+          <a:chExt cx="0" cy="0"/>
+        </a:xfrm>
+      </p:grpSpPr>
+      <p:sp>
+        <p:nvSpPr>
+          <p:cNvPr id="2" name="Title 1"/>
+          <p:cNvSpPr>
+            <a:spLocks noGrp="1"/>
+          </p:cNvSpPr>
+          <p:nvPr>
+            <p:ph type="title"/>
+          </p:nvPr>
+        </p:nvSpPr>
+        <p:spPr/>
+        <p:txBody>
+          <a:bodyPr/>
+          <a:lstStyle/>
+          <a:p>
+            <a:r>
+              <a:rPr lang="en-US" dirty="0" smtClean="0"/>
               <a:t>Diagram of Voting</a:t>
             </a:r>
             <a:endParaRPr lang="en-US" dirty="0"/>
@@ -16571,7 +17509,7 @@
           <a:p>
             <a:fld id="{CD9A5680-6096-C64A-AF8E-ED46E1855E22}" type="slidenum">
               <a:rPr lang="en-US" smtClean="0"/>
-              <a:t>10</a:t>
+              <a:t>11</a:t>
             </a:fld>
             <a:endParaRPr lang="en-US"/>
           </a:p>
@@ -17043,125 +17981,6 @@
 </p:sld>
 </file>
 
-<file path=ppt/slides/slide12.xml><?xml version="1.0" encoding="utf-8"?>
-<p:sld xmlns:a="http://schemas.openxmlformats.org/drawingml/2006/main" xmlns:r="http://schemas.openxmlformats.org/officeDocument/2006/relationships" xmlns:p="http://schemas.openxmlformats.org/presentationml/2006/main">
-  <p:cSld>
-    <p:spTree>
-      <p:nvGrpSpPr>
-        <p:cNvPr id="1" name=""/>
-        <p:cNvGrpSpPr/>
-        <p:nvPr/>
-      </p:nvGrpSpPr>
-      <p:grpSpPr>
-        <a:xfrm>
-          <a:off x="0" y="0"/>
-          <a:ext cx="0" cy="0"/>
-          <a:chOff x="0" y="0"/>
-          <a:chExt cx="0" cy="0"/>
-        </a:xfrm>
-      </p:grpSpPr>
-      <p:sp>
-        <p:nvSpPr>
-          <p:cNvPr id="2" name="Title 1"/>
-          <p:cNvSpPr>
-            <a:spLocks noGrp="1"/>
-          </p:cNvSpPr>
-          <p:nvPr>
-            <p:ph type="title"/>
-          </p:nvPr>
-        </p:nvSpPr>
-        <p:spPr/>
-        <p:txBody>
-          <a:bodyPr>
-            <a:normAutofit/>
-          </a:bodyPr>
-          <a:lstStyle/>
-          <a:p>
-            <a:r>
-              <a:rPr lang="en-US" dirty="0"/>
-              <a:t>Taiwan’s Identity Politics </a:t>
-            </a:r>
-          </a:p>
-        </p:txBody>
-      </p:sp>
-      <p:sp>
-        <p:nvSpPr>
-          <p:cNvPr id="3" name="Content Placeholder 2"/>
-          <p:cNvSpPr>
-            <a:spLocks noGrp="1"/>
-          </p:cNvSpPr>
-          <p:nvPr>
-            <p:ph idx="1"/>
-          </p:nvPr>
-        </p:nvSpPr>
-        <p:spPr/>
-        <p:txBody>
-          <a:bodyPr>
-            <a:normAutofit/>
-          </a:bodyPr>
-          <a:lstStyle/>
-          <a:p>
-            <a:r>
-              <a:rPr lang="en-US" dirty="0"/>
-              <a:t>Taiwanese/Chinese identity characterizes Taiwan politics. </a:t>
-            </a:r>
-          </a:p>
-          <a:p>
-            <a:r>
-              <a:rPr lang="en-US" dirty="0"/>
-              <a:t>Kuomintang (KMT) and Democratic Progressive Party (DPP) promote Chinese and Taiwan identity respectively.</a:t>
-            </a:r>
-          </a:p>
-          <a:p>
-            <a:r>
-              <a:rPr lang="en-US" dirty="0"/>
-              <a:t>National identity is related to independence/unification issue; most people prefer the status quo of cross-Strait relations.</a:t>
-            </a:r>
-          </a:p>
-          <a:p>
-            <a:pPr marL="0" indent="0">
-              <a:buNone/>
-            </a:pPr>
-            <a:endParaRPr lang="en-US" dirty="0"/>
-          </a:p>
-        </p:txBody>
-      </p:sp>
-      <p:sp>
-        <p:nvSpPr>
-          <p:cNvPr id="5" name="Slide Number Placeholder 4"/>
-          <p:cNvSpPr>
-            <a:spLocks noGrp="1"/>
-          </p:cNvSpPr>
-          <p:nvPr>
-            <p:ph type="sldNum" sz="quarter" idx="12"/>
-          </p:nvPr>
-        </p:nvSpPr>
-        <p:spPr/>
-        <p:txBody>
-          <a:bodyPr/>
-          <a:lstStyle/>
-          <a:p>
-            <a:fld id="{CD9A5680-6096-C64A-AF8E-ED46E1855E22}" type="slidenum">
-              <a:rPr lang="en-US" smtClean="0"/>
-              <a:t>11</a:t>
-            </a:fld>
-            <a:endParaRPr lang="en-US"/>
-          </a:p>
-        </p:txBody>
-      </p:sp>
-    </p:spTree>
-    <p:extLst>
-      <p:ext uri="{BB962C8B-B14F-4D97-AF65-F5344CB8AC3E}">
-        <p14:creationId xmlns:p14="http://schemas.microsoft.com/office/powerpoint/2010/main" val="2994568179"/>
-      </p:ext>
-    </p:extLst>
-  </p:cSld>
-  <p:clrMapOvr>
-    <a:masterClrMapping/>
-  </p:clrMapOvr>
-</p:sld>
-</file>
-
 <file path=ppt/slides/slide13.xml><?xml version="1.0" encoding="utf-8"?>
 <p:sld xmlns:a="http://schemas.openxmlformats.org/drawingml/2006/main" xmlns:r="http://schemas.openxmlformats.org/officeDocument/2006/relationships" xmlns:p="http://schemas.openxmlformats.org/presentationml/2006/main">
   <p:cSld>
@@ -17191,12 +18010,14 @@
         </p:nvSpPr>
         <p:spPr/>
         <p:txBody>
-          <a:bodyPr/>
+          <a:bodyPr>
+            <a:normAutofit/>
+          </a:bodyPr>
           <a:lstStyle/>
           <a:p>
             <a:r>
               <a:rPr lang="en-US" dirty="0"/>
-              <a:t>Longitudinal Core Attitudes</a:t>
+              <a:t>Taiwan’s Identity Politics </a:t>
             </a:r>
           </a:p>
         </p:txBody>
@@ -17213,6 +18034,123 @@
         </p:nvSpPr>
         <p:spPr/>
         <p:txBody>
+          <a:bodyPr>
+            <a:normAutofit/>
+          </a:bodyPr>
+          <a:lstStyle/>
+          <a:p>
+            <a:r>
+              <a:rPr lang="en-US" dirty="0"/>
+              <a:t>Taiwanese/Chinese identity characterizes Taiwan politics. </a:t>
+            </a:r>
+          </a:p>
+          <a:p>
+            <a:r>
+              <a:rPr lang="en-US" dirty="0"/>
+              <a:t>Kuomintang (KMT) and Democratic Progressive Party (DPP) promote Chinese and Taiwan identity respectively.</a:t>
+            </a:r>
+          </a:p>
+          <a:p>
+            <a:r>
+              <a:rPr lang="en-US" dirty="0"/>
+              <a:t>National identity is related to independence/unification issue; most people prefer the status quo of cross-Strait relations.</a:t>
+            </a:r>
+          </a:p>
+          <a:p>
+            <a:pPr marL="0" indent="0">
+              <a:buNone/>
+            </a:pPr>
+            <a:endParaRPr lang="en-US" dirty="0"/>
+          </a:p>
+        </p:txBody>
+      </p:sp>
+      <p:sp>
+        <p:nvSpPr>
+          <p:cNvPr id="5" name="Slide Number Placeholder 4"/>
+          <p:cNvSpPr>
+            <a:spLocks noGrp="1"/>
+          </p:cNvSpPr>
+          <p:nvPr>
+            <p:ph type="sldNum" sz="quarter" idx="12"/>
+          </p:nvPr>
+        </p:nvSpPr>
+        <p:spPr/>
+        <p:txBody>
+          <a:bodyPr/>
+          <a:lstStyle/>
+          <a:p>
+            <a:fld id="{CD9A5680-6096-C64A-AF8E-ED46E1855E22}" type="slidenum">
+              <a:rPr lang="en-US" smtClean="0"/>
+              <a:t>12</a:t>
+            </a:fld>
+            <a:endParaRPr lang="en-US"/>
+          </a:p>
+        </p:txBody>
+      </p:sp>
+    </p:spTree>
+    <p:extLst>
+      <p:ext uri="{BB962C8B-B14F-4D97-AF65-F5344CB8AC3E}">
+        <p14:creationId xmlns:p14="http://schemas.microsoft.com/office/powerpoint/2010/main" val="2994568179"/>
+      </p:ext>
+    </p:extLst>
+  </p:cSld>
+  <p:clrMapOvr>
+    <a:masterClrMapping/>
+  </p:clrMapOvr>
+</p:sld>
+</file>
+
+<file path=ppt/slides/slide14.xml><?xml version="1.0" encoding="utf-8"?>
+<p:sld xmlns:a="http://schemas.openxmlformats.org/drawingml/2006/main" xmlns:r="http://schemas.openxmlformats.org/officeDocument/2006/relationships" xmlns:p="http://schemas.openxmlformats.org/presentationml/2006/main">
+  <p:cSld>
+    <p:spTree>
+      <p:nvGrpSpPr>
+        <p:cNvPr id="1" name=""/>
+        <p:cNvGrpSpPr/>
+        <p:nvPr/>
+      </p:nvGrpSpPr>
+      <p:grpSpPr>
+        <a:xfrm>
+          <a:off x="0" y="0"/>
+          <a:ext cx="0" cy="0"/>
+          <a:chOff x="0" y="0"/>
+          <a:chExt cx="0" cy="0"/>
+        </a:xfrm>
+      </p:grpSpPr>
+      <p:sp>
+        <p:nvSpPr>
+          <p:cNvPr id="2" name="Title 1"/>
+          <p:cNvSpPr>
+            <a:spLocks noGrp="1"/>
+          </p:cNvSpPr>
+          <p:nvPr>
+            <p:ph type="title"/>
+          </p:nvPr>
+        </p:nvSpPr>
+        <p:spPr/>
+        <p:txBody>
+          <a:bodyPr/>
+          <a:lstStyle/>
+          <a:p>
+            <a:r>
+              <a:rPr lang="en-US" dirty="0"/>
+              <a:t>Longitudinal Core Attitudes</a:t>
+            </a:r>
+          </a:p>
+        </p:txBody>
+      </p:sp>
+      <p:sp>
+        <p:nvSpPr>
+          <p:cNvPr id="3" name="Content Placeholder 2"/>
+          <p:cNvSpPr>
+            <a:spLocks noGrp="1"/>
+          </p:cNvSpPr>
+          <p:nvPr>
+            <p:ph idx="1"/>
+          </p:nvPr>
+        </p:nvSpPr>
+        <p:spPr/>
+        <p:txBody>
           <a:bodyPr/>
           <a:lstStyle/>
           <a:p>
@@ -17252,7 +18190,7 @@
           <a:p>
             <a:fld id="{CD9A5680-6096-C64A-AF8E-ED46E1855E22}" type="slidenum">
               <a:rPr lang="en-US" smtClean="0"/>
-              <a:t>12</a:t>
+              <a:t>13</a:t>
             </a:fld>
             <a:endParaRPr lang="en-US"/>
           </a:p>
@@ -17301,7 +18239,7 @@
 </p:sld>
 </file>
 
-<file path=ppt/slides/slide14.xml><?xml version="1.0" encoding="utf-8"?>
+<file path=ppt/slides/slide15.xml><?xml version="1.0" encoding="utf-8"?>
 <p:sld xmlns:a="http://schemas.openxmlformats.org/drawingml/2006/main" xmlns:r="http://schemas.openxmlformats.org/officeDocument/2006/relationships" xmlns:p="http://schemas.openxmlformats.org/presentationml/2006/main">
   <p:cSld>
     <p:spTree>
@@ -17335,7 +18273,7 @@
           <a:p>
             <a:fld id="{CD9A5680-6096-C64A-AF8E-ED46E1855E22}" type="slidenum">
               <a:rPr lang="en-US" smtClean="0"/>
-              <a:t>13</a:t>
+              <a:t>14</a:t>
             </a:fld>
             <a:endParaRPr lang="en-US"/>
           </a:p>
@@ -17384,7 +18322,7 @@
 </p:sld>
 </file>
 
-<file path=ppt/slides/slide15.xml><?xml version="1.0" encoding="utf-8"?>
+<file path=ppt/slides/slide16.xml><?xml version="1.0" encoding="utf-8"?>
 <p:sld xmlns:a="http://schemas.openxmlformats.org/drawingml/2006/main" xmlns:r="http://schemas.openxmlformats.org/officeDocument/2006/relationships" xmlns:p="http://schemas.openxmlformats.org/presentationml/2006/main">
   <p:cSld>
     <p:spTree>
@@ -17418,7 +18356,7 @@
           <a:p>
             <a:fld id="{CD9A5680-6096-C64A-AF8E-ED46E1855E22}" type="slidenum">
               <a:rPr lang="en-US" smtClean="0"/>
-              <a:t>14</a:t>
+              <a:t>15</a:t>
             </a:fld>
             <a:endParaRPr lang="en-US"/>
           </a:p>
@@ -17467,118 +18405,6 @@
 </p:sld>
 </file>
 
-<file path=ppt/slides/slide16.xml><?xml version="1.0" encoding="utf-8"?>
-<p:sld xmlns:a="http://schemas.openxmlformats.org/drawingml/2006/main" xmlns:r="http://schemas.openxmlformats.org/officeDocument/2006/relationships" xmlns:p="http://schemas.openxmlformats.org/presentationml/2006/main">
-  <p:cSld>
-    <p:spTree>
-      <p:nvGrpSpPr>
-        <p:cNvPr id="1" name=""/>
-        <p:cNvGrpSpPr/>
-        <p:nvPr/>
-      </p:nvGrpSpPr>
-      <p:grpSpPr>
-        <a:xfrm>
-          <a:off x="0" y="0"/>
-          <a:ext cx="0" cy="0"/>
-          <a:chOff x="0" y="0"/>
-          <a:chExt cx="0" cy="0"/>
-        </a:xfrm>
-      </p:grpSpPr>
-      <p:sp>
-        <p:nvSpPr>
-          <p:cNvPr id="2" name="Title 1"/>
-          <p:cNvSpPr>
-            <a:spLocks noGrp="1"/>
-          </p:cNvSpPr>
-          <p:nvPr>
-            <p:ph type="title"/>
-          </p:nvPr>
-        </p:nvSpPr>
-        <p:spPr/>
-        <p:txBody>
-          <a:bodyPr/>
-          <a:lstStyle/>
-          <a:p>
-            <a:r>
-              <a:rPr lang="en-US" dirty="0"/>
-              <a:t>Big Picture</a:t>
-            </a:r>
-          </a:p>
-        </p:txBody>
-      </p:sp>
-      <p:sp>
-        <p:nvSpPr>
-          <p:cNvPr id="3" name="Content Placeholder 2"/>
-          <p:cNvSpPr>
-            <a:spLocks noGrp="1"/>
-          </p:cNvSpPr>
-          <p:nvPr>
-            <p:ph idx="1"/>
-          </p:nvPr>
-        </p:nvSpPr>
-        <p:spPr/>
-        <p:txBody>
-          <a:bodyPr/>
-          <a:lstStyle/>
-          <a:p>
-            <a:r>
-              <a:rPr lang="en-US" dirty="0"/>
-              <a:t> Pro-independence and Taiwanese identity have been growing since 2008, but KMT identification remains strong until 2011. </a:t>
-            </a:r>
-          </a:p>
-          <a:p>
-            <a:r>
-              <a:rPr lang="en-US" dirty="0"/>
-              <a:t>Since 2008, on average 55% Taiwanese identity and 22% pro-independence. Over 50% choose status quo.</a:t>
-            </a:r>
-          </a:p>
-          <a:p>
-            <a:r>
-              <a:rPr lang="en-US" dirty="0"/>
-              <a:t>DPP gained momentum in 2013 but has struggled since 2017.</a:t>
-            </a:r>
-          </a:p>
-          <a:p>
-            <a:endParaRPr lang="en-US" dirty="0"/>
-          </a:p>
-        </p:txBody>
-      </p:sp>
-      <p:sp>
-        <p:nvSpPr>
-          <p:cNvPr id="4" name="Slide Number Placeholder 3"/>
-          <p:cNvSpPr>
-            <a:spLocks noGrp="1"/>
-          </p:cNvSpPr>
-          <p:nvPr>
-            <p:ph type="sldNum" sz="quarter" idx="12"/>
-          </p:nvPr>
-        </p:nvSpPr>
-        <p:spPr/>
-        <p:txBody>
-          <a:bodyPr/>
-          <a:lstStyle/>
-          <a:p>
-            <a:fld id="{CD9A5680-6096-C64A-AF8E-ED46E1855E22}" type="slidenum">
-              <a:rPr lang="en-US" smtClean="0"/>
-              <a:t>15</a:t>
-            </a:fld>
-            <a:endParaRPr lang="en-US"/>
-          </a:p>
-        </p:txBody>
-      </p:sp>
-    </p:spTree>
-    <p:extLst>
-      <p:ext uri="{BB962C8B-B14F-4D97-AF65-F5344CB8AC3E}">
-        <p14:creationId xmlns:p14="http://schemas.microsoft.com/office/powerpoint/2010/main" val="2443302070"/>
-      </p:ext>
-    </p:extLst>
-  </p:cSld>
-  <p:clrMapOvr>
-    <a:masterClrMapping/>
-  </p:clrMapOvr>
-</p:sld>
-</file>
-
 <file path=ppt/slides/slide17.xml><?xml version="1.0" encoding="utf-8"?>
 <p:sld xmlns:a="http://schemas.openxmlformats.org/drawingml/2006/main" xmlns:r="http://schemas.openxmlformats.org/officeDocument/2006/relationships" xmlns:p="http://schemas.openxmlformats.org/presentationml/2006/main">
   <p:cSld>
@@ -17613,7 +18439,7 @@
           <a:p>
             <a:r>
               <a:rPr lang="en-US" dirty="0"/>
-              <a:t>China: Threats or Opportunities?</a:t>
+              <a:t>Big Picture</a:t>
             </a:r>
           </a:p>
         </p:txBody>
@@ -17630,50 +18456,34 @@
         </p:nvSpPr>
         <p:spPr/>
         <p:txBody>
-          <a:bodyPr>
-            <a:normAutofit/>
-          </a:bodyPr>
+          <a:bodyPr/>
           <a:lstStyle/>
           <a:p>
             <a:r>
               <a:rPr lang="en-US" dirty="0"/>
-              <a:t>Taiwan has great trade surplus with China</a:t>
-            </a:r>
-            <a:r>
-              <a:rPr lang="zh-TW" altLang="en-US" dirty="0"/>
-              <a:t> </a:t>
-            </a:r>
-            <a:r>
-              <a:rPr lang="en-US" altLang="zh-TW" dirty="0"/>
-              <a:t>since 1980s. China also receives up to 80%</a:t>
-            </a:r>
-            <a:r>
-              <a:rPr lang="zh-TW" altLang="en-US" dirty="0"/>
-              <a:t> </a:t>
-            </a:r>
-            <a:r>
-              <a:rPr lang="en-US" altLang="zh-TW" dirty="0"/>
-              <a:t>of Taiwan’s foreign investment.</a:t>
-            </a:r>
+              <a:t> Pro-independence and Taiwanese identity have been growing since 2008, but KMT identification remains strong until 2011. </a:t>
+            </a:r>
+          </a:p>
+          <a:p>
+            <a:r>
+              <a:rPr lang="en-US" dirty="0"/>
+              <a:t>Since 2008, on average 55% Taiwanese identity and 22% pro-independence. Over 50% choose status quo.</a:t>
+            </a:r>
+          </a:p>
+          <a:p>
+            <a:r>
+              <a:rPr lang="en-US" dirty="0"/>
+              <a:t>DPP gained momentum in 2013 but has struggled since 2017.</a:t>
+            </a:r>
+          </a:p>
+          <a:p>
             <a:endParaRPr lang="en-US" dirty="0"/>
           </a:p>
-          <a:p>
-            <a:r>
-              <a:rPr lang="en-US" dirty="0"/>
-              <a:t>Since 2001, many Taiwanese companies manufacture goods in China, and then importing to US or selling to China.</a:t>
-            </a:r>
-          </a:p>
-          <a:p>
-            <a:r>
-              <a:rPr lang="en-US" dirty="0"/>
-              <a:t>It is estimated that 400,000 Taiwanese are working in China.</a:t>
-            </a:r>
-          </a:p>
-        </p:txBody>
-      </p:sp>
-      <p:sp>
-        <p:nvSpPr>
-          <p:cNvPr id="5" name="Slide Number Placeholder 4"/>
+        </p:txBody>
+      </p:sp>
+      <p:sp>
+        <p:nvSpPr>
+          <p:cNvPr id="4" name="Slide Number Placeholder 3"/>
           <p:cNvSpPr>
             <a:spLocks noGrp="1"/>
           </p:cNvSpPr>
@@ -17697,7 +18507,7 @@
     </p:spTree>
     <p:extLst>
       <p:ext uri="{BB962C8B-B14F-4D97-AF65-F5344CB8AC3E}">
-        <p14:creationId xmlns:p14="http://schemas.microsoft.com/office/powerpoint/2010/main" val="4006254116"/>
+        <p14:creationId xmlns:p14="http://schemas.microsoft.com/office/powerpoint/2010/main" val="2443302070"/>
       </p:ext>
     </p:extLst>
   </p:cSld>
@@ -17741,7 +18551,7 @@
           <a:p>
             <a:r>
               <a:rPr lang="en-US" dirty="0"/>
-              <a:t>National Security</a:t>
+              <a:t>China: Threats or Opportunities?</a:t>
             </a:r>
           </a:p>
         </p:txBody>
@@ -17756,49 +18566,45 @@
             <p:ph idx="1"/>
           </p:nvPr>
         </p:nvSpPr>
-        <p:spPr>
-          <a:xfrm>
-            <a:off x="457200" y="1417638"/>
-            <a:ext cx="8229600" cy="4525963"/>
-          </a:xfrm>
-        </p:spPr>
+        <p:spPr/>
         <p:txBody>
           <a:bodyPr>
-            <a:normAutofit fontScale="92500"/>
+            <a:normAutofit/>
           </a:bodyPr>
           <a:lstStyle/>
           <a:p>
             <a:r>
               <a:rPr lang="en-US" dirty="0"/>
-              <a:t>Xi Jinping, China’s president, </a:t>
-            </a:r>
-            <a:r>
-              <a:rPr lang="en-US" dirty="0" smtClean="0"/>
-              <a:t>re-urged </a:t>
-            </a:r>
+              <a:t>Taiwan has great trade surplus with China</a:t>
+            </a:r>
+            <a:r>
+              <a:rPr lang="zh-TW" altLang="en-US" dirty="0"/>
+              <a:t> </a:t>
+            </a:r>
+            <a:r>
+              <a:rPr lang="en-US" altLang="zh-TW" dirty="0"/>
+              <a:t>since 1980s. China also receives up to 80%</a:t>
+            </a:r>
+            <a:r>
+              <a:rPr lang="zh-TW" altLang="en-US" dirty="0"/>
+              <a:t> </a:t>
+            </a:r>
+            <a:r>
+              <a:rPr lang="en-US" altLang="zh-TW" dirty="0"/>
+              <a:t>of Taiwan’s foreign investment.</a:t>
+            </a:r>
+            <a:endParaRPr lang="en-US" dirty="0"/>
+          </a:p>
+          <a:p>
             <a:r>
               <a:rPr lang="en-US" dirty="0"/>
-              <a:t>Taiwanese to consider “one country two systems” in January, 2019.</a:t>
+              <a:t>Since 2001, many Taiwanese companies manufacture goods in China, and then importing to US or selling to China.</a:t>
             </a:r>
           </a:p>
           <a:p>
             <a:r>
               <a:rPr lang="en-US" dirty="0"/>
-              <a:t>Many international media and think tanks warn the world about China’s </a:t>
-            </a:r>
-            <a:r>
-              <a:rPr lang="en-US" dirty="0" smtClean="0"/>
-              <a:t>cyber attack </a:t>
-            </a:r>
-            <a:r>
-              <a:rPr lang="en-US" dirty="0"/>
-              <a:t>and spreading misinformation in Taiwan.</a:t>
-            </a:r>
-          </a:p>
-          <a:p>
-            <a:r>
-              <a:rPr lang="en-US" dirty="0"/>
-              <a:t>China boycotted Taiwan in every international organization, such as United Nations, WHO, and INTERPOL. They also cut Taiwan’s diplomatic ties.</a:t>
+              <a:t>It is estimated that 400,000 Taiwanese are working in China.</a:t>
             </a:r>
           </a:p>
         </p:txBody>
@@ -17829,7 +18635,7 @@
     </p:spTree>
     <p:extLst>
       <p:ext uri="{BB962C8B-B14F-4D97-AF65-F5344CB8AC3E}">
-        <p14:creationId xmlns:p14="http://schemas.microsoft.com/office/powerpoint/2010/main" val="1944022390"/>
+        <p14:creationId xmlns:p14="http://schemas.microsoft.com/office/powerpoint/2010/main" val="4006254116"/>
       </p:ext>
     </p:extLst>
   </p:cSld>
@@ -17858,13 +18664,7 @@
       </p:grpSpPr>
       <p:sp>
         <p:nvSpPr>
-          <p:cNvPr id="2" name="標題 1">
-            <a:extLst>
-              <a:ext uri="{FF2B5EF4-FFF2-40B4-BE49-F238E27FC236}">
-                <a16:creationId xmlns:a16="http://schemas.microsoft.com/office/drawing/2014/main" xmlns="" id="{50C92F7B-57D2-2245-BB0F-2C2EB7EFE313}"/>
-              </a:ext>
-            </a:extLst>
-          </p:cNvPr>
+          <p:cNvPr id="2" name="Title 1"/>
           <p:cNvSpPr>
             <a:spLocks noGrp="1"/>
           </p:cNvSpPr>
@@ -17878,51 +18678,72 @@
           <a:lstStyle/>
           <a:p>
             <a:r>
-              <a:rPr kumimoji="1" lang="en-US" altLang="zh-TW" dirty="0"/>
-              <a:t>Influence of Protest in HK</a:t>
-            </a:r>
-            <a:endParaRPr kumimoji="1" lang="zh-TW" altLang="en-US" dirty="0"/>
-          </a:p>
-        </p:txBody>
-      </p:sp>
-      <p:pic>
-        <p:nvPicPr>
-          <p:cNvPr id="6" name="內容版面配置區 5">
-            <a:extLst>
-              <a:ext uri="{FF2B5EF4-FFF2-40B4-BE49-F238E27FC236}">
-                <a16:creationId xmlns:a16="http://schemas.microsoft.com/office/drawing/2014/main" xmlns="" id="{A1CFFF11-992A-5D4C-8F97-E14E51DAF4DE}"/>
-              </a:ext>
-            </a:extLst>
-          </p:cNvPr>
-          <p:cNvPicPr>
-            <a:picLocks noGrp="1" noChangeAspect="1"/>
-          </p:cNvPicPr>
+              <a:rPr lang="en-US" dirty="0"/>
+              <a:t>National Security</a:t>
+            </a:r>
+          </a:p>
+        </p:txBody>
+      </p:sp>
+      <p:sp>
+        <p:nvSpPr>
+          <p:cNvPr id="3" name="Content Placeholder 2"/>
+          <p:cNvSpPr>
+            <a:spLocks noGrp="1"/>
+          </p:cNvSpPr>
           <p:nvPr>
             <p:ph idx="1"/>
           </p:nvPr>
-        </p:nvPicPr>
-        <p:blipFill>
-          <a:blip r:embed="rId2"/>
-          <a:stretch>
-            <a:fillRect/>
-          </a:stretch>
-        </p:blipFill>
+        </p:nvSpPr>
         <p:spPr>
           <a:xfrm>
-            <a:off x="882127" y="2948558"/>
-            <a:ext cx="3177018" cy="2114161"/>
+            <a:off x="457200" y="1417638"/>
+            <a:ext cx="8229600" cy="4525963"/>
           </a:xfrm>
         </p:spPr>
-      </p:pic>
-      <p:sp>
-        <p:nvSpPr>
-          <p:cNvPr id="4" name="投影片編號版面配置區 3">
-            <a:extLst>
-              <a:ext uri="{FF2B5EF4-FFF2-40B4-BE49-F238E27FC236}">
-                <a16:creationId xmlns:a16="http://schemas.microsoft.com/office/drawing/2014/main" xmlns="" id="{39073341-BDF4-1E4E-A31F-007FBC1A9078}"/>
-              </a:ext>
-            </a:extLst>
-          </p:cNvPr>
+        <p:txBody>
+          <a:bodyPr>
+            <a:normAutofit fontScale="92500"/>
+          </a:bodyPr>
+          <a:lstStyle/>
+          <a:p>
+            <a:r>
+              <a:rPr lang="en-US" dirty="0"/>
+              <a:t>Xi Jinping, China’s president, </a:t>
+            </a:r>
+            <a:r>
+              <a:rPr lang="en-US" dirty="0" smtClean="0"/>
+              <a:t>re-urged </a:t>
+            </a:r>
+            <a:r>
+              <a:rPr lang="en-US" dirty="0"/>
+              <a:t>Taiwanese to consider “one country two systems” in January, 2019.</a:t>
+            </a:r>
+          </a:p>
+          <a:p>
+            <a:r>
+              <a:rPr lang="en-US" dirty="0"/>
+              <a:t>Many international media and think tanks warn the world about China’s </a:t>
+            </a:r>
+            <a:r>
+              <a:rPr lang="en-US" dirty="0" smtClean="0"/>
+              <a:t>cyber attack </a:t>
+            </a:r>
+            <a:r>
+              <a:rPr lang="en-US" dirty="0"/>
+              <a:t>and spreading misinformation in Taiwan.</a:t>
+            </a:r>
+          </a:p>
+          <a:p>
+            <a:r>
+              <a:rPr lang="en-US" dirty="0"/>
+              <a:t>China boycotted Taiwan in every international organization, such as United Nations, WHO, and INTERPOL. They also cut Taiwan’s diplomatic ties.</a:t>
+            </a:r>
+          </a:p>
+        </p:txBody>
+      </p:sp>
+      <p:sp>
+        <p:nvSpPr>
+          <p:cNvPr id="5" name="Slide Number Placeholder 4"/>
           <p:cNvSpPr>
             <a:spLocks noGrp="1"/>
           </p:cNvSpPr>
@@ -17943,40 +18764,10 @@
           </a:p>
         </p:txBody>
       </p:sp>
-      <p:pic>
-        <p:nvPicPr>
-          <p:cNvPr id="8" name="圖片 7">
-            <a:extLst>
-              <a:ext uri="{FF2B5EF4-FFF2-40B4-BE49-F238E27FC236}">
-                <a16:creationId xmlns:a16="http://schemas.microsoft.com/office/drawing/2014/main" xmlns="" id="{7661CB54-5F12-2E43-9E2A-5A6DAE0D729E}"/>
-              </a:ext>
-            </a:extLst>
-          </p:cNvPr>
-          <p:cNvPicPr>
-            <a:picLocks noChangeAspect="1"/>
-          </p:cNvPicPr>
-          <p:nvPr/>
-        </p:nvPicPr>
-        <p:blipFill>
-          <a:blip r:embed="rId3"/>
-          <a:stretch>
-            <a:fillRect/>
-          </a:stretch>
-        </p:blipFill>
-        <p:spPr>
-          <a:xfrm>
-            <a:off x="4862456" y="3050690"/>
-            <a:ext cx="3619873" cy="2033909"/>
-          </a:xfrm>
-          <a:prstGeom prst="rect">
-            <a:avLst/>
-          </a:prstGeom>
-        </p:spPr>
-      </p:pic>
     </p:spTree>
     <p:extLst>
       <p:ext uri="{BB962C8B-B14F-4D97-AF65-F5344CB8AC3E}">
-        <p14:creationId xmlns:p14="http://schemas.microsoft.com/office/powerpoint/2010/main" val="2609678073"/>
+        <p14:creationId xmlns:p14="http://schemas.microsoft.com/office/powerpoint/2010/main" val="1944022390"/>
       </p:ext>
     </p:extLst>
   </p:cSld>
@@ -18097,7 +18888,13 @@
       </p:grpSpPr>
       <p:sp>
         <p:nvSpPr>
-          <p:cNvPr id="2" name="Title 1"/>
+          <p:cNvPr id="2" name="標題 1">
+            <a:extLst>
+              <a:ext uri="{FF2B5EF4-FFF2-40B4-BE49-F238E27FC236}">
+                <a16:creationId xmlns="" xmlns:a16="http://schemas.microsoft.com/office/drawing/2014/main" id="{50C92F7B-57D2-2245-BB0F-2C2EB7EFE313}"/>
+              </a:ext>
+            </a:extLst>
+          </p:cNvPr>
           <p:cNvSpPr>
             <a:spLocks noGrp="1"/>
           </p:cNvSpPr>
@@ -18107,84 +18904,55 @@
         </p:nvSpPr>
         <p:spPr/>
         <p:txBody>
-          <a:bodyPr>
-            <a:normAutofit fontScale="90000"/>
-          </a:bodyPr>
+          <a:bodyPr/>
           <a:lstStyle/>
           <a:p>
             <a:r>
-              <a:rPr lang="en-US" dirty="0"/>
-              <a:t>So how </a:t>
-            </a:r>
-            <a:r>
-              <a:rPr lang="en-US" dirty="0" smtClean="0"/>
-              <a:t>Taiwan People </a:t>
-            </a:r>
-            <a:r>
-              <a:rPr lang="en-US" dirty="0"/>
-              <a:t>Think about Politics Lately?</a:t>
-            </a:r>
-          </a:p>
-        </p:txBody>
-      </p:sp>
-      <p:sp>
-        <p:nvSpPr>
-          <p:cNvPr id="3" name="Content Placeholder 2"/>
-          <p:cNvSpPr>
-            <a:spLocks noGrp="1"/>
-          </p:cNvSpPr>
+              <a:rPr kumimoji="1" lang="en-US" altLang="zh-TW" dirty="0"/>
+              <a:t>Influence of Protest in HK</a:t>
+            </a:r>
+            <a:endParaRPr kumimoji="1" lang="zh-TW" altLang="en-US" dirty="0"/>
+          </a:p>
+        </p:txBody>
+      </p:sp>
+      <p:pic>
+        <p:nvPicPr>
+          <p:cNvPr id="6" name="內容版面配置區 5">
+            <a:extLst>
+              <a:ext uri="{FF2B5EF4-FFF2-40B4-BE49-F238E27FC236}">
+                <a16:creationId xmlns="" xmlns:a16="http://schemas.microsoft.com/office/drawing/2014/main" id="{A1CFFF11-992A-5D4C-8F97-E14E51DAF4DE}"/>
+              </a:ext>
+            </a:extLst>
+          </p:cNvPr>
+          <p:cNvPicPr>
+            <a:picLocks noGrp="1" noChangeAspect="1"/>
+          </p:cNvPicPr>
           <p:nvPr>
             <p:ph idx="1"/>
           </p:nvPr>
-        </p:nvSpPr>
-        <p:spPr/>
-        <p:txBody>
-          <a:bodyPr>
-            <a:normAutofit fontScale="92500"/>
-          </a:bodyPr>
-          <a:lstStyle/>
-          <a:p>
-            <a:r>
-              <a:rPr lang="en-US" dirty="0"/>
-              <a:t>Mainland Affair </a:t>
-            </a:r>
-            <a:r>
-              <a:rPr lang="en-US" dirty="0" smtClean="0"/>
-              <a:t>Council (MAC) </a:t>
-            </a:r>
-            <a:r>
-              <a:rPr lang="en-US" dirty="0"/>
-              <a:t>commissioned Election Study Center to do opinion polls three times a year. The latest poll was conducted in October.</a:t>
-            </a:r>
-          </a:p>
-          <a:p>
-            <a:r>
-              <a:rPr lang="en-US" dirty="0"/>
-              <a:t>Taiwan’s Election and Democratization Study (TEDS) conducts quarterly presidential popularity polls. The </a:t>
-            </a:r>
-            <a:r>
-              <a:rPr lang="en-US" dirty="0" smtClean="0"/>
-              <a:t>latest one released was in September</a:t>
-            </a:r>
-            <a:r>
-              <a:rPr lang="en-US" dirty="0"/>
-              <a:t>.</a:t>
-            </a:r>
-          </a:p>
-          <a:p>
-            <a:r>
-              <a:rPr lang="en-US" dirty="0"/>
-              <a:t>ESC and Fairbank Center of Harvard University conducted a survey in mid-November.</a:t>
-            </a:r>
-          </a:p>
-          <a:p>
-            <a:endParaRPr lang="en-US" dirty="0"/>
-          </a:p>
-        </p:txBody>
-      </p:sp>
-      <p:sp>
-        <p:nvSpPr>
-          <p:cNvPr id="5" name="Slide Number Placeholder 4"/>
+        </p:nvPicPr>
+        <p:blipFill>
+          <a:blip r:embed="rId2"/>
+          <a:stretch>
+            <a:fillRect/>
+          </a:stretch>
+        </p:blipFill>
+        <p:spPr>
+          <a:xfrm>
+            <a:off x="882127" y="2948558"/>
+            <a:ext cx="3177018" cy="2114161"/>
+          </a:xfrm>
+        </p:spPr>
+      </p:pic>
+      <p:sp>
+        <p:nvSpPr>
+          <p:cNvPr id="4" name="投影片編號版面配置區 3">
+            <a:extLst>
+              <a:ext uri="{FF2B5EF4-FFF2-40B4-BE49-F238E27FC236}">
+                <a16:creationId xmlns="" xmlns:a16="http://schemas.microsoft.com/office/drawing/2014/main" id="{39073341-BDF4-1E4E-A31F-007FBC1A9078}"/>
+              </a:ext>
+            </a:extLst>
+          </p:cNvPr>
           <p:cNvSpPr>
             <a:spLocks noGrp="1"/>
           </p:cNvSpPr>
@@ -18205,23 +18973,46 @@
           </a:p>
         </p:txBody>
       </p:sp>
+      <p:pic>
+        <p:nvPicPr>
+          <p:cNvPr id="8" name="圖片 7">
+            <a:extLst>
+              <a:ext uri="{FF2B5EF4-FFF2-40B4-BE49-F238E27FC236}">
+                <a16:creationId xmlns="" xmlns:a16="http://schemas.microsoft.com/office/drawing/2014/main" id="{7661CB54-5F12-2E43-9E2A-5A6DAE0D729E}"/>
+              </a:ext>
+            </a:extLst>
+          </p:cNvPr>
+          <p:cNvPicPr>
+            <a:picLocks noChangeAspect="1"/>
+          </p:cNvPicPr>
+          <p:nvPr/>
+        </p:nvPicPr>
+        <p:blipFill>
+          <a:blip r:embed="rId3"/>
+          <a:stretch>
+            <a:fillRect/>
+          </a:stretch>
+        </p:blipFill>
+        <p:spPr>
+          <a:xfrm>
+            <a:off x="4862456" y="3050690"/>
+            <a:ext cx="3619873" cy="2033909"/>
+          </a:xfrm>
+          <a:prstGeom prst="rect">
+            <a:avLst/>
+          </a:prstGeom>
+        </p:spPr>
+      </p:pic>
     </p:spTree>
     <p:extLst>
       <p:ext uri="{BB962C8B-B14F-4D97-AF65-F5344CB8AC3E}">
-        <p14:creationId xmlns:p14="http://schemas.microsoft.com/office/powerpoint/2010/main" val="3880654134"/>
+        <p14:creationId xmlns:p14="http://schemas.microsoft.com/office/powerpoint/2010/main" val="2609678073"/>
       </p:ext>
     </p:extLst>
   </p:cSld>
   <p:clrMapOvr>
     <a:masterClrMapping/>
   </p:clrMapOvr>
-  <p:timing>
-    <p:tnLst>
-      <p:par>
-        <p:cTn xmlns:p14="http://schemas.microsoft.com/office/powerpoint/2010/main" id="1" dur="indefinite" restart="never" nodeType="tmRoot"/>
-      </p:par>
-    </p:tnLst>
-  </p:timing>
 </p:sld>
 </file>
 
@@ -18244,13 +19035,7 @@
       </p:grpSpPr>
       <p:sp>
         <p:nvSpPr>
-          <p:cNvPr id="2" name="標題 1">
-            <a:extLst>
-              <a:ext uri="{FF2B5EF4-FFF2-40B4-BE49-F238E27FC236}">
-                <a16:creationId xmlns:a16="http://schemas.microsoft.com/office/drawing/2014/main" xmlns="" id="{BC808DB8-F72A-BE48-89A7-975076FC843C}"/>
-              </a:ext>
-            </a:extLst>
-          </p:cNvPr>
+          <p:cNvPr id="2" name="Title 1"/>
           <p:cNvSpPr>
             <a:spLocks noGrp="1"/>
           </p:cNvSpPr>
@@ -18260,29 +19045,84 @@
         </p:nvSpPr>
         <p:spPr/>
         <p:txBody>
-          <a:bodyPr/>
+          <a:bodyPr>
+            <a:normAutofit fontScale="90000"/>
+          </a:bodyPr>
           <a:lstStyle/>
           <a:p>
-            <a:pPr algn="ctr"/>
-            <a:r>
-              <a:rPr kumimoji="1" lang="en-US" altLang="zh-TW" dirty="0"/>
-              <a:t>Party</a:t>
-            </a:r>
-            <a:r>
-              <a:rPr kumimoji="1" lang="zh-TW" altLang="en-US" dirty="0"/>
-              <a:t> </a:t>
-            </a:r>
-            <a:r>
-              <a:rPr kumimoji="1" lang="en-US" altLang="zh-TW" dirty="0"/>
-              <a:t>Identification</a:t>
-            </a:r>
-            <a:endParaRPr kumimoji="1" lang="zh-TW" altLang="en-US" dirty="0"/>
-          </a:p>
-        </p:txBody>
-      </p:sp>
-      <p:sp>
-        <p:nvSpPr>
-          <p:cNvPr id="3" name="Slide Number Placeholder 2"/>
+            <a:r>
+              <a:rPr lang="en-US" dirty="0"/>
+              <a:t>So how </a:t>
+            </a:r>
+            <a:r>
+              <a:rPr lang="en-US" dirty="0" smtClean="0"/>
+              <a:t>Taiwan People </a:t>
+            </a:r>
+            <a:r>
+              <a:rPr lang="en-US" dirty="0"/>
+              <a:t>Think about Politics Lately?</a:t>
+            </a:r>
+          </a:p>
+        </p:txBody>
+      </p:sp>
+      <p:sp>
+        <p:nvSpPr>
+          <p:cNvPr id="3" name="Content Placeholder 2"/>
+          <p:cNvSpPr>
+            <a:spLocks noGrp="1"/>
+          </p:cNvSpPr>
+          <p:nvPr>
+            <p:ph idx="1"/>
+          </p:nvPr>
+        </p:nvSpPr>
+        <p:spPr/>
+        <p:txBody>
+          <a:bodyPr>
+            <a:normAutofit fontScale="92500"/>
+          </a:bodyPr>
+          <a:lstStyle/>
+          <a:p>
+            <a:r>
+              <a:rPr lang="en-US" dirty="0"/>
+              <a:t>Mainland Affair </a:t>
+            </a:r>
+            <a:r>
+              <a:rPr lang="en-US" dirty="0" smtClean="0"/>
+              <a:t>Council (MAC) </a:t>
+            </a:r>
+            <a:r>
+              <a:rPr lang="en-US" dirty="0"/>
+              <a:t>commissioned Election Study Center to do opinion polls three times a year. The latest poll was conducted in October.</a:t>
+            </a:r>
+          </a:p>
+          <a:p>
+            <a:r>
+              <a:rPr lang="en-US" dirty="0"/>
+              <a:t>Taiwan’s Election and Democratization Study (TEDS) conducts quarterly presidential popularity polls. The </a:t>
+            </a:r>
+            <a:r>
+              <a:rPr lang="en-US" dirty="0" smtClean="0"/>
+              <a:t>latest one released was in September</a:t>
+            </a:r>
+            <a:r>
+              <a:rPr lang="en-US" dirty="0"/>
+              <a:t>.</a:t>
+            </a:r>
+          </a:p>
+          <a:p>
+            <a:r>
+              <a:rPr lang="en-US" dirty="0"/>
+              <a:t>ESC and Fairbank Center of Harvard University conducted a survey in mid-November.</a:t>
+            </a:r>
+          </a:p>
+          <a:p>
+            <a:endParaRPr lang="en-US" dirty="0"/>
+          </a:p>
+        </p:txBody>
+      </p:sp>
+      <p:sp>
+        <p:nvSpPr>
+          <p:cNvPr id="5" name="Slide Number Placeholder 4"/>
           <p:cNvSpPr>
             <a:spLocks noGrp="1"/>
           </p:cNvSpPr>
@@ -18303,65 +19143,10 @@
           </a:p>
         </p:txBody>
       </p:sp>
-      <p:sp>
-        <p:nvSpPr>
-          <p:cNvPr id="5" name="TextBox 4"/>
-          <p:cNvSpPr txBox="1"/>
-          <p:nvPr/>
-        </p:nvSpPr>
-        <p:spPr>
-          <a:xfrm>
-            <a:off x="3600036" y="1417638"/>
-            <a:ext cx="1771301" cy="369332"/>
-          </a:xfrm>
-          <a:prstGeom prst="rect">
-            <a:avLst/>
-          </a:prstGeom>
-          <a:noFill/>
-        </p:spPr>
-        <p:txBody>
-          <a:bodyPr wrap="none" rtlCol="0">
-            <a:spAutoFit/>
-          </a:bodyPr>
-          <a:lstStyle/>
-          <a:p>
-            <a:r>
-              <a:rPr lang="en-US" dirty="0" smtClean="0"/>
-              <a:t>Data: MAC (Oct.)</a:t>
-            </a:r>
-            <a:endParaRPr lang="en-US" dirty="0"/>
-          </a:p>
-        </p:txBody>
-      </p:sp>
-      <p:graphicFrame>
-        <p:nvGraphicFramePr>
-          <p:cNvPr id="8" name="內容版面配置區 7" title="MAC(Oct., 2019)"/>
-          <p:cNvGraphicFramePr>
-            <a:graphicFrameLocks noGrp="1"/>
-          </p:cNvGraphicFramePr>
-          <p:nvPr>
-            <p:ph idx="1"/>
-            <p:extLst>
-              <p:ext uri="{D42A27DB-BD31-4B8C-83A1-F6EECF244321}">
-                <p14:modId xmlns:p14="http://schemas.microsoft.com/office/powerpoint/2010/main" val="281867206"/>
-              </p:ext>
-            </p:extLst>
-          </p:nvPr>
-        </p:nvGraphicFramePr>
-        <p:xfrm>
-          <a:off x="370886" y="1454978"/>
-          <a:ext cx="8229600" cy="4604790"/>
-        </p:xfrm>
-        <a:graphic>
-          <a:graphicData uri="http://schemas.openxmlformats.org/drawingml/2006/chart">
-            <c:chart xmlns:c="http://schemas.openxmlformats.org/drawingml/2006/chart" xmlns:r="http://schemas.openxmlformats.org/officeDocument/2006/relationships" r:id="rId2"/>
-          </a:graphicData>
-        </a:graphic>
-      </p:graphicFrame>
     </p:spTree>
     <p:extLst>
       <p:ext uri="{BB962C8B-B14F-4D97-AF65-F5344CB8AC3E}">
-        <p14:creationId xmlns:p14="http://schemas.microsoft.com/office/powerpoint/2010/main" val="4119528472"/>
+        <p14:creationId xmlns:p14="http://schemas.microsoft.com/office/powerpoint/2010/main" val="3880654134"/>
       </p:ext>
     </p:extLst>
   </p:cSld>
@@ -18400,7 +19185,7 @@
           <p:cNvPr id="2" name="標題 1">
             <a:extLst>
               <a:ext uri="{FF2B5EF4-FFF2-40B4-BE49-F238E27FC236}">
-                <a16:creationId xmlns:a16="http://schemas.microsoft.com/office/drawing/2014/main" xmlns="" id="{588AA177-6157-0A45-9BC5-B6C058D9C331}"/>
+                <a16:creationId xmlns="" xmlns:a16="http://schemas.microsoft.com/office/drawing/2014/main" id="{BC808DB8-F72A-BE48-89A7-975076FC843C}"/>
               </a:ext>
             </a:extLst>
           </p:cNvPr>
@@ -18419,7 +19204,15 @@
             <a:pPr algn="ctr"/>
             <a:r>
               <a:rPr kumimoji="1" lang="en-US" altLang="zh-TW" dirty="0"/>
-              <a:t>Taiwanese/Chinese identity </a:t>
+              <a:t>Party</a:t>
+            </a:r>
+            <a:r>
+              <a:rPr kumimoji="1" lang="zh-TW" altLang="en-US" dirty="0"/>
+              <a:t> </a:t>
+            </a:r>
+            <a:r>
+              <a:rPr kumimoji="1" lang="en-US" altLang="zh-TW" dirty="0"/>
+              <a:t>Identification</a:t>
             </a:r>
             <a:endParaRPr kumimoji="1" lang="zh-TW" altLang="en-US" dirty="0"/>
           </a:p>
@@ -18427,13 +19220,7 @@
       </p:sp>
       <p:graphicFrame>
         <p:nvGraphicFramePr>
-          <p:cNvPr id="4" name="內容版面配置區 3">
-            <a:extLst>
-              <a:ext uri="{FF2B5EF4-FFF2-40B4-BE49-F238E27FC236}">
-                <a16:creationId xmlns:a16="http://schemas.microsoft.com/office/drawing/2014/main" xmlns="" id="{8B28A8EA-27CF-9B41-825C-9B9612969D04}"/>
-              </a:ext>
-            </a:extLst>
-          </p:cNvPr>
+          <p:cNvPr id="8" name="內容版面配置區 7" title="MAC(Oct., 2019)"/>
           <p:cNvGraphicFramePr>
             <a:graphicFrameLocks noGrp="1"/>
           </p:cNvGraphicFramePr>
@@ -18441,14 +19228,14 @@
             <p:ph idx="1"/>
             <p:extLst>
               <p:ext uri="{D42A27DB-BD31-4B8C-83A1-F6EECF244321}">
-                <p14:modId xmlns:p14="http://schemas.microsoft.com/office/powerpoint/2010/main" val="3706691019"/>
+                <p14:modId xmlns:p14="http://schemas.microsoft.com/office/powerpoint/2010/main" val="281867206"/>
               </p:ext>
             </p:extLst>
           </p:nvPr>
         </p:nvGraphicFramePr>
         <p:xfrm>
-          <a:off x="628650" y="1503740"/>
-          <a:ext cx="7886700" cy="4351338"/>
+          <a:off x="370886" y="1454978"/>
+          <a:ext cx="8229600" cy="4604790"/>
         </p:xfrm>
         <a:graphic>
           <a:graphicData uri="http://schemas.openxmlformats.org/drawingml/2006/chart">
@@ -18487,8 +19274,8 @@
         </p:nvSpPr>
         <p:spPr>
           <a:xfrm>
-            <a:off x="3600035" y="1319074"/>
-            <a:ext cx="2515521" cy="369332"/>
+            <a:off x="3600036" y="1417638"/>
+            <a:ext cx="1771301" cy="369332"/>
           </a:xfrm>
           <a:prstGeom prst="rect">
             <a:avLst/>
@@ -18496,18 +19283,14 @@
           <a:noFill/>
         </p:spPr>
         <p:txBody>
-          <a:bodyPr wrap="square" rtlCol="0">
+          <a:bodyPr wrap="none" rtlCol="0">
             <a:spAutoFit/>
           </a:bodyPr>
           <a:lstStyle/>
           <a:p>
             <a:r>
               <a:rPr lang="en-US" dirty="0" smtClean="0"/>
-              <a:t>Data: MAC (Oct</a:t>
-            </a:r>
-            <a:r>
-              <a:rPr lang="en-US" dirty="0" smtClean="0"/>
-              <a:t>., 2019)</a:t>
+              <a:t>Data: MAC (Oct.)</a:t>
             </a:r>
             <a:endParaRPr lang="en-US" dirty="0"/>
           </a:p>
@@ -18516,7 +19299,7 @@
     </p:spTree>
     <p:extLst>
       <p:ext uri="{BB962C8B-B14F-4D97-AF65-F5344CB8AC3E}">
-        <p14:creationId xmlns:p14="http://schemas.microsoft.com/office/powerpoint/2010/main" val="2826691441"/>
+        <p14:creationId xmlns:p14="http://schemas.microsoft.com/office/powerpoint/2010/main" val="4119528472"/>
       </p:ext>
     </p:extLst>
   </p:cSld>
@@ -18555,7 +19338,7 @@
           <p:cNvPr id="2" name="標題 1">
             <a:extLst>
               <a:ext uri="{FF2B5EF4-FFF2-40B4-BE49-F238E27FC236}">
-                <a16:creationId xmlns:a16="http://schemas.microsoft.com/office/drawing/2014/main" xmlns="" id="{CFBDB42C-3213-B64F-BD4B-7EC6C39A99CF}"/>
+                <a16:creationId xmlns="" xmlns:a16="http://schemas.microsoft.com/office/drawing/2014/main" id="{588AA177-6157-0A45-9BC5-B6C058D9C331}"/>
               </a:ext>
             </a:extLst>
           </p:cNvPr>
@@ -18566,28 +19349,17 @@
             <p:ph type="title"/>
           </p:nvPr>
         </p:nvSpPr>
-        <p:spPr>
-          <a:xfrm>
-            <a:off x="419100" y="365126"/>
-            <a:ext cx="8318500" cy="1325563"/>
-          </a:xfrm>
-        </p:spPr>
-        <p:txBody>
-          <a:bodyPr>
-            <a:normAutofit/>
-          </a:bodyPr>
+        <p:spPr/>
+        <p:txBody>
+          <a:bodyPr/>
           <a:lstStyle/>
           <a:p>
             <a:pPr algn="ctr"/>
             <a:r>
-              <a:rPr kumimoji="1" lang="en-US" altLang="zh-TW" dirty="0">
-                <a:cs typeface="Times New Roman" panose="02020603050405020304" pitchFamily="18" charset="0"/>
-              </a:rPr>
-              <a:t>Unification-Independence Stances</a:t>
-            </a:r>
-            <a:endParaRPr kumimoji="1" lang="zh-TW" altLang="en-US" dirty="0">
-              <a:cs typeface="Times New Roman" panose="02020603050405020304" pitchFamily="18" charset="0"/>
-            </a:endParaRPr>
+              <a:rPr kumimoji="1" lang="en-US" altLang="zh-TW" dirty="0"/>
+              <a:t>Taiwanese/Chinese identity </a:t>
+            </a:r>
+            <a:endParaRPr kumimoji="1" lang="zh-TW" altLang="en-US" dirty="0"/>
           </a:p>
         </p:txBody>
       </p:sp>
@@ -18596,7 +19368,7 @@
           <p:cNvPr id="4" name="內容版面配置區 3">
             <a:extLst>
               <a:ext uri="{FF2B5EF4-FFF2-40B4-BE49-F238E27FC236}">
-                <a16:creationId xmlns:a16="http://schemas.microsoft.com/office/drawing/2014/main" xmlns="" id="{06AC2419-7089-1D4C-B7A3-E1D2F034ABC1}"/>
+                <a16:creationId xmlns="" xmlns:a16="http://schemas.microsoft.com/office/drawing/2014/main" id="{8B28A8EA-27CF-9B41-825C-9B9612969D04}"/>
               </a:ext>
             </a:extLst>
           </p:cNvPr>
@@ -18607,14 +19379,14 @@
             <p:ph idx="1"/>
             <p:extLst>
               <p:ext uri="{D42A27DB-BD31-4B8C-83A1-F6EECF244321}">
-                <p14:modId xmlns:p14="http://schemas.microsoft.com/office/powerpoint/2010/main" val="2144464479"/>
+                <p14:modId xmlns:p14="http://schemas.microsoft.com/office/powerpoint/2010/main" val="3706691019"/>
               </p:ext>
             </p:extLst>
           </p:nvPr>
         </p:nvGraphicFramePr>
         <p:xfrm>
-          <a:off x="419100" y="1602890"/>
-          <a:ext cx="8096251" cy="4432150"/>
+          <a:off x="628650" y="1503740"/>
+          <a:ext cx="7886700" cy="4351338"/>
         </p:xfrm>
         <a:graphic>
           <a:graphicData uri="http://schemas.openxmlformats.org/drawingml/2006/chart">
@@ -18653,8 +19425,8 @@
         </p:nvSpPr>
         <p:spPr>
           <a:xfrm>
-            <a:off x="3600036" y="1417638"/>
-            <a:ext cx="2291463" cy="369332"/>
+            <a:off x="3600035" y="1319074"/>
+            <a:ext cx="2515521" cy="369332"/>
           </a:xfrm>
           <a:prstGeom prst="rect">
             <a:avLst/>
@@ -18662,26 +19434,14 @@
           <a:noFill/>
         </p:spPr>
         <p:txBody>
-          <a:bodyPr wrap="none" rtlCol="0">
+          <a:bodyPr wrap="square" rtlCol="0">
             <a:spAutoFit/>
           </a:bodyPr>
           <a:lstStyle/>
           <a:p>
             <a:r>
               <a:rPr lang="en-US" dirty="0" smtClean="0"/>
-              <a:t>Data: MAC (</a:t>
-            </a:r>
-            <a:r>
-              <a:rPr lang="en-US" dirty="0"/>
-              <a:t>O</a:t>
-            </a:r>
-            <a:r>
-              <a:rPr lang="en-US" dirty="0" smtClean="0"/>
-              <a:t>ct</a:t>
-            </a:r>
-            <a:r>
-              <a:rPr lang="en-US" dirty="0" smtClean="0"/>
-              <a:t>. 2019)</a:t>
+              <a:t>Data: MAC (Oct., 2019)</a:t>
             </a:r>
             <a:endParaRPr lang="en-US" dirty="0"/>
           </a:p>
@@ -18690,13 +19450,20 @@
     </p:spTree>
     <p:extLst>
       <p:ext uri="{BB962C8B-B14F-4D97-AF65-F5344CB8AC3E}">
-        <p14:creationId xmlns:p14="http://schemas.microsoft.com/office/powerpoint/2010/main" val="423407254"/>
+        <p14:creationId xmlns:p14="http://schemas.microsoft.com/office/powerpoint/2010/main" val="2826691441"/>
       </p:ext>
     </p:extLst>
   </p:cSld>
   <p:clrMapOvr>
     <a:masterClrMapping/>
   </p:clrMapOvr>
+  <p:timing>
+    <p:tnLst>
+      <p:par>
+        <p:cTn xmlns:p14="http://schemas.microsoft.com/office/powerpoint/2010/main" id="1" dur="indefinite" restart="never" nodeType="tmRoot"/>
+      </p:par>
+    </p:tnLst>
+  </p:timing>
 </p:sld>
 </file>
 
@@ -18722,7 +19489,7 @@
           <p:cNvPr id="2" name="標題 1">
             <a:extLst>
               <a:ext uri="{FF2B5EF4-FFF2-40B4-BE49-F238E27FC236}">
-                <a16:creationId xmlns:a16="http://schemas.microsoft.com/office/drawing/2014/main" xmlns="" id="{EC8D9877-83E0-3A4C-9668-2C421FAC9482}"/>
+                <a16:creationId xmlns="" xmlns:a16="http://schemas.microsoft.com/office/drawing/2014/main" id="{CFBDB42C-3213-B64F-BD4B-7EC6C39A99CF}"/>
               </a:ext>
             </a:extLst>
           </p:cNvPr>
@@ -18733,25 +19500,37 @@
             <p:ph type="title"/>
           </p:nvPr>
         </p:nvSpPr>
-        <p:spPr/>
-        <p:txBody>
-          <a:bodyPr/>
+        <p:spPr>
+          <a:xfrm>
+            <a:off x="419100" y="365126"/>
+            <a:ext cx="8318500" cy="1325563"/>
+          </a:xfrm>
+        </p:spPr>
+        <p:txBody>
+          <a:bodyPr>
+            <a:normAutofit/>
+          </a:bodyPr>
           <a:lstStyle/>
           <a:p>
-            <a:r>
-              <a:rPr kumimoji="1" lang="en-US" altLang="zh-TW" dirty="0"/>
-              <a:t>Independence-Unification</a:t>
-            </a:r>
-            <a:endParaRPr kumimoji="1" lang="zh-TW" altLang="en-US" dirty="0"/>
+            <a:pPr algn="ctr"/>
+            <a:r>
+              <a:rPr kumimoji="1" lang="en-US" altLang="zh-TW" dirty="0">
+                <a:cs typeface="Times New Roman" panose="02020603050405020304" pitchFamily="18" charset="0"/>
+              </a:rPr>
+              <a:t>Unification-Independence Stances</a:t>
+            </a:r>
+            <a:endParaRPr kumimoji="1" lang="zh-TW" altLang="en-US" dirty="0">
+              <a:cs typeface="Times New Roman" panose="02020603050405020304" pitchFamily="18" charset="0"/>
+            </a:endParaRPr>
           </a:p>
         </p:txBody>
       </p:sp>
       <p:graphicFrame>
         <p:nvGraphicFramePr>
-          <p:cNvPr id="5" name="內容版面配置區 4">
+          <p:cNvPr id="4" name="內容版面配置區 3">
             <a:extLst>
               <a:ext uri="{FF2B5EF4-FFF2-40B4-BE49-F238E27FC236}">
-                <a16:creationId xmlns:a16="http://schemas.microsoft.com/office/drawing/2014/main" xmlns="" id="{99969094-8F1F-5640-920E-D4C5D79A9CB6}"/>
+                <a16:creationId xmlns="" xmlns:a16="http://schemas.microsoft.com/office/drawing/2014/main" id="{06AC2419-7089-1D4C-B7A3-E1D2F034ABC1}"/>
               </a:ext>
             </a:extLst>
           </p:cNvPr>
@@ -18762,14 +19541,14 @@
             <p:ph idx="1"/>
             <p:extLst>
               <p:ext uri="{D42A27DB-BD31-4B8C-83A1-F6EECF244321}">
-                <p14:modId xmlns:p14="http://schemas.microsoft.com/office/powerpoint/2010/main" val="3742105509"/>
+                <p14:modId xmlns:p14="http://schemas.microsoft.com/office/powerpoint/2010/main" val="2144464479"/>
               </p:ext>
             </p:extLst>
           </p:nvPr>
         </p:nvGraphicFramePr>
         <p:xfrm>
-          <a:off x="457200" y="1417638"/>
-          <a:ext cx="8229600" cy="4525963"/>
+          <a:off x="419100" y="1602890"/>
+          <a:ext cx="8096251" cy="4432150"/>
         </p:xfrm>
         <a:graphic>
           <a:graphicData uri="http://schemas.openxmlformats.org/drawingml/2006/chart">
@@ -18779,13 +19558,7 @@
       </p:graphicFrame>
       <p:sp>
         <p:nvSpPr>
-          <p:cNvPr id="4" name="投影片編號版面配置區 3">
-            <a:extLst>
-              <a:ext uri="{FF2B5EF4-FFF2-40B4-BE49-F238E27FC236}">
-                <a16:creationId xmlns:a16="http://schemas.microsoft.com/office/drawing/2014/main" xmlns="" id="{BB1F7E33-E07E-8744-909A-DB393CC0CBAA}"/>
-              </a:ext>
-            </a:extLst>
-          </p:cNvPr>
+          <p:cNvPr id="3" name="Slide Number Placeholder 2"/>
           <p:cNvSpPr>
             <a:spLocks noGrp="1"/>
           </p:cNvSpPr>
@@ -18806,10 +19579,48 @@
           </a:p>
         </p:txBody>
       </p:sp>
+      <p:sp>
+        <p:nvSpPr>
+          <p:cNvPr id="5" name="TextBox 4"/>
+          <p:cNvSpPr txBox="1"/>
+          <p:nvPr/>
+        </p:nvSpPr>
+        <p:spPr>
+          <a:xfrm>
+            <a:off x="3600036" y="1417638"/>
+            <a:ext cx="2291463" cy="369332"/>
+          </a:xfrm>
+          <a:prstGeom prst="rect">
+            <a:avLst/>
+          </a:prstGeom>
+          <a:noFill/>
+        </p:spPr>
+        <p:txBody>
+          <a:bodyPr wrap="none" rtlCol="0">
+            <a:spAutoFit/>
+          </a:bodyPr>
+          <a:lstStyle/>
+          <a:p>
+            <a:r>
+              <a:rPr lang="en-US" dirty="0" smtClean="0"/>
+              <a:t>Data: MAC (</a:t>
+            </a:r>
+            <a:r>
+              <a:rPr lang="en-US" dirty="0"/>
+              <a:t>O</a:t>
+            </a:r>
+            <a:r>
+              <a:rPr lang="en-US" dirty="0" smtClean="0"/>
+              <a:t>ct. 2019)</a:t>
+            </a:r>
+            <a:endParaRPr lang="en-US" dirty="0"/>
+          </a:p>
+        </p:txBody>
+      </p:sp>
     </p:spTree>
     <p:extLst>
       <p:ext uri="{BB962C8B-B14F-4D97-AF65-F5344CB8AC3E}">
-        <p14:creationId xmlns:p14="http://schemas.microsoft.com/office/powerpoint/2010/main" val="1470408363"/>
+        <p14:creationId xmlns:p14="http://schemas.microsoft.com/office/powerpoint/2010/main" val="423407254"/>
       </p:ext>
     </p:extLst>
   </p:cSld>
@@ -18841,7 +19652,7 @@
           <p:cNvPr id="2" name="標題 1">
             <a:extLst>
               <a:ext uri="{FF2B5EF4-FFF2-40B4-BE49-F238E27FC236}">
-                <a16:creationId xmlns:a16="http://schemas.microsoft.com/office/drawing/2014/main" xmlns="" id="{EC8D9877-83E0-3A4C-9668-2C421FAC9482}"/>
+                <a16:creationId xmlns="" xmlns:a16="http://schemas.microsoft.com/office/drawing/2014/main" id="{EC8D9877-83E0-3A4C-9668-2C421FAC9482}"/>
               </a:ext>
             </a:extLst>
           </p:cNvPr>
@@ -18859,7 +19670,7 @@
           <a:p>
             <a:r>
               <a:rPr kumimoji="1" lang="en-US" altLang="zh-TW" dirty="0"/>
-              <a:t>Presidential  Popularity</a:t>
+              <a:t>Independence-Unification</a:t>
             </a:r>
             <a:endParaRPr kumimoji="1" lang="zh-TW" altLang="en-US" dirty="0"/>
           </a:p>
@@ -18870,7 +19681,7 @@
           <p:cNvPr id="5" name="內容版面配置區 4">
             <a:extLst>
               <a:ext uri="{FF2B5EF4-FFF2-40B4-BE49-F238E27FC236}">
-                <a16:creationId xmlns:a16="http://schemas.microsoft.com/office/drawing/2014/main" xmlns="" id="{99969094-8F1F-5640-920E-D4C5D79A9CB6}"/>
+                <a16:creationId xmlns="" xmlns:a16="http://schemas.microsoft.com/office/drawing/2014/main" id="{99969094-8F1F-5640-920E-D4C5D79A9CB6}"/>
               </a:ext>
             </a:extLst>
           </p:cNvPr>
@@ -18881,7 +19692,7 @@
             <p:ph idx="1"/>
             <p:extLst>
               <p:ext uri="{D42A27DB-BD31-4B8C-83A1-F6EECF244321}">
-                <p14:modId xmlns:p14="http://schemas.microsoft.com/office/powerpoint/2010/main" val="3786016107"/>
+                <p14:modId xmlns:p14="http://schemas.microsoft.com/office/powerpoint/2010/main" val="3742105509"/>
               </p:ext>
             </p:extLst>
           </p:nvPr>
@@ -18901,7 +19712,7 @@
           <p:cNvPr id="4" name="投影片編號版面配置區 3">
             <a:extLst>
               <a:ext uri="{FF2B5EF4-FFF2-40B4-BE49-F238E27FC236}">
-                <a16:creationId xmlns:a16="http://schemas.microsoft.com/office/drawing/2014/main" xmlns="" id="{BB1F7E33-E07E-8744-909A-DB393CC0CBAA}"/>
+                <a16:creationId xmlns="" xmlns:a16="http://schemas.microsoft.com/office/drawing/2014/main" id="{BB1F7E33-E07E-8744-909A-DB393CC0CBAA}"/>
               </a:ext>
             </a:extLst>
           </p:cNvPr>
@@ -18928,7 +19739,7 @@
     </p:spTree>
     <p:extLst>
       <p:ext uri="{BB962C8B-B14F-4D97-AF65-F5344CB8AC3E}">
-        <p14:creationId xmlns:p14="http://schemas.microsoft.com/office/powerpoint/2010/main" val="1824749942"/>
+        <p14:creationId xmlns:p14="http://schemas.microsoft.com/office/powerpoint/2010/main" val="1470408363"/>
       </p:ext>
     </p:extLst>
   </p:cSld>
@@ -18960,7 +19771,7 @@
           <p:cNvPr id="2" name="標題 1">
             <a:extLst>
               <a:ext uri="{FF2B5EF4-FFF2-40B4-BE49-F238E27FC236}">
-                <a16:creationId xmlns:a16="http://schemas.microsoft.com/office/drawing/2014/main" xmlns="" id="{810EB544-71AC-474C-BA02-D24747BA6125}"/>
+                <a16:creationId xmlns="" xmlns:a16="http://schemas.microsoft.com/office/drawing/2014/main" id="{EC8D9877-83E0-3A4C-9668-2C421FAC9482}"/>
               </a:ext>
             </a:extLst>
           </p:cNvPr>
@@ -18976,10 +19787,9 @@
           <a:bodyPr/>
           <a:lstStyle/>
           <a:p>
-            <a:pPr algn="ctr"/>
             <a:r>
               <a:rPr kumimoji="1" lang="en-US" altLang="zh-TW" dirty="0"/>
-              <a:t>Distribution of Age</a:t>
+              <a:t>Presidential  Popularity</a:t>
             </a:r>
             <a:endParaRPr kumimoji="1" lang="zh-TW" altLang="en-US" dirty="0"/>
           </a:p>
@@ -18987,10 +19797,10 @@
       </p:sp>
       <p:graphicFrame>
         <p:nvGraphicFramePr>
-          <p:cNvPr id="4" name="內容版面配置區 3">
+          <p:cNvPr id="5" name="內容版面配置區 4">
             <a:extLst>
               <a:ext uri="{FF2B5EF4-FFF2-40B4-BE49-F238E27FC236}">
-                <a16:creationId xmlns:a16="http://schemas.microsoft.com/office/drawing/2014/main" xmlns="" id="{4B9B4A4F-3CEA-8043-AA88-E680EDB0C6D2}"/>
+                <a16:creationId xmlns="" xmlns:a16="http://schemas.microsoft.com/office/drawing/2014/main" id="{99969094-8F1F-5640-920E-D4C5D79A9CB6}"/>
               </a:ext>
             </a:extLst>
           </p:cNvPr>
@@ -19001,14 +19811,14 @@
             <p:ph idx="1"/>
             <p:extLst>
               <p:ext uri="{D42A27DB-BD31-4B8C-83A1-F6EECF244321}">
-                <p14:modId xmlns:p14="http://schemas.microsoft.com/office/powerpoint/2010/main" val="1195106377"/>
+                <p14:modId xmlns:p14="http://schemas.microsoft.com/office/powerpoint/2010/main" val="3786016107"/>
               </p:ext>
             </p:extLst>
           </p:nvPr>
         </p:nvGraphicFramePr>
         <p:xfrm>
-          <a:off x="628650" y="1825625"/>
-          <a:ext cx="7886700" cy="4351338"/>
+          <a:off x="457200" y="1417638"/>
+          <a:ext cx="8229600" cy="4525963"/>
         </p:xfrm>
         <a:graphic>
           <a:graphicData uri="http://schemas.openxmlformats.org/drawingml/2006/chart">
@@ -19018,7 +19828,13 @@
       </p:graphicFrame>
       <p:sp>
         <p:nvSpPr>
-          <p:cNvPr id="3" name="Slide Number Placeholder 2"/>
+          <p:cNvPr id="4" name="投影片編號版面配置區 3">
+            <a:extLst>
+              <a:ext uri="{FF2B5EF4-FFF2-40B4-BE49-F238E27FC236}">
+                <a16:creationId xmlns="" xmlns:a16="http://schemas.microsoft.com/office/drawing/2014/main" id="{BB1F7E33-E07E-8744-909A-DB393CC0CBAA}"/>
+              </a:ext>
+            </a:extLst>
+          </p:cNvPr>
           <p:cNvSpPr>
             <a:spLocks noGrp="1"/>
           </p:cNvSpPr>
@@ -19039,44 +19855,10 @@
           </a:p>
         </p:txBody>
       </p:sp>
-      <p:sp>
-        <p:nvSpPr>
-          <p:cNvPr id="5" name="TextBox 4"/>
-          <p:cNvSpPr txBox="1"/>
-          <p:nvPr/>
-        </p:nvSpPr>
-        <p:spPr>
-          <a:xfrm>
-            <a:off x="3600036" y="1417638"/>
-            <a:ext cx="2570740" cy="369332"/>
-          </a:xfrm>
-          <a:prstGeom prst="rect">
-            <a:avLst/>
-          </a:prstGeom>
-          <a:noFill/>
-        </p:spPr>
-        <p:txBody>
-          <a:bodyPr wrap="square" rtlCol="0">
-            <a:spAutoFit/>
-          </a:bodyPr>
-          <a:lstStyle/>
-          <a:p>
-            <a:r>
-              <a:rPr lang="en-US" dirty="0" smtClean="0"/>
-              <a:t>Data: MAC (Oct</a:t>
-            </a:r>
-            <a:r>
-              <a:rPr lang="en-US" dirty="0" smtClean="0"/>
-              <a:t>., 2019)</a:t>
-            </a:r>
-            <a:endParaRPr lang="en-US" dirty="0"/>
-          </a:p>
-        </p:txBody>
-      </p:sp>
     </p:spTree>
     <p:extLst>
       <p:ext uri="{BB962C8B-B14F-4D97-AF65-F5344CB8AC3E}">
-        <p14:creationId xmlns:p14="http://schemas.microsoft.com/office/powerpoint/2010/main" val="1815414725"/>
+        <p14:creationId xmlns:p14="http://schemas.microsoft.com/office/powerpoint/2010/main" val="1824749942"/>
       </p:ext>
     </p:extLst>
   </p:cSld>
@@ -19108,7 +19890,7 @@
           <p:cNvPr id="2" name="標題 1">
             <a:extLst>
               <a:ext uri="{FF2B5EF4-FFF2-40B4-BE49-F238E27FC236}">
-                <a16:creationId xmlns:a16="http://schemas.microsoft.com/office/drawing/2014/main" xmlns="" id="{7614CEB7-01A7-D14C-8154-1906886D5952}"/>
+                <a16:creationId xmlns="" xmlns:a16="http://schemas.microsoft.com/office/drawing/2014/main" id="{810EB544-71AC-474C-BA02-D24747BA6125}"/>
               </a:ext>
             </a:extLst>
           </p:cNvPr>
@@ -19127,7 +19909,7 @@
             <a:pPr algn="ctr"/>
             <a:r>
               <a:rPr kumimoji="1" lang="en-US" altLang="zh-TW" dirty="0"/>
-              <a:t>Age x Party ID</a:t>
+              <a:t>Distribution of Age</a:t>
             </a:r>
             <a:endParaRPr kumimoji="1" lang="zh-TW" altLang="en-US" dirty="0"/>
           </a:p>
@@ -19138,7 +19920,7 @@
           <p:cNvPr id="4" name="內容版面配置區 3">
             <a:extLst>
               <a:ext uri="{FF2B5EF4-FFF2-40B4-BE49-F238E27FC236}">
-                <a16:creationId xmlns:a16="http://schemas.microsoft.com/office/drawing/2014/main" xmlns="" id="{C117677C-6E65-384B-8AF0-A36FAB6D1DA4}"/>
+                <a16:creationId xmlns="" xmlns:a16="http://schemas.microsoft.com/office/drawing/2014/main" id="{4B9B4A4F-3CEA-8043-AA88-E680EDB0C6D2}"/>
               </a:ext>
             </a:extLst>
           </p:cNvPr>
@@ -19149,14 +19931,14 @@
             <p:ph idx="1"/>
             <p:extLst>
               <p:ext uri="{D42A27DB-BD31-4B8C-83A1-F6EECF244321}">
-                <p14:modId xmlns:p14="http://schemas.microsoft.com/office/powerpoint/2010/main" val="2842075238"/>
+                <p14:modId xmlns:p14="http://schemas.microsoft.com/office/powerpoint/2010/main" val="1195106377"/>
               </p:ext>
             </p:extLst>
           </p:nvPr>
         </p:nvGraphicFramePr>
         <p:xfrm>
-          <a:off x="628650" y="1484556"/>
-          <a:ext cx="7886700" cy="4496696"/>
+          <a:off x="628650" y="1825625"/>
+          <a:ext cx="7886700" cy="4351338"/>
         </p:xfrm>
         <a:graphic>
           <a:graphicData uri="http://schemas.openxmlformats.org/drawingml/2006/chart">
@@ -19195,8 +19977,8 @@
         </p:nvSpPr>
         <p:spPr>
           <a:xfrm>
-            <a:off x="3340778" y="1417638"/>
-            <a:ext cx="2291608" cy="369332"/>
+            <a:off x="3600036" y="1417638"/>
+            <a:ext cx="2570740" cy="369332"/>
           </a:xfrm>
           <a:prstGeom prst="rect">
             <a:avLst/>
@@ -19211,11 +19993,7 @@
           <a:p>
             <a:r>
               <a:rPr lang="en-US" dirty="0" smtClean="0"/>
-              <a:t>Data: </a:t>
-            </a:r>
-            <a:r>
-              <a:rPr lang="en-US" dirty="0" smtClean="0"/>
-              <a:t>MAC(Oct., 2019)</a:t>
+              <a:t>Data: MAC (Oct., 2019)</a:t>
             </a:r>
             <a:endParaRPr lang="en-US" dirty="0"/>
           </a:p>
@@ -19224,7 +20002,7 @@
     </p:spTree>
     <p:extLst>
       <p:ext uri="{BB962C8B-B14F-4D97-AF65-F5344CB8AC3E}">
-        <p14:creationId xmlns:p14="http://schemas.microsoft.com/office/powerpoint/2010/main" val="1118030359"/>
+        <p14:creationId xmlns:p14="http://schemas.microsoft.com/office/powerpoint/2010/main" val="1815414725"/>
       </p:ext>
     </p:extLst>
   </p:cSld>
@@ -19253,7 +20031,13 @@
       </p:grpSpPr>
       <p:sp>
         <p:nvSpPr>
-          <p:cNvPr id="2" name="Title 1"/>
+          <p:cNvPr id="2" name="標題 1">
+            <a:extLst>
+              <a:ext uri="{FF2B5EF4-FFF2-40B4-BE49-F238E27FC236}">
+                <a16:creationId xmlns="" xmlns:a16="http://schemas.microsoft.com/office/drawing/2014/main" id="{7614CEB7-01A7-D14C-8154-1906886D5952}"/>
+              </a:ext>
+            </a:extLst>
+          </p:cNvPr>
           <p:cNvSpPr>
             <a:spLocks noGrp="1"/>
           </p:cNvSpPr>
@@ -19263,21 +20047,27 @@
         </p:nvSpPr>
         <p:spPr/>
         <p:txBody>
-          <a:bodyPr>
-            <a:normAutofit/>
-          </a:bodyPr>
+          <a:bodyPr/>
           <a:lstStyle/>
           <a:p>
-            <a:r>
-              <a:rPr lang="en-US" dirty="0"/>
-              <a:t>Age X Unification-Independence</a:t>
-            </a:r>
+            <a:pPr algn="ctr"/>
+            <a:r>
+              <a:rPr kumimoji="1" lang="en-US" altLang="zh-TW" dirty="0"/>
+              <a:t>Age x Party ID</a:t>
+            </a:r>
+            <a:endParaRPr kumimoji="1" lang="zh-TW" altLang="en-US" dirty="0"/>
           </a:p>
         </p:txBody>
       </p:sp>
       <p:graphicFrame>
         <p:nvGraphicFramePr>
-          <p:cNvPr id="5" name="Content Placeholder 4"/>
+          <p:cNvPr id="4" name="內容版面配置區 3">
+            <a:extLst>
+              <a:ext uri="{FF2B5EF4-FFF2-40B4-BE49-F238E27FC236}">
+                <a16:creationId xmlns="" xmlns:a16="http://schemas.microsoft.com/office/drawing/2014/main" id="{C117677C-6E65-384B-8AF0-A36FAB6D1DA4}"/>
+              </a:ext>
+            </a:extLst>
+          </p:cNvPr>
           <p:cNvGraphicFramePr>
             <a:graphicFrameLocks noGrp="1"/>
           </p:cNvGraphicFramePr>
@@ -19285,14 +20075,14 @@
             <p:ph idx="1"/>
             <p:extLst>
               <p:ext uri="{D42A27DB-BD31-4B8C-83A1-F6EECF244321}">
-                <p14:modId xmlns:p14="http://schemas.microsoft.com/office/powerpoint/2010/main" val="3010067116"/>
+                <p14:modId xmlns:p14="http://schemas.microsoft.com/office/powerpoint/2010/main" val="2842075238"/>
               </p:ext>
             </p:extLst>
           </p:nvPr>
         </p:nvGraphicFramePr>
         <p:xfrm>
-          <a:off x="457200" y="1600200"/>
-          <a:ext cx="8229600" cy="4525963"/>
+          <a:off x="628650" y="1484556"/>
+          <a:ext cx="7886700" cy="4496696"/>
         </p:xfrm>
         <a:graphic>
           <a:graphicData uri="http://schemas.openxmlformats.org/drawingml/2006/chart">
@@ -19302,7 +20092,7 @@
       </p:graphicFrame>
       <p:sp>
         <p:nvSpPr>
-          <p:cNvPr id="4" name="Slide Number Placeholder 3"/>
+          <p:cNvPr id="3" name="Slide Number Placeholder 2"/>
           <p:cNvSpPr>
             <a:spLocks noGrp="1"/>
           </p:cNvSpPr>
@@ -19325,14 +20115,14 @@
       </p:sp>
       <p:sp>
         <p:nvSpPr>
-          <p:cNvPr id="6" name="TextBox 5"/>
+          <p:cNvPr id="5" name="TextBox 4"/>
           <p:cNvSpPr txBox="1"/>
           <p:nvPr/>
         </p:nvSpPr>
         <p:spPr>
           <a:xfrm>
-            <a:off x="3600036" y="1417638"/>
-            <a:ext cx="2401243" cy="369332"/>
+            <a:off x="3340778" y="1417638"/>
+            <a:ext cx="2291608" cy="369332"/>
           </a:xfrm>
           <a:prstGeom prst="rect">
             <a:avLst/>
@@ -19340,18 +20130,14 @@
           <a:noFill/>
         </p:spPr>
         <p:txBody>
-          <a:bodyPr wrap="none" rtlCol="0">
+          <a:bodyPr wrap="square" rtlCol="0">
             <a:spAutoFit/>
           </a:bodyPr>
           <a:lstStyle/>
           <a:p>
             <a:r>
               <a:rPr lang="en-US" dirty="0" smtClean="0"/>
-              <a:t>Data: MAC  (Oct</a:t>
-            </a:r>
-            <a:r>
-              <a:rPr lang="en-US" dirty="0" smtClean="0"/>
-              <a:t>., 2019)</a:t>
+              <a:t>Data: MAC(Oct., 2019)</a:t>
             </a:r>
             <a:endParaRPr lang="en-US" dirty="0"/>
           </a:p>
@@ -19360,7 +20146,7 @@
     </p:spTree>
     <p:extLst>
       <p:ext uri="{BB962C8B-B14F-4D97-AF65-F5344CB8AC3E}">
-        <p14:creationId xmlns:p14="http://schemas.microsoft.com/office/powerpoint/2010/main" val="532237911"/>
+        <p14:creationId xmlns:p14="http://schemas.microsoft.com/office/powerpoint/2010/main" val="1118030359"/>
       </p:ext>
     </p:extLst>
   </p:cSld>
@@ -19406,15 +20192,7 @@
           <a:p>
             <a:r>
               <a:rPr lang="en-US" dirty="0"/>
-              <a:t>Age X Tsai </a:t>
-            </a:r>
-            <a:r>
-              <a:rPr lang="en-US" dirty="0" err="1"/>
-              <a:t>Ing</a:t>
-            </a:r>
-            <a:r>
-              <a:rPr lang="en-US" dirty="0"/>
-              <a:t>-wen</a:t>
+              <a:t>Age X Unification-Independence</a:t>
             </a:r>
           </a:p>
         </p:txBody>
@@ -19429,7 +20207,7 @@
             <p:ph idx="1"/>
             <p:extLst>
               <p:ext uri="{D42A27DB-BD31-4B8C-83A1-F6EECF244321}">
-                <p14:modId xmlns:p14="http://schemas.microsoft.com/office/powerpoint/2010/main" val="3255398760"/>
+                <p14:modId xmlns:p14="http://schemas.microsoft.com/office/powerpoint/2010/main" val="3010067116"/>
               </p:ext>
             </p:extLst>
           </p:nvPr>
@@ -19469,20 +20247,14 @@
       </p:sp>
       <p:sp>
         <p:nvSpPr>
-          <p:cNvPr id="3" name="文字方塊 2">
-            <a:extLst>
-              <a:ext uri="{FF2B5EF4-FFF2-40B4-BE49-F238E27FC236}">
-                <a16:creationId xmlns:a16="http://schemas.microsoft.com/office/drawing/2014/main" xmlns="" id="{2C66D693-78C6-814B-BA7F-A34B3027641F}"/>
-              </a:ext>
-            </a:extLst>
-          </p:cNvPr>
+          <p:cNvPr id="6" name="TextBox 5"/>
           <p:cNvSpPr txBox="1"/>
           <p:nvPr/>
         </p:nvSpPr>
         <p:spPr>
           <a:xfrm>
-            <a:off x="3227294" y="1398494"/>
-            <a:ext cx="3677289" cy="369332"/>
+            <a:off x="3600036" y="1417638"/>
+            <a:ext cx="2401243" cy="369332"/>
           </a:xfrm>
           <a:prstGeom prst="rect">
             <a:avLst/>
@@ -19496,17 +20268,17 @@
           <a:lstStyle/>
           <a:p>
             <a:r>
-              <a:rPr kumimoji="1" lang="en-US" altLang="zh-TW" dirty="0"/>
-              <a:t>Data: ESC-Harvard Survey (Nov. 2019)</a:t>
-            </a:r>
-            <a:endParaRPr kumimoji="1" lang="zh-TW" altLang="en-US" dirty="0"/>
+              <a:rPr lang="en-US" dirty="0" smtClean="0"/>
+              <a:t>Data: MAC  (Oct., 2019)</a:t>
+            </a:r>
+            <a:endParaRPr lang="en-US" dirty="0"/>
           </a:p>
         </p:txBody>
       </p:sp>
     </p:spTree>
     <p:extLst>
       <p:ext uri="{BB962C8B-B14F-4D97-AF65-F5344CB8AC3E}">
-        <p14:creationId xmlns:p14="http://schemas.microsoft.com/office/powerpoint/2010/main" val="934760574"/>
+        <p14:creationId xmlns:p14="http://schemas.microsoft.com/office/powerpoint/2010/main" val="532237911"/>
       </p:ext>
     </p:extLst>
   </p:cSld>
@@ -19538,7 +20310,7 @@
           <p:cNvPr id="2" name="標題 1">
             <a:extLst>
               <a:ext uri="{FF2B5EF4-FFF2-40B4-BE49-F238E27FC236}">
-                <a16:creationId xmlns:a16="http://schemas.microsoft.com/office/drawing/2014/main" xmlns="" id="{2BE682A3-C86B-6541-9B91-9D5F683744DD}"/>
+                <a16:creationId xmlns="" xmlns:a16="http://schemas.microsoft.com/office/drawing/2014/main" id="{2BE682A3-C86B-6541-9B91-9D5F683744DD}"/>
               </a:ext>
             </a:extLst>
           </p:cNvPr>
@@ -19567,7 +20339,7 @@
           <p:cNvPr id="3" name="內容版面配置區 2">
             <a:extLst>
               <a:ext uri="{FF2B5EF4-FFF2-40B4-BE49-F238E27FC236}">
-                <a16:creationId xmlns:a16="http://schemas.microsoft.com/office/drawing/2014/main" xmlns="" id="{E2418935-7296-5047-8A65-DE9D7447A55E}"/>
+                <a16:creationId xmlns="" xmlns:a16="http://schemas.microsoft.com/office/drawing/2014/main" id="{E2418935-7296-5047-8A65-DE9D7447A55E}"/>
               </a:ext>
             </a:extLst>
           </p:cNvPr>
@@ -19654,7 +20426,7 @@
           <p:cNvPr id="4" name="投影片編號版面配置區 3">
             <a:extLst>
               <a:ext uri="{FF2B5EF4-FFF2-40B4-BE49-F238E27FC236}">
-                <a16:creationId xmlns:a16="http://schemas.microsoft.com/office/drawing/2014/main" xmlns="" id="{4A247AE1-2177-6E4F-8872-3F0FB9C978F1}"/>
+                <a16:creationId xmlns="" xmlns:a16="http://schemas.microsoft.com/office/drawing/2014/main" id="{4A247AE1-2177-6E4F-8872-3F0FB9C978F1}"/>
               </a:ext>
             </a:extLst>
           </p:cNvPr>
@@ -19727,7 +20499,15 @@
           <a:p>
             <a:r>
               <a:rPr lang="en-US" dirty="0"/>
-              <a:t>Economic Retrospect</a:t>
+              <a:t>Age X Tsai </a:t>
+            </a:r>
+            <a:r>
+              <a:rPr lang="en-US" dirty="0" err="1"/>
+              <a:t>Ing</a:t>
+            </a:r>
+            <a:r>
+              <a:rPr lang="en-US" dirty="0"/>
+              <a:t>-wen</a:t>
             </a:r>
           </a:p>
         </p:txBody>
@@ -19742,7 +20522,7 @@
             <p:ph idx="1"/>
             <p:extLst>
               <p:ext uri="{D42A27DB-BD31-4B8C-83A1-F6EECF244321}">
-                <p14:modId xmlns:p14="http://schemas.microsoft.com/office/powerpoint/2010/main" val="590280099"/>
+                <p14:modId xmlns:p14="http://schemas.microsoft.com/office/powerpoint/2010/main" val="3255398760"/>
               </p:ext>
             </p:extLst>
           </p:nvPr>
@@ -19776,7 +20556,7 @@
               <a:rPr lang="en-US" smtClean="0"/>
               <a:t>29</a:t>
             </a:fld>
-            <a:endParaRPr lang="en-US" dirty="0"/>
+            <a:endParaRPr lang="en-US"/>
           </a:p>
         </p:txBody>
       </p:sp>
@@ -19785,7 +20565,7 @@
           <p:cNvPr id="3" name="文字方塊 2">
             <a:extLst>
               <a:ext uri="{FF2B5EF4-FFF2-40B4-BE49-F238E27FC236}">
-                <a16:creationId xmlns:a16="http://schemas.microsoft.com/office/drawing/2014/main" xmlns="" id="{2C66D693-78C6-814B-BA7F-A34B3027641F}"/>
+                <a16:creationId xmlns="" xmlns:a16="http://schemas.microsoft.com/office/drawing/2014/main" id="{2C66D693-78C6-814B-BA7F-A34B3027641F}"/>
               </a:ext>
             </a:extLst>
           </p:cNvPr>
@@ -19794,8 +20574,8 @@
         </p:nvSpPr>
         <p:spPr>
           <a:xfrm>
-            <a:off x="1115149" y="1398494"/>
-            <a:ext cx="7613795" cy="369332"/>
+            <a:off x="3227294" y="1398494"/>
+            <a:ext cx="3677289" cy="369332"/>
           </a:xfrm>
           <a:prstGeom prst="rect">
             <a:avLst/>
@@ -19810,7 +20590,7 @@
           <a:p>
             <a:r>
               <a:rPr kumimoji="1" lang="en-US" altLang="zh-TW" dirty="0"/>
-              <a:t>Compared to six months ago, do you think Taiwan’s economy becomes? (TEDS)</a:t>
+              <a:t>Data: ESC-Harvard Survey (Nov. 2019)</a:t>
             </a:r>
             <a:endParaRPr kumimoji="1" lang="zh-TW" altLang="en-US" dirty="0"/>
           </a:p>
@@ -19819,7 +20599,7 @@
     </p:spTree>
     <p:extLst>
       <p:ext uri="{BB962C8B-B14F-4D97-AF65-F5344CB8AC3E}">
-        <p14:creationId xmlns:p14="http://schemas.microsoft.com/office/powerpoint/2010/main" val="3270555251"/>
+        <p14:creationId xmlns:p14="http://schemas.microsoft.com/office/powerpoint/2010/main" val="934760574"/>
       </p:ext>
     </p:extLst>
   </p:cSld>
@@ -19858,103 +20638,43 @@
         </p:nvSpPr>
         <p:spPr/>
         <p:txBody>
-          <a:bodyPr/>
-          <a:lstStyle/>
-          <a:p>
-            <a:r>
-              <a:rPr lang="en-US" dirty="0"/>
-              <a:t>Election Forecast?</a:t>
-            </a:r>
-          </a:p>
-        </p:txBody>
-      </p:sp>
-      <p:sp>
-        <p:nvSpPr>
-          <p:cNvPr id="3" name="Content Placeholder 2"/>
-          <p:cNvSpPr>
-            <a:spLocks noGrp="1"/>
-          </p:cNvSpPr>
-          <p:nvPr>
-            <p:ph idx="1"/>
-          </p:nvPr>
-        </p:nvSpPr>
-        <p:spPr/>
-        <p:txBody>
           <a:bodyPr>
-            <a:normAutofit fontScale="92500"/>
+            <a:normAutofit/>
           </a:bodyPr>
           <a:lstStyle/>
           <a:p>
             <a:r>
               <a:rPr lang="en-US" dirty="0"/>
-              <a:t>The coverage rate of telephone interview might be low (60%?). People </a:t>
-            </a:r>
-            <a:r>
-              <a:rPr lang="en-US" b="1" dirty="0"/>
-              <a:t>who are not contacted</a:t>
-            </a:r>
-            <a:r>
-              <a:rPr lang="en-US" dirty="0"/>
-              <a:t> may vote for either party or don’t turn out. We also need to </a:t>
-            </a:r>
-            <a:r>
-              <a:rPr lang="en-US" dirty="0" smtClean="0"/>
-              <a:t>know </a:t>
-            </a:r>
-            <a:r>
-              <a:rPr lang="en-US" dirty="0"/>
-              <a:t>the </a:t>
-            </a:r>
-            <a:r>
-              <a:rPr lang="en-US" dirty="0" smtClean="0"/>
-              <a:t>preference </a:t>
-            </a:r>
-            <a:r>
-              <a:rPr lang="en-US" dirty="0"/>
-              <a:t>of people </a:t>
-            </a:r>
-            <a:r>
-              <a:rPr lang="en-US" b="1" dirty="0"/>
-              <a:t>who refuse to </a:t>
-            </a:r>
-            <a:r>
-              <a:rPr lang="en-US" b="1" dirty="0" smtClean="0"/>
-              <a:t>reveal </a:t>
-            </a:r>
-            <a:r>
-              <a:rPr lang="en-US" b="1" dirty="0"/>
-              <a:t>their voting </a:t>
-            </a:r>
-            <a:r>
-              <a:rPr lang="en-US" b="1" dirty="0" smtClean="0"/>
-              <a:t>choices</a:t>
-            </a:r>
-            <a:r>
-              <a:rPr lang="en-US" dirty="0" smtClean="0"/>
-              <a:t>. </a:t>
-            </a:r>
-            <a:r>
-              <a:rPr lang="en-US" dirty="0"/>
-              <a:t>So election forecast is complicated (Hung Yung-tai, 2014)</a:t>
-            </a:r>
-          </a:p>
-          <a:p>
-            <a:r>
-              <a:rPr lang="en-US" dirty="0" smtClean="0"/>
-              <a:t>Some people watch the </a:t>
-            </a:r>
-            <a:r>
-              <a:rPr lang="en-US" dirty="0"/>
-              <a:t>township or </a:t>
-            </a:r>
-            <a:r>
-              <a:rPr lang="en-US" dirty="0" smtClean="0"/>
-              <a:t>village that has previous election outcomes very close to the national ones.</a:t>
-            </a:r>
-            <a:endParaRPr lang="en-US" dirty="0"/>
-          </a:p>
-        </p:txBody>
-      </p:sp>
+              <a:t>Economic Retrospect</a:t>
+            </a:r>
+          </a:p>
+        </p:txBody>
+      </p:sp>
+      <p:graphicFrame>
+        <p:nvGraphicFramePr>
+          <p:cNvPr id="5" name="Content Placeholder 4"/>
+          <p:cNvGraphicFramePr>
+            <a:graphicFrameLocks noGrp="1"/>
+          </p:cNvGraphicFramePr>
+          <p:nvPr>
+            <p:ph idx="1"/>
+            <p:extLst>
+              <p:ext uri="{D42A27DB-BD31-4B8C-83A1-F6EECF244321}">
+                <p14:modId xmlns:p14="http://schemas.microsoft.com/office/powerpoint/2010/main" val="590280099"/>
+              </p:ext>
+            </p:extLst>
+          </p:nvPr>
+        </p:nvGraphicFramePr>
+        <p:xfrm>
+          <a:off x="457200" y="1600200"/>
+          <a:ext cx="8229600" cy="4525963"/>
+        </p:xfrm>
+        <a:graphic>
+          <a:graphicData uri="http://schemas.openxmlformats.org/drawingml/2006/chart">
+            <c:chart xmlns:c="http://schemas.openxmlformats.org/drawingml/2006/chart" xmlns:r="http://schemas.openxmlformats.org/officeDocument/2006/relationships" r:id="rId2"/>
+          </a:graphicData>
+        </a:graphic>
+      </p:graphicFrame>
       <p:sp>
         <p:nvSpPr>
           <p:cNvPr id="4" name="Slide Number Placeholder 3"/>
@@ -19974,14 +20694,50 @@
               <a:rPr lang="en-US" smtClean="0"/>
               <a:t>30</a:t>
             </a:fld>
-            <a:endParaRPr lang="en-US"/>
+            <a:endParaRPr lang="en-US" dirty="0"/>
+          </a:p>
+        </p:txBody>
+      </p:sp>
+      <p:sp>
+        <p:nvSpPr>
+          <p:cNvPr id="3" name="文字方塊 2">
+            <a:extLst>
+              <a:ext uri="{FF2B5EF4-FFF2-40B4-BE49-F238E27FC236}">
+                <a16:creationId xmlns="" xmlns:a16="http://schemas.microsoft.com/office/drawing/2014/main" id="{2C66D693-78C6-814B-BA7F-A34B3027641F}"/>
+              </a:ext>
+            </a:extLst>
+          </p:cNvPr>
+          <p:cNvSpPr txBox="1"/>
+          <p:nvPr/>
+        </p:nvSpPr>
+        <p:spPr>
+          <a:xfrm>
+            <a:off x="1115149" y="1398494"/>
+            <a:ext cx="7613795" cy="369332"/>
+          </a:xfrm>
+          <a:prstGeom prst="rect">
+            <a:avLst/>
+          </a:prstGeom>
+          <a:noFill/>
+        </p:spPr>
+        <p:txBody>
+          <a:bodyPr wrap="none" rtlCol="0">
+            <a:spAutoFit/>
+          </a:bodyPr>
+          <a:lstStyle/>
+          <a:p>
+            <a:r>
+              <a:rPr kumimoji="1" lang="en-US" altLang="zh-TW" dirty="0"/>
+              <a:t>Compared to six months ago, do you think Taiwan’s economy becomes? (TEDS)</a:t>
+            </a:r>
+            <a:endParaRPr kumimoji="1" lang="zh-TW" altLang="en-US" dirty="0"/>
           </a:p>
         </p:txBody>
       </p:sp>
     </p:spTree>
     <p:extLst>
       <p:ext uri="{BB962C8B-B14F-4D97-AF65-F5344CB8AC3E}">
-        <p14:creationId xmlns:p14="http://schemas.microsoft.com/office/powerpoint/2010/main" val="3395424361"/>
+        <p14:creationId xmlns:p14="http://schemas.microsoft.com/office/powerpoint/2010/main" val="3270555251"/>
       </p:ext>
     </p:extLst>
   </p:cSld>
@@ -20010,7 +20766,7 @@
       </p:grpSpPr>
       <p:sp>
         <p:nvSpPr>
-          <p:cNvPr id="3" name="Title 2"/>
+          <p:cNvPr id="2" name="Title 1"/>
           <p:cNvSpPr>
             <a:spLocks noGrp="1"/>
           </p:cNvSpPr>
@@ -20024,16 +20780,15 @@
           <a:lstStyle/>
           <a:p>
             <a:r>
-              <a:rPr lang="en-US" dirty="0" smtClean="0"/>
-              <a:t>Concluding Remarks</a:t>
-            </a:r>
-            <a:endParaRPr lang="en-US" dirty="0"/>
-          </a:p>
-        </p:txBody>
-      </p:sp>
-      <p:sp>
-        <p:nvSpPr>
-          <p:cNvPr id="4" name="Content Placeholder 3"/>
+              <a:rPr lang="en-US" dirty="0"/>
+              <a:t>Election Forecast?</a:t>
+            </a:r>
+          </a:p>
+        </p:txBody>
+      </p:sp>
+      <p:sp>
+        <p:nvSpPr>
+          <p:cNvPr id="3" name="Content Placeholder 2"/>
           <p:cNvSpPr>
             <a:spLocks noGrp="1"/>
           </p:cNvSpPr>
@@ -20041,76 +20796,86 @@
             <p:ph idx="1"/>
           </p:nvPr>
         </p:nvSpPr>
-        <p:spPr>
-          <a:xfrm>
-            <a:off x="457200" y="1430178"/>
-            <a:ext cx="8229600" cy="4525963"/>
-          </a:xfrm>
-        </p:spPr>
+        <p:spPr/>
         <p:txBody>
           <a:bodyPr>
-            <a:normAutofit lnSpcReduction="10000"/>
+            <a:normAutofit fontScale="92500"/>
           </a:bodyPr>
           <a:lstStyle/>
           <a:p>
             <a:r>
               <a:rPr lang="en-US" dirty="0"/>
-              <a:t>Young voters prefer </a:t>
+              <a:t>The coverage rate of telephone interview might be low (60%?). People </a:t>
+            </a:r>
+            <a:r>
+              <a:rPr lang="en-US" b="1" dirty="0"/>
+              <a:t>who are not contacted</a:t>
+            </a:r>
+            <a:r>
+              <a:rPr lang="en-US" dirty="0"/>
+              <a:t> may vote for either party or don’t turn out. We also need to </a:t>
             </a:r>
             <a:r>
               <a:rPr lang="en-US" dirty="0" smtClean="0"/>
-              <a:t>independence </a:t>
+              <a:t>know </a:t>
             </a:r>
             <a:r>
               <a:rPr lang="en-US" dirty="0"/>
-              <a:t>and DPP. They  are likely to </a:t>
+              <a:t>the </a:t>
             </a:r>
             <a:r>
               <a:rPr lang="en-US" dirty="0" smtClean="0"/>
-              <a:t>support President Tsai. </a:t>
+              <a:t>preference </a:t>
+            </a:r>
+            <a:r>
+              <a:rPr lang="en-US" dirty="0"/>
+              <a:t>of people </a:t>
+            </a:r>
+            <a:r>
+              <a:rPr lang="en-US" b="1" dirty="0"/>
+              <a:t>who refuse to </a:t>
+            </a:r>
+            <a:r>
+              <a:rPr lang="en-US" b="1" dirty="0" smtClean="0"/>
+              <a:t>reveal </a:t>
+            </a:r>
+            <a:r>
+              <a:rPr lang="en-US" b="1" dirty="0"/>
+              <a:t>their voting </a:t>
+            </a:r>
+            <a:r>
+              <a:rPr lang="en-US" b="1" dirty="0" smtClean="0"/>
+              <a:t>choices</a:t>
+            </a:r>
+            <a:r>
+              <a:rPr lang="en-US" dirty="0" smtClean="0"/>
+              <a:t>. </a:t>
+            </a:r>
+            <a:r>
+              <a:rPr lang="en-US" dirty="0"/>
+              <a:t>So election forecast is complicated (Hung Yung-tai, 2014)</a:t>
+            </a:r>
+          </a:p>
+          <a:p>
+            <a:r>
+              <a:rPr lang="en-US" dirty="0" smtClean="0"/>
+              <a:t>Some people watch the </a:t>
+            </a:r>
+            <a:r>
+              <a:rPr lang="en-US" dirty="0"/>
+              <a:t>township or </a:t>
+            </a:r>
+            <a:r>
+              <a:rPr lang="en-US" dirty="0" smtClean="0"/>
+              <a:t>village that has previous election outcomes very close to the national ones.</a:t>
             </a:r>
             <a:endParaRPr lang="en-US" dirty="0"/>
           </a:p>
-          <a:p>
-            <a:r>
-              <a:rPr lang="en-US" dirty="0"/>
-              <a:t>President Tsai bounces back from the 2018 municipal election </a:t>
-            </a:r>
-            <a:r>
-              <a:rPr lang="en-US" dirty="0" smtClean="0"/>
-              <a:t>probably </a:t>
-            </a:r>
-            <a:r>
-              <a:rPr lang="en-US" dirty="0"/>
-              <a:t>because President Xi of China mentioned ‘one country two systems’ and protest erupted in HK.  However, </a:t>
-            </a:r>
-            <a:r>
-              <a:rPr lang="en-US" dirty="0" smtClean="0"/>
-              <a:t>very few people think economy is better.</a:t>
-            </a:r>
-            <a:endParaRPr lang="en-US" dirty="0"/>
-          </a:p>
-          <a:p>
-            <a:r>
-              <a:rPr lang="en-US" altLang="zh-TW" dirty="0" smtClean="0"/>
-              <a:t>Taiwan people </a:t>
-            </a:r>
-            <a:r>
-              <a:rPr lang="en-US" altLang="zh-TW" dirty="0"/>
-              <a:t>are divided on identity, and governance remains vital to democracy.</a:t>
-            </a:r>
-          </a:p>
-          <a:p>
-            <a:endParaRPr lang="en-US" dirty="0"/>
-          </a:p>
-          <a:p>
-            <a:endParaRPr lang="en-US" dirty="0"/>
-          </a:p>
-        </p:txBody>
-      </p:sp>
-      <p:sp>
-        <p:nvSpPr>
-          <p:cNvPr id="2" name="Slide Number Placeholder 1"/>
+        </p:txBody>
+      </p:sp>
+      <p:sp>
+        <p:nvSpPr>
+          <p:cNvPr id="4" name="Slide Number Placeholder 3"/>
           <p:cNvSpPr>
             <a:spLocks noGrp="1"/>
           </p:cNvSpPr>
@@ -20134,7 +20899,7 @@
     </p:spTree>
     <p:extLst>
       <p:ext uri="{BB962C8B-B14F-4D97-AF65-F5344CB8AC3E}">
-        <p14:creationId xmlns:p14="http://schemas.microsoft.com/office/powerpoint/2010/main" val="3339002928"/>
+        <p14:creationId xmlns:p14="http://schemas.microsoft.com/office/powerpoint/2010/main" val="3395424361"/>
       </p:ext>
     </p:extLst>
   </p:cSld>
@@ -20163,6 +20928,159 @@
       </p:grpSpPr>
       <p:sp>
         <p:nvSpPr>
+          <p:cNvPr id="3" name="Title 2"/>
+          <p:cNvSpPr>
+            <a:spLocks noGrp="1"/>
+          </p:cNvSpPr>
+          <p:nvPr>
+            <p:ph type="title"/>
+          </p:nvPr>
+        </p:nvSpPr>
+        <p:spPr/>
+        <p:txBody>
+          <a:bodyPr/>
+          <a:lstStyle/>
+          <a:p>
+            <a:r>
+              <a:rPr lang="en-US" dirty="0" smtClean="0"/>
+              <a:t>Concluding Remarks</a:t>
+            </a:r>
+            <a:endParaRPr lang="en-US" dirty="0"/>
+          </a:p>
+        </p:txBody>
+      </p:sp>
+      <p:sp>
+        <p:nvSpPr>
+          <p:cNvPr id="4" name="Content Placeholder 3"/>
+          <p:cNvSpPr>
+            <a:spLocks noGrp="1"/>
+          </p:cNvSpPr>
+          <p:nvPr>
+            <p:ph idx="1"/>
+          </p:nvPr>
+        </p:nvSpPr>
+        <p:spPr>
+          <a:xfrm>
+            <a:off x="457200" y="1430178"/>
+            <a:ext cx="8229600" cy="4525963"/>
+          </a:xfrm>
+        </p:spPr>
+        <p:txBody>
+          <a:bodyPr>
+            <a:normAutofit lnSpcReduction="10000"/>
+          </a:bodyPr>
+          <a:lstStyle/>
+          <a:p>
+            <a:r>
+              <a:rPr lang="en-US" dirty="0"/>
+              <a:t>Young voters prefer </a:t>
+            </a:r>
+            <a:r>
+              <a:rPr lang="en-US" dirty="0" smtClean="0"/>
+              <a:t>independence </a:t>
+            </a:r>
+            <a:r>
+              <a:rPr lang="en-US" dirty="0"/>
+              <a:t>and DPP. They  are likely to </a:t>
+            </a:r>
+            <a:r>
+              <a:rPr lang="en-US" dirty="0" smtClean="0"/>
+              <a:t>support President Tsai. </a:t>
+            </a:r>
+            <a:endParaRPr lang="en-US" dirty="0"/>
+          </a:p>
+          <a:p>
+            <a:r>
+              <a:rPr lang="en-US" dirty="0"/>
+              <a:t>President Tsai bounces back from the 2018 municipal election </a:t>
+            </a:r>
+            <a:r>
+              <a:rPr lang="en-US" dirty="0" smtClean="0"/>
+              <a:t>probably </a:t>
+            </a:r>
+            <a:r>
+              <a:rPr lang="en-US" dirty="0"/>
+              <a:t>because President Xi of China mentioned ‘one country two systems’ and protest erupted in HK.  However, </a:t>
+            </a:r>
+            <a:r>
+              <a:rPr lang="en-US" dirty="0" smtClean="0"/>
+              <a:t>very few people think economy is better.</a:t>
+            </a:r>
+            <a:endParaRPr lang="en-US" dirty="0"/>
+          </a:p>
+          <a:p>
+            <a:r>
+              <a:rPr lang="en-US" altLang="zh-TW" dirty="0" smtClean="0"/>
+              <a:t>Taiwan people </a:t>
+            </a:r>
+            <a:r>
+              <a:rPr lang="en-US" altLang="zh-TW" dirty="0"/>
+              <a:t>are divided on identity, and governance remains vital to democracy.</a:t>
+            </a:r>
+          </a:p>
+          <a:p>
+            <a:endParaRPr lang="en-US" dirty="0"/>
+          </a:p>
+          <a:p>
+            <a:endParaRPr lang="en-US" dirty="0"/>
+          </a:p>
+        </p:txBody>
+      </p:sp>
+      <p:sp>
+        <p:nvSpPr>
+          <p:cNvPr id="2" name="Slide Number Placeholder 1"/>
+          <p:cNvSpPr>
+            <a:spLocks noGrp="1"/>
+          </p:cNvSpPr>
+          <p:nvPr>
+            <p:ph type="sldNum" sz="quarter" idx="12"/>
+          </p:nvPr>
+        </p:nvSpPr>
+        <p:spPr/>
+        <p:txBody>
+          <a:bodyPr/>
+          <a:lstStyle/>
+          <a:p>
+            <a:fld id="{CD9A5680-6096-C64A-AF8E-ED46E1855E22}" type="slidenum">
+              <a:rPr lang="en-US" smtClean="0"/>
+              <a:t>32</a:t>
+            </a:fld>
+            <a:endParaRPr lang="en-US"/>
+          </a:p>
+        </p:txBody>
+      </p:sp>
+    </p:spTree>
+    <p:extLst>
+      <p:ext uri="{BB962C8B-B14F-4D97-AF65-F5344CB8AC3E}">
+        <p14:creationId xmlns:p14="http://schemas.microsoft.com/office/powerpoint/2010/main" val="3339002928"/>
+      </p:ext>
+    </p:extLst>
+  </p:cSld>
+  <p:clrMapOvr>
+    <a:masterClrMapping/>
+  </p:clrMapOvr>
+</p:sld>
+</file>
+
+<file path=ppt/slides/slide34.xml><?xml version="1.0" encoding="utf-8"?>
+<p:sld xmlns:a="http://schemas.openxmlformats.org/drawingml/2006/main" xmlns:r="http://schemas.openxmlformats.org/officeDocument/2006/relationships" xmlns:p="http://schemas.openxmlformats.org/presentationml/2006/main">
+  <p:cSld>
+    <p:spTree>
+      <p:nvGrpSpPr>
+        <p:cNvPr id="1" name=""/>
+        <p:cNvGrpSpPr/>
+        <p:nvPr/>
+      </p:nvGrpSpPr>
+      <p:grpSpPr>
+        <a:xfrm>
+          <a:off x="0" y="0"/>
+          <a:ext cx="0" cy="0"/>
+          <a:chOff x="0" y="0"/>
+          <a:chExt cx="0" cy="0"/>
+        </a:xfrm>
+      </p:grpSpPr>
+      <p:sp>
+        <p:nvSpPr>
           <p:cNvPr id="5" name="Title 4"/>
           <p:cNvSpPr>
             <a:spLocks noGrp="1"/>
@@ -20276,7 +21194,7 @@
           <a:p>
             <a:fld id="{CD9A5680-6096-C64A-AF8E-ED46E1855E22}" type="slidenum">
               <a:rPr lang="en-US" smtClean="0"/>
-              <a:t>32</a:t>
+              <a:t>33</a:t>
             </a:fld>
             <a:endParaRPr lang="en-US"/>
           </a:p>
@@ -20317,7 +21235,7 @@
           <p:cNvPr id="2" name="標題 1">
             <a:extLst>
               <a:ext uri="{FF2B5EF4-FFF2-40B4-BE49-F238E27FC236}">
-                <a16:creationId xmlns:a16="http://schemas.microsoft.com/office/drawing/2014/main" xmlns="" id="{EB13875E-05A1-A043-8B32-DD389F887C37}"/>
+                <a16:creationId xmlns="" xmlns:a16="http://schemas.microsoft.com/office/drawing/2014/main" id="{EB13875E-05A1-A043-8B32-DD389F887C37}"/>
               </a:ext>
             </a:extLst>
           </p:cNvPr>
@@ -20331,13 +21249,17 @@
         <p:spPr/>
         <p:txBody>
           <a:bodyPr>
-            <a:normAutofit fontScale="90000"/>
+            <a:normAutofit/>
           </a:bodyPr>
           <a:lstStyle/>
           <a:p>
             <a:r>
+              <a:rPr kumimoji="1" lang="en-US" altLang="zh-TW" dirty="0" smtClean="0"/>
+              <a:t>Turnout </a:t>
+            </a:r>
+            <a:r>
               <a:rPr kumimoji="1" lang="en-US" altLang="zh-TW" dirty="0"/>
-              <a:t>Previous Turnout Rates and Vote Shares</a:t>
+              <a:t>Rates and Vote Shares</a:t>
             </a:r>
             <a:endParaRPr kumimoji="1" lang="zh-TW" altLang="en-US" dirty="0"/>
           </a:p>
@@ -20348,7 +21270,7 @@
           <p:cNvPr id="6" name="內容版面配置區 5">
             <a:extLst>
               <a:ext uri="{FF2B5EF4-FFF2-40B4-BE49-F238E27FC236}">
-                <a16:creationId xmlns:a16="http://schemas.microsoft.com/office/drawing/2014/main" xmlns="" id="{A93262D8-5D0F-8B42-9D6A-76C74441790B}"/>
+                <a16:creationId xmlns="" xmlns:a16="http://schemas.microsoft.com/office/drawing/2014/main" id="{A93262D8-5D0F-8B42-9D6A-76C74441790B}"/>
               </a:ext>
             </a:extLst>
           </p:cNvPr>
@@ -20359,7 +21281,7 @@
             <p:ph sz="half" idx="1"/>
             <p:extLst>
               <p:ext uri="{D42A27DB-BD31-4B8C-83A1-F6EECF244321}">
-                <p14:modId xmlns:p14="http://schemas.microsoft.com/office/powerpoint/2010/main" val="3812294061"/>
+                <p14:modId xmlns:p14="http://schemas.microsoft.com/office/powerpoint/2010/main" val="2777059229"/>
               </p:ext>
             </p:extLst>
           </p:nvPr>
@@ -20379,7 +21301,7 @@
           <p:cNvPr id="7" name="內容版面配置區 6">
             <a:extLst>
               <a:ext uri="{FF2B5EF4-FFF2-40B4-BE49-F238E27FC236}">
-                <a16:creationId xmlns:a16="http://schemas.microsoft.com/office/drawing/2014/main" xmlns="" id="{EA9286FA-E549-7B49-9C7A-DE749944B5EA}"/>
+                <a16:creationId xmlns="" xmlns:a16="http://schemas.microsoft.com/office/drawing/2014/main" id="{EA9286FA-E549-7B49-9C7A-DE749944B5EA}"/>
               </a:ext>
             </a:extLst>
           </p:cNvPr>
@@ -20390,7 +21312,7 @@
             <p:ph sz="half" idx="2"/>
             <p:extLst>
               <p:ext uri="{D42A27DB-BD31-4B8C-83A1-F6EECF244321}">
-                <p14:modId xmlns:p14="http://schemas.microsoft.com/office/powerpoint/2010/main" val="650896630"/>
+                <p14:modId xmlns:p14="http://schemas.microsoft.com/office/powerpoint/2010/main" val="257191566"/>
               </p:ext>
             </p:extLst>
           </p:nvPr>
@@ -20410,7 +21332,7 @@
           <p:cNvPr id="5" name="投影片編號版面配置區 4">
             <a:extLst>
               <a:ext uri="{FF2B5EF4-FFF2-40B4-BE49-F238E27FC236}">
-                <a16:creationId xmlns:a16="http://schemas.microsoft.com/office/drawing/2014/main" xmlns="" id="{496ED19F-ADB9-DE4E-B1FD-C8ACED59A820}"/>
+                <a16:creationId xmlns="" xmlns:a16="http://schemas.microsoft.com/office/drawing/2014/main" id="{496ED19F-ADB9-DE4E-B1FD-C8ACED59A820}"/>
               </a:ext>
             </a:extLst>
           </p:cNvPr>
@@ -20469,7 +21391,7 @@
           <p:cNvPr id="2" name="標題 1">
             <a:extLst>
               <a:ext uri="{FF2B5EF4-FFF2-40B4-BE49-F238E27FC236}">
-                <a16:creationId xmlns:a16="http://schemas.microsoft.com/office/drawing/2014/main" xmlns="" id="{FCE782B8-AABF-2B4C-ADC5-A35267AD721C}"/>
+                <a16:creationId xmlns="" xmlns:a16="http://schemas.microsoft.com/office/drawing/2014/main" id="{FCE782B8-AABF-2B4C-ADC5-A35267AD721C}"/>
               </a:ext>
             </a:extLst>
           </p:cNvPr>
@@ -20498,7 +21420,7 @@
           <p:cNvPr id="5" name="內容版面配置區 4">
             <a:extLst>
               <a:ext uri="{FF2B5EF4-FFF2-40B4-BE49-F238E27FC236}">
-                <a16:creationId xmlns:a16="http://schemas.microsoft.com/office/drawing/2014/main" xmlns="" id="{F36648F4-6D5B-4E48-9FC0-376128562576}"/>
+                <a16:creationId xmlns="" xmlns:a16="http://schemas.microsoft.com/office/drawing/2014/main" id="{F36648F4-6D5B-4E48-9FC0-376128562576}"/>
               </a:ext>
             </a:extLst>
           </p:cNvPr>
@@ -20529,7 +21451,7 @@
           <p:cNvPr id="4" name="投影片編號版面配置區 3">
             <a:extLst>
               <a:ext uri="{FF2B5EF4-FFF2-40B4-BE49-F238E27FC236}">
-                <a16:creationId xmlns:a16="http://schemas.microsoft.com/office/drawing/2014/main" xmlns="" id="{05F84E9B-404A-C14C-AB60-14606B9C1F5C}"/>
+                <a16:creationId xmlns="" xmlns:a16="http://schemas.microsoft.com/office/drawing/2014/main" id="{05F84E9B-404A-C14C-AB60-14606B9C1F5C}"/>
               </a:ext>
             </a:extLst>
           </p:cNvPr>
@@ -20585,10 +21507,10 @@
       </p:grpSpPr>
       <p:sp>
         <p:nvSpPr>
-          <p:cNvPr id="5" name="標題 4">
+          <p:cNvPr id="2" name="標題 1">
             <a:extLst>
               <a:ext uri="{FF2B5EF4-FFF2-40B4-BE49-F238E27FC236}">
-                <a16:creationId xmlns:a16="http://schemas.microsoft.com/office/drawing/2014/main" xmlns="" id="{9362A29F-F4EB-B946-8F5A-F8E8C81AE66D}"/>
+                <a16:creationId xmlns="" xmlns:a16="http://schemas.microsoft.com/office/drawing/2014/main" id="{FCE782B8-AABF-2B4C-ADC5-A35267AD721C}"/>
               </a:ext>
             </a:extLst>
           </p:cNvPr>
@@ -20605,19 +21527,58 @@
           <a:lstStyle/>
           <a:p>
             <a:r>
+              <a:rPr kumimoji="1" lang="en-US" altLang="zh-TW" dirty="0" smtClean="0"/>
+              <a:t>Seat </a:t>
+            </a:r>
+            <a:r>
               <a:rPr kumimoji="1" lang="en-US" altLang="zh-TW" dirty="0"/>
-              <a:t>Presidential Candidates</a:t>
+              <a:t>Shares in </a:t>
+            </a:r>
+            <a:r>
+              <a:rPr kumimoji="1" lang="en-US" altLang="zh-TW" dirty="0" smtClean="0"/>
+              <a:t>2020 LY</a:t>
             </a:r>
             <a:endParaRPr kumimoji="1" lang="zh-TW" altLang="en-US" dirty="0"/>
           </a:p>
         </p:txBody>
       </p:sp>
-      <p:sp>
-        <p:nvSpPr>
-          <p:cNvPr id="2" name="投影片編號版面配置區 1">
+      <p:graphicFrame>
+        <p:nvGraphicFramePr>
+          <p:cNvPr id="5" name="內容版面配置區 4">
             <a:extLst>
               <a:ext uri="{FF2B5EF4-FFF2-40B4-BE49-F238E27FC236}">
-                <a16:creationId xmlns:a16="http://schemas.microsoft.com/office/drawing/2014/main" xmlns="" id="{8CE3E168-FE20-DD42-B6CA-874D6B0851F1}"/>
+                <a16:creationId xmlns="" xmlns:a16="http://schemas.microsoft.com/office/drawing/2014/main" id="{F36648F4-6D5B-4E48-9FC0-376128562576}"/>
+              </a:ext>
+            </a:extLst>
+          </p:cNvPr>
+          <p:cNvGraphicFramePr>
+            <a:graphicFrameLocks noGrp="1"/>
+          </p:cNvGraphicFramePr>
+          <p:nvPr>
+            <p:ph idx="1"/>
+            <p:extLst>
+              <p:ext uri="{D42A27DB-BD31-4B8C-83A1-F6EECF244321}">
+                <p14:modId xmlns:p14="http://schemas.microsoft.com/office/powerpoint/2010/main" val="283915865"/>
+              </p:ext>
+            </p:extLst>
+          </p:nvPr>
+        </p:nvGraphicFramePr>
+        <p:xfrm>
+          <a:off x="457200" y="1600200"/>
+          <a:ext cx="8229600" cy="4525963"/>
+        </p:xfrm>
+        <a:graphic>
+          <a:graphicData uri="http://schemas.openxmlformats.org/drawingml/2006/chart">
+            <c:chart xmlns:c="http://schemas.openxmlformats.org/drawingml/2006/chart" xmlns:r="http://schemas.openxmlformats.org/officeDocument/2006/relationships" r:id="rId3"/>
+          </a:graphicData>
+        </a:graphic>
+      </p:graphicFrame>
+      <p:sp>
+        <p:nvSpPr>
+          <p:cNvPr id="4" name="投影片編號版面配置區 3">
+            <a:extLst>
+              <a:ext uri="{FF2B5EF4-FFF2-40B4-BE49-F238E27FC236}">
+                <a16:creationId xmlns="" xmlns:a16="http://schemas.microsoft.com/office/drawing/2014/main" id="{05F84E9B-404A-C14C-AB60-14606B9C1F5C}"/>
               </a:ext>
             </a:extLst>
           </p:cNvPr>
@@ -20641,73 +21602,10 @@
           </a:p>
         </p:txBody>
       </p:sp>
-      <p:pic>
-        <p:nvPicPr>
-          <p:cNvPr id="6" name="圖片 5">
-            <a:extLst>
-              <a:ext uri="{FF2B5EF4-FFF2-40B4-BE49-F238E27FC236}">
-                <a16:creationId xmlns:a16="http://schemas.microsoft.com/office/drawing/2014/main" xmlns="" id="{3232E068-5884-1C42-A3F4-2EC40E4C25F5}"/>
-              </a:ext>
-            </a:extLst>
-          </p:cNvPr>
-          <p:cNvPicPr>
-            <a:picLocks noChangeAspect="1"/>
-          </p:cNvPicPr>
-          <p:nvPr/>
-        </p:nvPicPr>
-        <p:blipFill>
-          <a:blip r:embed="rId2"/>
-          <a:stretch>
-            <a:fillRect/>
-          </a:stretch>
-        </p:blipFill>
-        <p:spPr>
-          <a:xfrm>
-            <a:off x="0" y="2652466"/>
-            <a:ext cx="9144000" cy="1553068"/>
-          </a:xfrm>
-          <a:prstGeom prst="rect">
-            <a:avLst/>
-          </a:prstGeom>
-        </p:spPr>
-      </p:pic>
-      <p:sp>
-        <p:nvSpPr>
-          <p:cNvPr id="3" name="TextBox 2"/>
-          <p:cNvSpPr txBox="1"/>
-          <p:nvPr/>
-        </p:nvSpPr>
-        <p:spPr>
-          <a:xfrm>
-            <a:off x="219292" y="4522512"/>
-            <a:ext cx="7788047" cy="369332"/>
-          </a:xfrm>
-          <a:prstGeom prst="rect">
-            <a:avLst/>
-          </a:prstGeom>
-          <a:noFill/>
-        </p:spPr>
-        <p:txBody>
-          <a:bodyPr wrap="none" rtlCol="0">
-            <a:spAutoFit/>
-          </a:bodyPr>
-          <a:lstStyle/>
-          <a:p>
-            <a:r>
-              <a:rPr lang="en-US" dirty="0" smtClean="0"/>
-              <a:t>For more campaign pictures, please see https</a:t>
-            </a:r>
-            <a:r>
-              <a:rPr lang="en-US" dirty="0"/>
-              <a:t>://campaignwatch2020.nccu.edu.tw</a:t>
-            </a:r>
-          </a:p>
-        </p:txBody>
-      </p:sp>
     </p:spTree>
     <p:extLst>
       <p:ext uri="{BB962C8B-B14F-4D97-AF65-F5344CB8AC3E}">
-        <p14:creationId xmlns:p14="http://schemas.microsoft.com/office/powerpoint/2010/main" val="2959269254"/>
+        <p14:creationId xmlns:p14="http://schemas.microsoft.com/office/powerpoint/2010/main" val="3234659401"/>
       </p:ext>
     </p:extLst>
   </p:cSld>
@@ -20736,6 +21634,157 @@
       </p:grpSpPr>
       <p:sp>
         <p:nvSpPr>
+          <p:cNvPr id="5" name="標題 4">
+            <a:extLst>
+              <a:ext uri="{FF2B5EF4-FFF2-40B4-BE49-F238E27FC236}">
+                <a16:creationId xmlns="" xmlns:a16="http://schemas.microsoft.com/office/drawing/2014/main" id="{9362A29F-F4EB-B946-8F5A-F8E8C81AE66D}"/>
+              </a:ext>
+            </a:extLst>
+          </p:cNvPr>
+          <p:cNvSpPr>
+            <a:spLocks noGrp="1"/>
+          </p:cNvSpPr>
+          <p:nvPr>
+            <p:ph type="title"/>
+          </p:nvPr>
+        </p:nvSpPr>
+        <p:spPr/>
+        <p:txBody>
+          <a:bodyPr/>
+          <a:lstStyle/>
+          <a:p>
+            <a:r>
+              <a:rPr kumimoji="1" lang="en-US" altLang="zh-TW" dirty="0"/>
+              <a:t>Presidential Candidates</a:t>
+            </a:r>
+            <a:endParaRPr kumimoji="1" lang="zh-TW" altLang="en-US" dirty="0"/>
+          </a:p>
+        </p:txBody>
+      </p:sp>
+      <p:sp>
+        <p:nvSpPr>
+          <p:cNvPr id="2" name="投影片編號版面配置區 1">
+            <a:extLst>
+              <a:ext uri="{FF2B5EF4-FFF2-40B4-BE49-F238E27FC236}">
+                <a16:creationId xmlns="" xmlns:a16="http://schemas.microsoft.com/office/drawing/2014/main" id="{8CE3E168-FE20-DD42-B6CA-874D6B0851F1}"/>
+              </a:ext>
+            </a:extLst>
+          </p:cNvPr>
+          <p:cNvSpPr>
+            <a:spLocks noGrp="1"/>
+          </p:cNvSpPr>
+          <p:nvPr>
+            <p:ph type="sldNum" sz="quarter" idx="12"/>
+          </p:nvPr>
+        </p:nvSpPr>
+        <p:spPr/>
+        <p:txBody>
+          <a:bodyPr/>
+          <a:lstStyle/>
+          <a:p>
+            <a:fld id="{CD9A5680-6096-C64A-AF8E-ED46E1855E22}" type="slidenum">
+              <a:rPr lang="en-US" smtClean="0"/>
+              <a:t>6</a:t>
+            </a:fld>
+            <a:endParaRPr lang="en-US"/>
+          </a:p>
+        </p:txBody>
+      </p:sp>
+      <p:pic>
+        <p:nvPicPr>
+          <p:cNvPr id="6" name="圖片 5">
+            <a:extLst>
+              <a:ext uri="{FF2B5EF4-FFF2-40B4-BE49-F238E27FC236}">
+                <a16:creationId xmlns="" xmlns:a16="http://schemas.microsoft.com/office/drawing/2014/main" id="{3232E068-5884-1C42-A3F4-2EC40E4C25F5}"/>
+              </a:ext>
+            </a:extLst>
+          </p:cNvPr>
+          <p:cNvPicPr>
+            <a:picLocks noChangeAspect="1"/>
+          </p:cNvPicPr>
+          <p:nvPr/>
+        </p:nvPicPr>
+        <p:blipFill>
+          <a:blip r:embed="rId2"/>
+          <a:stretch>
+            <a:fillRect/>
+          </a:stretch>
+        </p:blipFill>
+        <p:spPr>
+          <a:xfrm>
+            <a:off x="0" y="2652466"/>
+            <a:ext cx="9144000" cy="1553068"/>
+          </a:xfrm>
+          <a:prstGeom prst="rect">
+            <a:avLst/>
+          </a:prstGeom>
+        </p:spPr>
+      </p:pic>
+      <p:sp>
+        <p:nvSpPr>
+          <p:cNvPr id="3" name="TextBox 2"/>
+          <p:cNvSpPr txBox="1"/>
+          <p:nvPr/>
+        </p:nvSpPr>
+        <p:spPr>
+          <a:xfrm>
+            <a:off x="219292" y="4522512"/>
+            <a:ext cx="7788047" cy="369332"/>
+          </a:xfrm>
+          <a:prstGeom prst="rect">
+            <a:avLst/>
+          </a:prstGeom>
+          <a:noFill/>
+        </p:spPr>
+        <p:txBody>
+          <a:bodyPr wrap="none" rtlCol="0">
+            <a:spAutoFit/>
+          </a:bodyPr>
+          <a:lstStyle/>
+          <a:p>
+            <a:r>
+              <a:rPr lang="en-US" dirty="0" smtClean="0"/>
+              <a:t>For more campaign pictures, please see https</a:t>
+            </a:r>
+            <a:r>
+              <a:rPr lang="en-US" dirty="0"/>
+              <a:t>://campaignwatch2020.nccu.edu.tw</a:t>
+            </a:r>
+          </a:p>
+        </p:txBody>
+      </p:sp>
+    </p:spTree>
+    <p:extLst>
+      <p:ext uri="{BB962C8B-B14F-4D97-AF65-F5344CB8AC3E}">
+        <p14:creationId xmlns:p14="http://schemas.microsoft.com/office/powerpoint/2010/main" val="2959269254"/>
+      </p:ext>
+    </p:extLst>
+  </p:cSld>
+  <p:clrMapOvr>
+    <a:masterClrMapping/>
+  </p:clrMapOvr>
+</p:sld>
+</file>
+
+<file path=ppt/slides/slide8.xml><?xml version="1.0" encoding="utf-8"?>
+<p:sld xmlns:a="http://schemas.openxmlformats.org/drawingml/2006/main" xmlns:r="http://schemas.openxmlformats.org/officeDocument/2006/relationships" xmlns:p="http://schemas.openxmlformats.org/presentationml/2006/main">
+  <p:cSld>
+    <p:spTree>
+      <p:nvGrpSpPr>
+        <p:cNvPr id="1" name=""/>
+        <p:cNvGrpSpPr/>
+        <p:nvPr/>
+      </p:nvGrpSpPr>
+      <p:grpSpPr>
+        <a:xfrm>
+          <a:off x="0" y="0"/>
+          <a:ext cx="0" cy="0"/>
+          <a:chOff x="0" y="0"/>
+          <a:chExt cx="0" cy="0"/>
+        </a:xfrm>
+      </p:grpSpPr>
+      <p:sp>
+        <p:nvSpPr>
           <p:cNvPr id="2" name="Title 1"/>
           <p:cNvSpPr>
             <a:spLocks noGrp="1"/>
@@ -20796,7 +21845,7 @@
           <a:p>
             <a:fld id="{CD9A5680-6096-C64A-AF8E-ED46E1855E22}" type="slidenum">
               <a:rPr lang="en-US" smtClean="0"/>
-              <a:t>6</a:t>
+              <a:t>7</a:t>
             </a:fld>
             <a:endParaRPr lang="en-US"/>
           </a:p>
@@ -21105,133 +22154,6 @@
 </p:sld>
 </file>
 
-<file path=ppt/slides/slide8.xml><?xml version="1.0" encoding="utf-8"?>
-<p:sld xmlns:a="http://schemas.openxmlformats.org/drawingml/2006/main" xmlns:r="http://schemas.openxmlformats.org/officeDocument/2006/relationships" xmlns:p="http://schemas.openxmlformats.org/presentationml/2006/main">
-  <p:cSld>
-    <p:spTree>
-      <p:nvGrpSpPr>
-        <p:cNvPr id="1" name=""/>
-        <p:cNvGrpSpPr/>
-        <p:nvPr/>
-      </p:nvGrpSpPr>
-      <p:grpSpPr>
-        <a:xfrm>
-          <a:off x="0" y="0"/>
-          <a:ext cx="0" cy="0"/>
-          <a:chOff x="0" y="0"/>
-          <a:chExt cx="0" cy="0"/>
-        </a:xfrm>
-      </p:grpSpPr>
-      <p:sp>
-        <p:nvSpPr>
-          <p:cNvPr id="2" name="Title 1"/>
-          <p:cNvSpPr>
-            <a:spLocks noGrp="1"/>
-          </p:cNvSpPr>
-          <p:nvPr>
-            <p:ph type="title"/>
-          </p:nvPr>
-        </p:nvSpPr>
-        <p:spPr/>
-        <p:txBody>
-          <a:bodyPr/>
-          <a:lstStyle/>
-          <a:p>
-            <a:r>
-              <a:rPr lang="en-US" dirty="0"/>
-              <a:t>Party Nomination in LY Election</a:t>
-            </a:r>
-          </a:p>
-        </p:txBody>
-      </p:sp>
-      <p:sp>
-        <p:nvSpPr>
-          <p:cNvPr id="3" name="Content Placeholder 2"/>
-          <p:cNvSpPr>
-            <a:spLocks noGrp="1"/>
-          </p:cNvSpPr>
-          <p:nvPr>
-            <p:ph idx="1"/>
-          </p:nvPr>
-        </p:nvSpPr>
-        <p:spPr/>
-        <p:txBody>
-          <a:bodyPr/>
-          <a:lstStyle/>
-          <a:p>
-            <a:r>
-              <a:rPr lang="en-US" dirty="0"/>
-              <a:t>433 candidates register in the LY election.</a:t>
-            </a:r>
-          </a:p>
-          <a:p>
-            <a:r>
-              <a:rPr lang="en-US" dirty="0"/>
-              <a:t>43 parties nominate district candidates.</a:t>
-            </a:r>
-          </a:p>
-          <a:p>
-            <a:r>
-              <a:rPr lang="en-US" dirty="0" smtClean="0"/>
-              <a:t>19 </a:t>
-            </a:r>
-            <a:r>
-              <a:rPr lang="en-US" dirty="0"/>
-              <a:t>parties have party lists.</a:t>
-            </a:r>
-          </a:p>
-          <a:p>
-            <a:r>
-              <a:rPr lang="en-US" dirty="0"/>
-              <a:t>KMT nominates 76 </a:t>
-            </a:r>
-            <a:r>
-              <a:rPr lang="en-US" dirty="0" smtClean="0"/>
-              <a:t>district candidates and </a:t>
-            </a:r>
-            <a:r>
-              <a:rPr lang="en-US" dirty="0"/>
-              <a:t>DPP nominates 69. TPP: 17, PFP: 10, NPP: 5, Green: 11.</a:t>
-            </a:r>
-          </a:p>
-        </p:txBody>
-      </p:sp>
-      <p:sp>
-        <p:nvSpPr>
-          <p:cNvPr id="4" name="Slide Number Placeholder 3"/>
-          <p:cNvSpPr>
-            <a:spLocks noGrp="1"/>
-          </p:cNvSpPr>
-          <p:nvPr>
-            <p:ph type="sldNum" sz="quarter" idx="12"/>
-          </p:nvPr>
-        </p:nvSpPr>
-        <p:spPr/>
-        <p:txBody>
-          <a:bodyPr/>
-          <a:lstStyle/>
-          <a:p>
-            <a:fld id="{CD9A5680-6096-C64A-AF8E-ED46E1855E22}" type="slidenum">
-              <a:rPr lang="en-US" smtClean="0"/>
-              <a:t>7</a:t>
-            </a:fld>
-            <a:endParaRPr lang="en-US"/>
-          </a:p>
-        </p:txBody>
-      </p:sp>
-    </p:spTree>
-    <p:extLst>
-      <p:ext uri="{BB962C8B-B14F-4D97-AF65-F5344CB8AC3E}">
-        <p14:creationId xmlns:p14="http://schemas.microsoft.com/office/powerpoint/2010/main" val="655145274"/>
-      </p:ext>
-    </p:extLst>
-  </p:cSld>
-  <p:clrMapOvr>
-    <a:masterClrMapping/>
-  </p:clrMapOvr>
-</p:sld>
-</file>
-
 <file path=ppt/slides/slide9.xml><?xml version="1.0" encoding="utf-8"?>
 <p:sld xmlns:a="http://schemas.openxmlformats.org/drawingml/2006/main" xmlns:r="http://schemas.openxmlformats.org/officeDocument/2006/relationships" xmlns:p="http://schemas.openxmlformats.org/presentationml/2006/main">
   <p:cSld>
@@ -21251,13 +22173,7 @@
       </p:grpSpPr>
       <p:sp>
         <p:nvSpPr>
-          <p:cNvPr id="2" name="標題 1">
-            <a:extLst>
-              <a:ext uri="{FF2B5EF4-FFF2-40B4-BE49-F238E27FC236}">
-                <a16:creationId xmlns:a16="http://schemas.microsoft.com/office/drawing/2014/main" xmlns="" id="{24CEBE4C-140D-0D4C-9776-D7C355D9D41F}"/>
-              </a:ext>
-            </a:extLst>
-          </p:cNvPr>
+          <p:cNvPr id="2" name="Title 1"/>
           <p:cNvSpPr>
             <a:spLocks noGrp="1"/>
           </p:cNvSpPr>
@@ -21271,22 +22187,67 @@
           <a:lstStyle/>
           <a:p>
             <a:r>
-              <a:rPr kumimoji="1" lang="en-US" altLang="zh-TW" dirty="0"/>
-              <a:t>Campaign Activities</a:t>
-            </a:r>
-            <a:endParaRPr kumimoji="1" lang="zh-TW" altLang="en-US" dirty="0"/>
-          </a:p>
-        </p:txBody>
-      </p:sp>
-      <p:sp>
-        <p:nvSpPr>
-          <p:cNvPr id="3" name="投影片編號版面配置區 2">
-            <a:extLst>
-              <a:ext uri="{FF2B5EF4-FFF2-40B4-BE49-F238E27FC236}">
-                <a16:creationId xmlns:a16="http://schemas.microsoft.com/office/drawing/2014/main" xmlns="" id="{18DEFD22-6D93-EF46-AE72-30E7C02BE86E}"/>
-              </a:ext>
-            </a:extLst>
-          </p:cNvPr>
+              <a:rPr lang="en-US" dirty="0"/>
+              <a:t>Party Nomination in LY Election</a:t>
+            </a:r>
+          </a:p>
+        </p:txBody>
+      </p:sp>
+      <p:sp>
+        <p:nvSpPr>
+          <p:cNvPr id="3" name="Content Placeholder 2"/>
+          <p:cNvSpPr>
+            <a:spLocks noGrp="1"/>
+          </p:cNvSpPr>
+          <p:nvPr>
+            <p:ph idx="1"/>
+          </p:nvPr>
+        </p:nvSpPr>
+        <p:spPr/>
+        <p:txBody>
+          <a:bodyPr/>
+          <a:lstStyle/>
+          <a:p>
+            <a:r>
+              <a:rPr lang="en-US" dirty="0"/>
+              <a:t>433 candidates register in the LY election.</a:t>
+            </a:r>
+          </a:p>
+          <a:p>
+            <a:r>
+              <a:rPr lang="en-US" dirty="0"/>
+              <a:t>43 parties nominate district candidates.</a:t>
+            </a:r>
+          </a:p>
+          <a:p>
+            <a:r>
+              <a:rPr lang="en-US" dirty="0" smtClean="0"/>
+              <a:t>19 </a:t>
+            </a:r>
+            <a:r>
+              <a:rPr lang="en-US" dirty="0"/>
+              <a:t>parties have party lists.</a:t>
+            </a:r>
+          </a:p>
+          <a:p>
+            <a:r>
+              <a:rPr lang="en-US" dirty="0"/>
+              <a:t>KMT nominates 76 </a:t>
+            </a:r>
+            <a:r>
+              <a:rPr lang="en-US" dirty="0" smtClean="0"/>
+              <a:t>district candidates and </a:t>
+            </a:r>
+            <a:r>
+              <a:rPr lang="en-US" dirty="0"/>
+              <a:t>DPP nominates 69. TPP: 17, PFP: 10, NPP: 5, Green: 11.</a:t>
+            </a:r>
+          </a:p>
+        </p:txBody>
+      </p:sp>
+      <p:sp>
+        <p:nvSpPr>
+          <p:cNvPr id="4" name="Slide Number Placeholder 3"/>
           <p:cNvSpPr>
             <a:spLocks noGrp="1"/>
           </p:cNvSpPr>
@@ -21307,130 +22268,10 @@
           </a:p>
         </p:txBody>
       </p:sp>
-      <p:pic>
-        <p:nvPicPr>
-          <p:cNvPr id="4" name="圖片 3">
-            <a:extLst>
-              <a:ext uri="{FF2B5EF4-FFF2-40B4-BE49-F238E27FC236}">
-                <a16:creationId xmlns:a16="http://schemas.microsoft.com/office/drawing/2014/main" xmlns="" id="{4612A773-CDC0-4F41-824F-E05D8E3B6334}"/>
-              </a:ext>
-            </a:extLst>
-          </p:cNvPr>
-          <p:cNvPicPr>
-            <a:picLocks noChangeAspect="1"/>
-          </p:cNvPicPr>
-          <p:nvPr/>
-        </p:nvPicPr>
-        <p:blipFill>
-          <a:blip r:embed="rId2"/>
-          <a:stretch>
-            <a:fillRect/>
-          </a:stretch>
-        </p:blipFill>
-        <p:spPr>
-          <a:xfrm>
-            <a:off x="1108880" y="1161825"/>
-            <a:ext cx="2731600" cy="2487707"/>
-          </a:xfrm>
-          <a:prstGeom prst="rect">
-            <a:avLst/>
-          </a:prstGeom>
-        </p:spPr>
-      </p:pic>
-      <p:pic>
-        <p:nvPicPr>
-          <p:cNvPr id="5" name="圖片 4">
-            <a:extLst>
-              <a:ext uri="{FF2B5EF4-FFF2-40B4-BE49-F238E27FC236}">
-                <a16:creationId xmlns:a16="http://schemas.microsoft.com/office/drawing/2014/main" xmlns="" id="{89A42DFF-D321-8A46-9DE3-E11CAA0E11C1}"/>
-              </a:ext>
-            </a:extLst>
-          </p:cNvPr>
-          <p:cNvPicPr>
-            <a:picLocks noChangeAspect="1"/>
-          </p:cNvPicPr>
-          <p:nvPr/>
-        </p:nvPicPr>
-        <p:blipFill>
-          <a:blip r:embed="rId3"/>
-          <a:stretch>
-            <a:fillRect/>
-          </a:stretch>
-        </p:blipFill>
-        <p:spPr>
-          <a:xfrm>
-            <a:off x="5269031" y="1172584"/>
-            <a:ext cx="2661596" cy="2436384"/>
-          </a:xfrm>
-          <a:prstGeom prst="rect">
-            <a:avLst/>
-          </a:prstGeom>
-        </p:spPr>
-      </p:pic>
-      <p:pic>
-        <p:nvPicPr>
-          <p:cNvPr id="6" name="圖片 5">
-            <a:extLst>
-              <a:ext uri="{FF2B5EF4-FFF2-40B4-BE49-F238E27FC236}">
-                <a16:creationId xmlns:a16="http://schemas.microsoft.com/office/drawing/2014/main" xmlns="" id="{7A7825C2-B1F2-D34A-B680-9A1740B8DA33}"/>
-              </a:ext>
-            </a:extLst>
-          </p:cNvPr>
-          <p:cNvPicPr>
-            <a:picLocks noChangeAspect="1"/>
-          </p:cNvPicPr>
-          <p:nvPr/>
-        </p:nvPicPr>
-        <p:blipFill>
-          <a:blip r:embed="rId4"/>
-          <a:stretch>
-            <a:fillRect/>
-          </a:stretch>
-        </p:blipFill>
-        <p:spPr>
-          <a:xfrm>
-            <a:off x="1140311" y="3577060"/>
-            <a:ext cx="2807522" cy="2443187"/>
-          </a:xfrm>
-          <a:prstGeom prst="rect">
-            <a:avLst/>
-          </a:prstGeom>
-        </p:spPr>
-      </p:pic>
-      <p:pic>
-        <p:nvPicPr>
-          <p:cNvPr id="7" name="圖片 6">
-            <a:extLst>
-              <a:ext uri="{FF2B5EF4-FFF2-40B4-BE49-F238E27FC236}">
-                <a16:creationId xmlns:a16="http://schemas.microsoft.com/office/drawing/2014/main" xmlns="" id="{429AB3BD-2BB5-E94C-9BDE-C23946D267ED}"/>
-              </a:ext>
-            </a:extLst>
-          </p:cNvPr>
-          <p:cNvPicPr>
-            <a:picLocks noChangeAspect="1"/>
-          </p:cNvPicPr>
-          <p:nvPr/>
-        </p:nvPicPr>
-        <p:blipFill>
-          <a:blip r:embed="rId5"/>
-          <a:stretch>
-            <a:fillRect/>
-          </a:stretch>
-        </p:blipFill>
-        <p:spPr>
-          <a:xfrm>
-            <a:off x="5282004" y="3694148"/>
-            <a:ext cx="2646382" cy="2335450"/>
-          </a:xfrm>
-          <a:prstGeom prst="rect">
-            <a:avLst/>
-          </a:prstGeom>
-        </p:spPr>
-      </p:pic>
     </p:spTree>
     <p:extLst>
       <p:ext uri="{BB962C8B-B14F-4D97-AF65-F5344CB8AC3E}">
-        <p14:creationId xmlns:p14="http://schemas.microsoft.com/office/powerpoint/2010/main" val="1323291548"/>
+        <p14:creationId xmlns:p14="http://schemas.microsoft.com/office/powerpoint/2010/main" val="655145274"/>
       </p:ext>
     </p:extLst>
   </p:cSld>
@@ -22995,4 +23836,281 @@
     </a:bgFillStyleLst>
   </a:fmtScheme>
 </a:themeOverride>
+</file>
+
+<file path=ppt/theme/themeOverride2.xml><?xml version="1.0" encoding="utf-8"?>
+<a:themeOverride xmlns:a="http://schemas.openxmlformats.org/drawingml/2006/main">
+  <a:clrScheme name="Office">
+    <a:dk1>
+      <a:sysClr val="windowText" lastClr="000000"/>
+    </a:dk1>
+    <a:lt1>
+      <a:sysClr val="window" lastClr="FFFFFF"/>
+    </a:lt1>
+    <a:dk2>
+      <a:srgbClr val="1F497D"/>
+    </a:dk2>
+    <a:lt2>
+      <a:srgbClr val="EEECE1"/>
+    </a:lt2>
+    <a:accent1>
+      <a:srgbClr val="4F81BD"/>
+    </a:accent1>
+    <a:accent2>
+      <a:srgbClr val="C0504D"/>
+    </a:accent2>
+    <a:accent3>
+      <a:srgbClr val="9BBB59"/>
+    </a:accent3>
+    <a:accent4>
+      <a:srgbClr val="8064A2"/>
+    </a:accent4>
+    <a:accent5>
+      <a:srgbClr val="4BACC6"/>
+    </a:accent5>
+    <a:accent6>
+      <a:srgbClr val="F79646"/>
+    </a:accent6>
+    <a:hlink>
+      <a:srgbClr val="0000FF"/>
+    </a:hlink>
+    <a:folHlink>
+      <a:srgbClr val="800080"/>
+    </a:folHlink>
+  </a:clrScheme>
+  <a:fontScheme name="Office">
+    <a:majorFont>
+      <a:latin typeface="Calibri"/>
+      <a:ea typeface=""/>
+      <a:cs typeface=""/>
+      <a:font script="Jpan" typeface="ＭＳ Ｐゴシック"/>
+      <a:font script="Hang" typeface="맑은 고딕"/>
+      <a:font script="Hans" typeface="宋体"/>
+      <a:font script="Hant" typeface="新細明體"/>
+      <a:font script="Arab" typeface="Times New Roman"/>
+      <a:font script="Hebr" typeface="Times New Roman"/>
+      <a:font script="Thai" typeface="Angsana New"/>
+      <a:font script="Ethi" typeface="Nyala"/>
+      <a:font script="Beng" typeface="Vrinda"/>
+      <a:font script="Gujr" typeface="Shruti"/>
+      <a:font script="Khmr" typeface="MoolBoran"/>
+      <a:font script="Knda" typeface="Tunga"/>
+      <a:font script="Guru" typeface="Raavi"/>
+      <a:font script="Cans" typeface="Euphemia"/>
+      <a:font script="Cher" typeface="Plantagenet Cherokee"/>
+      <a:font script="Yiii" typeface="Microsoft Yi Baiti"/>
+      <a:font script="Tibt" typeface="Microsoft Himalaya"/>
+      <a:font script="Thaa" typeface="MV Boli"/>
+      <a:font script="Deva" typeface="Mangal"/>
+      <a:font script="Telu" typeface="Gautami"/>
+      <a:font script="Taml" typeface="Latha"/>
+      <a:font script="Syrc" typeface="Estrangelo Edessa"/>
+      <a:font script="Orya" typeface="Kalinga"/>
+      <a:font script="Mlym" typeface="Kartika"/>
+      <a:font script="Laoo" typeface="DokChampa"/>
+      <a:font script="Sinh" typeface="Iskoola Pota"/>
+      <a:font script="Mong" typeface="Mongolian Baiti"/>
+      <a:font script="Viet" typeface="Times New Roman"/>
+      <a:font script="Uigh" typeface="Microsoft Uighur"/>
+      <a:font script="Geor" typeface="Sylfaen"/>
+    </a:majorFont>
+    <a:minorFont>
+      <a:latin typeface="Calibri"/>
+      <a:ea typeface=""/>
+      <a:cs typeface=""/>
+      <a:font script="Jpan" typeface="ＭＳ Ｐゴシック"/>
+      <a:font script="Hang" typeface="맑은 고딕"/>
+      <a:font script="Hans" typeface="宋体"/>
+      <a:font script="Hant" typeface="新細明體"/>
+      <a:font script="Arab" typeface="Arial"/>
+      <a:font script="Hebr" typeface="Arial"/>
+      <a:font script="Thai" typeface="Cordia New"/>
+      <a:font script="Ethi" typeface="Nyala"/>
+      <a:font script="Beng" typeface="Vrinda"/>
+      <a:font script="Gujr" typeface="Shruti"/>
+      <a:font script="Khmr" typeface="DaunPenh"/>
+      <a:font script="Knda" typeface="Tunga"/>
+      <a:font script="Guru" typeface="Raavi"/>
+      <a:font script="Cans" typeface="Euphemia"/>
+      <a:font script="Cher" typeface="Plantagenet Cherokee"/>
+      <a:font script="Yiii" typeface="Microsoft Yi Baiti"/>
+      <a:font script="Tibt" typeface="Microsoft Himalaya"/>
+      <a:font script="Thaa" typeface="MV Boli"/>
+      <a:font script="Deva" typeface="Mangal"/>
+      <a:font script="Telu" typeface="Gautami"/>
+      <a:font script="Taml" typeface="Latha"/>
+      <a:font script="Syrc" typeface="Estrangelo Edessa"/>
+      <a:font script="Orya" typeface="Kalinga"/>
+      <a:font script="Mlym" typeface="Kartika"/>
+      <a:font script="Laoo" typeface="DokChampa"/>
+      <a:font script="Sinh" typeface="Iskoola Pota"/>
+      <a:font script="Mong" typeface="Mongolian Baiti"/>
+      <a:font script="Viet" typeface="Arial"/>
+      <a:font script="Uigh" typeface="Microsoft Uighur"/>
+      <a:font script="Geor" typeface="Sylfaen"/>
+    </a:minorFont>
+  </a:fontScheme>
+  <a:fmtScheme name="Office">
+    <a:fillStyleLst>
+      <a:solidFill>
+        <a:schemeClr val="phClr"/>
+      </a:solidFill>
+      <a:gradFill rotWithShape="1">
+        <a:gsLst>
+          <a:gs pos="0">
+            <a:schemeClr val="phClr">
+              <a:tint val="50000"/>
+              <a:satMod val="300000"/>
+            </a:schemeClr>
+          </a:gs>
+          <a:gs pos="35000">
+            <a:schemeClr val="phClr">
+              <a:tint val="37000"/>
+              <a:satMod val="300000"/>
+            </a:schemeClr>
+          </a:gs>
+          <a:gs pos="100000">
+            <a:schemeClr val="phClr">
+              <a:tint val="15000"/>
+              <a:satMod val="350000"/>
+            </a:schemeClr>
+          </a:gs>
+        </a:gsLst>
+        <a:lin ang="16200000" scaled="1"/>
+      </a:gradFill>
+      <a:gradFill rotWithShape="1">
+        <a:gsLst>
+          <a:gs pos="0">
+            <a:schemeClr val="phClr">
+              <a:tint val="100000"/>
+              <a:shade val="100000"/>
+              <a:satMod val="130000"/>
+            </a:schemeClr>
+          </a:gs>
+          <a:gs pos="100000">
+            <a:schemeClr val="phClr">
+              <a:tint val="50000"/>
+              <a:shade val="100000"/>
+              <a:satMod val="350000"/>
+            </a:schemeClr>
+          </a:gs>
+        </a:gsLst>
+        <a:lin ang="16200000" scaled="0"/>
+      </a:gradFill>
+    </a:fillStyleLst>
+    <a:lnStyleLst>
+      <a:ln w="9525" cap="flat" cmpd="sng" algn="ctr">
+        <a:solidFill>
+          <a:schemeClr val="phClr">
+            <a:shade val="95000"/>
+            <a:satMod val="105000"/>
+          </a:schemeClr>
+        </a:solidFill>
+        <a:prstDash val="solid"/>
+      </a:ln>
+      <a:ln w="25400" cap="flat" cmpd="sng" algn="ctr">
+        <a:solidFill>
+          <a:schemeClr val="phClr"/>
+        </a:solidFill>
+        <a:prstDash val="solid"/>
+      </a:ln>
+      <a:ln w="38100" cap="flat" cmpd="sng" algn="ctr">
+        <a:solidFill>
+          <a:schemeClr val="phClr"/>
+        </a:solidFill>
+        <a:prstDash val="solid"/>
+      </a:ln>
+    </a:lnStyleLst>
+    <a:effectStyleLst>
+      <a:effectStyle>
+        <a:effectLst>
+          <a:outerShdw blurRad="40000" dist="20000" dir="5400000" rotWithShape="0">
+            <a:srgbClr val="000000">
+              <a:alpha val="38000"/>
+            </a:srgbClr>
+          </a:outerShdw>
+        </a:effectLst>
+      </a:effectStyle>
+      <a:effectStyle>
+        <a:effectLst>
+          <a:outerShdw blurRad="40000" dist="23000" dir="5400000" rotWithShape="0">
+            <a:srgbClr val="000000">
+              <a:alpha val="35000"/>
+            </a:srgbClr>
+          </a:outerShdw>
+        </a:effectLst>
+      </a:effectStyle>
+      <a:effectStyle>
+        <a:effectLst>
+          <a:outerShdw blurRad="40000" dist="23000" dir="5400000" rotWithShape="0">
+            <a:srgbClr val="000000">
+              <a:alpha val="35000"/>
+            </a:srgbClr>
+          </a:outerShdw>
+        </a:effectLst>
+        <a:scene3d>
+          <a:camera prst="orthographicFront">
+            <a:rot lat="0" lon="0" rev="0"/>
+          </a:camera>
+          <a:lightRig rig="threePt" dir="t">
+            <a:rot lat="0" lon="0" rev="1200000"/>
+          </a:lightRig>
+        </a:scene3d>
+        <a:sp3d>
+          <a:bevelT w="63500" h="25400"/>
+        </a:sp3d>
+      </a:effectStyle>
+    </a:effectStyleLst>
+    <a:bgFillStyleLst>
+      <a:solidFill>
+        <a:schemeClr val="phClr"/>
+      </a:solidFill>
+      <a:gradFill rotWithShape="1">
+        <a:gsLst>
+          <a:gs pos="0">
+            <a:schemeClr val="phClr">
+              <a:tint val="40000"/>
+              <a:satMod val="350000"/>
+            </a:schemeClr>
+          </a:gs>
+          <a:gs pos="40000">
+            <a:schemeClr val="phClr">
+              <a:tint val="45000"/>
+              <a:shade val="99000"/>
+              <a:satMod val="350000"/>
+            </a:schemeClr>
+          </a:gs>
+          <a:gs pos="100000">
+            <a:schemeClr val="phClr">
+              <a:shade val="20000"/>
+              <a:satMod val="255000"/>
+            </a:schemeClr>
+          </a:gs>
+        </a:gsLst>
+        <a:path path="circle">
+          <a:fillToRect l="50000" t="-80000" r="50000" b="180000"/>
+        </a:path>
+      </a:gradFill>
+      <a:gradFill rotWithShape="1">
+        <a:gsLst>
+          <a:gs pos="0">
+            <a:schemeClr val="phClr">
+              <a:tint val="80000"/>
+              <a:satMod val="300000"/>
+            </a:schemeClr>
+          </a:gs>
+          <a:gs pos="100000">
+            <a:schemeClr val="phClr">
+              <a:shade val="30000"/>
+              <a:satMod val="200000"/>
+            </a:schemeClr>
+          </a:gs>
+        </a:gsLst>
+        <a:path path="circle">
+          <a:fillToRect l="50000" t="50000" r="50000" b="50000"/>
+        </a:path>
+      </a:gradFill>
+    </a:bgFillStyleLst>
+  </a:fmtScheme>
+</a:themeOverride>
 </file>